--- a/SilverSurferVerslag/Verslag demo 5/Klassendiagramma.pptx
+++ b/SilverSurferVerslag/Verslag demo 5/Klassendiagramma.pptx
@@ -8,7 +8,8 @@
     <p:sldId id="256" r:id="rId2"/>
     <p:sldId id="257" r:id="rId3"/>
     <p:sldId id="258" r:id="rId4"/>
-    <p:sldId id="259" r:id="rId5"/>
+    <p:sldId id="260" r:id="rId5"/>
+    <p:sldId id="259" r:id="rId6"/>
   </p:sldIdLst>
   <p:sldSz cx="9144000" cy="6858000" type="screen4x3"/>
   <p:notesSz cx="6858000" cy="9144000"/>
@@ -291,7 +292,7 @@
           <a:p>
             <a:fld id="{C9E9C0BE-A832-44F7-BFB7-77E7A556107C}" type="datetimeFigureOut">
               <a:rPr lang="nl-BE" smtClean="0"/>
-              <a:t>27/02/2013</a:t>
+              <a:t>19/03/2013</a:t>
             </a:fld>
             <a:endParaRPr lang="nl-BE"/>
           </a:p>
@@ -461,7 +462,7 @@
           <a:p>
             <a:fld id="{C9E9C0BE-A832-44F7-BFB7-77E7A556107C}" type="datetimeFigureOut">
               <a:rPr lang="nl-BE" smtClean="0"/>
-              <a:t>27/02/2013</a:t>
+              <a:t>19/03/2013</a:t>
             </a:fld>
             <a:endParaRPr lang="nl-BE"/>
           </a:p>
@@ -641,7 +642,7 @@
           <a:p>
             <a:fld id="{C9E9C0BE-A832-44F7-BFB7-77E7A556107C}" type="datetimeFigureOut">
               <a:rPr lang="nl-BE" smtClean="0"/>
-              <a:t>27/02/2013</a:t>
+              <a:t>19/03/2013</a:t>
             </a:fld>
             <a:endParaRPr lang="nl-BE"/>
           </a:p>
@@ -811,7 +812,7 @@
           <a:p>
             <a:fld id="{C9E9C0BE-A832-44F7-BFB7-77E7A556107C}" type="datetimeFigureOut">
               <a:rPr lang="nl-BE" smtClean="0"/>
-              <a:t>27/02/2013</a:t>
+              <a:t>19/03/2013</a:t>
             </a:fld>
             <a:endParaRPr lang="nl-BE"/>
           </a:p>
@@ -1057,7 +1058,7 @@
           <a:p>
             <a:fld id="{C9E9C0BE-A832-44F7-BFB7-77E7A556107C}" type="datetimeFigureOut">
               <a:rPr lang="nl-BE" smtClean="0"/>
-              <a:t>27/02/2013</a:t>
+              <a:t>19/03/2013</a:t>
             </a:fld>
             <a:endParaRPr lang="nl-BE"/>
           </a:p>
@@ -1345,7 +1346,7 @@
           <a:p>
             <a:fld id="{C9E9C0BE-A832-44F7-BFB7-77E7A556107C}" type="datetimeFigureOut">
               <a:rPr lang="nl-BE" smtClean="0"/>
-              <a:t>27/02/2013</a:t>
+              <a:t>19/03/2013</a:t>
             </a:fld>
             <a:endParaRPr lang="nl-BE"/>
           </a:p>
@@ -1767,7 +1768,7 @@
           <a:p>
             <a:fld id="{C9E9C0BE-A832-44F7-BFB7-77E7A556107C}" type="datetimeFigureOut">
               <a:rPr lang="nl-BE" smtClean="0"/>
-              <a:t>27/02/2013</a:t>
+              <a:t>19/03/2013</a:t>
             </a:fld>
             <a:endParaRPr lang="nl-BE"/>
           </a:p>
@@ -1885,7 +1886,7 @@
           <a:p>
             <a:fld id="{C9E9C0BE-A832-44F7-BFB7-77E7A556107C}" type="datetimeFigureOut">
               <a:rPr lang="nl-BE" smtClean="0"/>
-              <a:t>27/02/2013</a:t>
+              <a:t>19/03/2013</a:t>
             </a:fld>
             <a:endParaRPr lang="nl-BE"/>
           </a:p>
@@ -1980,7 +1981,7 @@
           <a:p>
             <a:fld id="{C9E9C0BE-A832-44F7-BFB7-77E7A556107C}" type="datetimeFigureOut">
               <a:rPr lang="nl-BE" smtClean="0"/>
-              <a:t>27/02/2013</a:t>
+              <a:t>19/03/2013</a:t>
             </a:fld>
             <a:endParaRPr lang="nl-BE"/>
           </a:p>
@@ -2257,7 +2258,7 @@
           <a:p>
             <a:fld id="{C9E9C0BE-A832-44F7-BFB7-77E7A556107C}" type="datetimeFigureOut">
               <a:rPr lang="nl-BE" smtClean="0"/>
-              <a:t>27/02/2013</a:t>
+              <a:t>19/03/2013</a:t>
             </a:fld>
             <a:endParaRPr lang="nl-BE"/>
           </a:p>
@@ -2510,7 +2511,7 @@
           <a:p>
             <a:fld id="{C9E9C0BE-A832-44F7-BFB7-77E7A556107C}" type="datetimeFigureOut">
               <a:rPr lang="nl-BE" smtClean="0"/>
-              <a:t>27/02/2013</a:t>
+              <a:t>19/03/2013</a:t>
             </a:fld>
             <a:endParaRPr lang="nl-BE"/>
           </a:p>
@@ -2723,7 +2724,7 @@
           <a:p>
             <a:fld id="{C9E9C0BE-A832-44F7-BFB7-77E7A556107C}" type="datetimeFigureOut">
               <a:rPr lang="nl-BE" smtClean="0"/>
-              <a:t>27/02/2013</a:t>
+              <a:t>19/03/2013</a:t>
             </a:fld>
             <a:endParaRPr lang="nl-BE"/>
           </a:p>
@@ -3834,7 +3835,7 @@
         </p:nvGrpSpPr>
         <p:grpSpPr>
           <a:xfrm>
-            <a:off x="1454201" y="958486"/>
+            <a:off x="1360739" y="950866"/>
             <a:ext cx="6268358" cy="5234395"/>
             <a:chOff x="2402041" y="958486"/>
             <a:chExt cx="6268358" cy="5234395"/>
@@ -5064,6 +5065,886 @@
       </p:grpSpPr>
       <p:grpSp>
         <p:nvGrpSpPr>
+          <p:cNvPr id="87" name="Groep 86"/>
+          <p:cNvGrpSpPr/>
+          <p:nvPr/>
+        </p:nvGrpSpPr>
+        <p:grpSpPr>
+          <a:xfrm>
+            <a:off x="911885" y="981714"/>
+            <a:ext cx="7064816" cy="5503496"/>
+            <a:chOff x="229867" y="1000094"/>
+            <a:chExt cx="7064816" cy="5503496"/>
+          </a:xfrm>
+        </p:grpSpPr>
+        <p:sp>
+          <p:nvSpPr>
+            <p:cNvPr id="23" name="Tekstvak 22"/>
+            <p:cNvSpPr txBox="1">
+              <a:spLocks noChangeAspect="1"/>
+            </p:cNvSpPr>
+            <p:nvPr/>
+          </p:nvSpPr>
+          <p:spPr>
+            <a:xfrm>
+              <a:off x="2788109" y="1000094"/>
+              <a:ext cx="3312368" cy="1975009"/>
+            </a:xfrm>
+            <a:prstGeom prst="roundRect">
+              <a:avLst/>
+            </a:prstGeom>
+            <a:solidFill>
+              <a:schemeClr val="accent1">
+                <a:lumMod val="20000"/>
+                <a:lumOff val="80000"/>
+              </a:schemeClr>
+            </a:solidFill>
+            <a:ln>
+              <a:solidFill>
+                <a:schemeClr val="tx1"/>
+              </a:solidFill>
+            </a:ln>
+          </p:spPr>
+          <p:txBody>
+            <a:bodyPr wrap="square" rtlCol="0" anchor="ctr" anchorCtr="1">
+              <a:spAutoFit/>
+            </a:bodyPr>
+            <a:lstStyle>
+              <a:defPPr>
+                <a:defRPr lang="nl-BE"/>
+              </a:defPPr>
+              <a:lvl1pPr algn="ctr">
+                <a:defRPr sz="2000">
+                  <a:latin typeface="Times New Roman" pitchFamily="18" charset="0"/>
+                  <a:cs typeface="Times New Roman" pitchFamily="18" charset="0"/>
+                </a:defRPr>
+              </a:lvl1pPr>
+            </a:lstStyle>
+            <a:p>
+              <a:r>
+                <a:rPr lang="nl-BE" dirty="0" smtClean="0">
+                  <a:solidFill>
+                    <a:schemeClr val="accent1">
+                      <a:lumMod val="75000"/>
+                    </a:schemeClr>
+                  </a:solidFill>
+                </a:rPr>
+                <a:t>HTTTP</a:t>
+              </a:r>
+            </a:p>
+            <a:p>
+              <a:endParaRPr lang="nl-BE" sz="1000" dirty="0" smtClean="0"/>
+            </a:p>
+            <a:p>
+              <a:endParaRPr lang="nl-BE" dirty="0"/>
+            </a:p>
+            <a:p>
+              <a:endParaRPr lang="nl-BE" dirty="0" smtClean="0"/>
+            </a:p>
+            <a:p>
+              <a:endParaRPr lang="nl-BE" dirty="0"/>
+            </a:p>
+            <a:p>
+              <a:endParaRPr lang="nl-BE" dirty="0"/>
+            </a:p>
+          </p:txBody>
+        </p:sp>
+        <p:grpSp>
+          <p:nvGrpSpPr>
+            <p:cNvPr id="86" name="Groep 85"/>
+            <p:cNvGrpSpPr/>
+            <p:nvPr/>
+          </p:nvGrpSpPr>
+          <p:grpSpPr>
+            <a:xfrm>
+              <a:off x="229867" y="1601792"/>
+              <a:ext cx="7064816" cy="4901798"/>
+              <a:chOff x="229867" y="1601792"/>
+              <a:chExt cx="7064816" cy="4901798"/>
+            </a:xfrm>
+          </p:grpSpPr>
+          <p:sp>
+            <p:nvSpPr>
+              <p:cNvPr id="6" name="Tekstvak 5"/>
+              <p:cNvSpPr txBox="1">
+                <a:spLocks noChangeAspect="1"/>
+              </p:cNvSpPr>
+              <p:nvPr/>
+            </p:nvSpPr>
+            <p:spPr>
+              <a:xfrm>
+                <a:off x="5323331" y="3733462"/>
+                <a:ext cx="1971352" cy="400110"/>
+              </a:xfrm>
+              <a:prstGeom prst="rect">
+                <a:avLst/>
+              </a:prstGeom>
+              <a:noFill/>
+              <a:ln>
+                <a:solidFill>
+                  <a:schemeClr val="tx1"/>
+                </a:solidFill>
+              </a:ln>
+            </p:spPr>
+            <p:txBody>
+              <a:bodyPr wrap="square" rtlCol="0" anchor="ctr" anchorCtr="1">
+                <a:spAutoFit/>
+              </a:bodyPr>
+              <a:lstStyle>
+                <a:defPPr>
+                  <a:defRPr lang="nl-BE"/>
+                </a:defPPr>
+                <a:lvl1pPr algn="ctr">
+                  <a:defRPr sz="2000">
+                    <a:latin typeface="Times New Roman" pitchFamily="18" charset="0"/>
+                    <a:cs typeface="Times New Roman" pitchFamily="18" charset="0"/>
+                  </a:defRPr>
+                </a:lvl1pPr>
+              </a:lstStyle>
+              <a:p>
+                <a:r>
+                  <a:rPr lang="nl-BE" dirty="0" err="1" smtClean="0"/>
+                  <a:t>Spectator</a:t>
+                </a:r>
+                <a:r>
+                  <a:rPr lang="nl-BE" dirty="0" err="1" smtClean="0"/>
+                  <a:t>Handler</a:t>
+                </a:r>
+                <a:endParaRPr lang="nl-BE" dirty="0"/>
+              </a:p>
+            </p:txBody>
+          </p:sp>
+          <p:sp>
+            <p:nvSpPr>
+              <p:cNvPr id="7" name="Tekstvak 6"/>
+              <p:cNvSpPr txBox="1">
+                <a:spLocks noChangeAspect="1"/>
+              </p:cNvSpPr>
+              <p:nvPr/>
+            </p:nvSpPr>
+            <p:spPr>
+              <a:xfrm>
+                <a:off x="1578546" y="3733462"/>
+                <a:ext cx="1971352" cy="400110"/>
+              </a:xfrm>
+              <a:prstGeom prst="rect">
+                <a:avLst/>
+              </a:prstGeom>
+              <a:noFill/>
+              <a:ln>
+                <a:solidFill>
+                  <a:schemeClr val="tx1"/>
+                </a:solidFill>
+              </a:ln>
+            </p:spPr>
+            <p:txBody>
+              <a:bodyPr wrap="square" rtlCol="0" anchor="ctr" anchorCtr="1">
+                <a:spAutoFit/>
+              </a:bodyPr>
+              <a:lstStyle>
+                <a:defPPr>
+                  <a:defRPr lang="nl-BE"/>
+                </a:defPPr>
+                <a:lvl1pPr algn="ctr">
+                  <a:defRPr sz="2000">
+                    <a:latin typeface="Times New Roman" pitchFamily="18" charset="0"/>
+                    <a:cs typeface="Times New Roman" pitchFamily="18" charset="0"/>
+                  </a:defRPr>
+                </a:lvl1pPr>
+              </a:lstStyle>
+              <a:p>
+                <a:r>
+                  <a:rPr lang="nl-BE" dirty="0" err="1" smtClean="0"/>
+                  <a:t>PlayerHandler</a:t>
+                </a:r>
+                <a:endParaRPr lang="nl-BE" dirty="0"/>
+              </a:p>
+            </p:txBody>
+          </p:sp>
+          <p:sp>
+            <p:nvSpPr>
+              <p:cNvPr id="8" name="Tekstvak 7"/>
+              <p:cNvSpPr txBox="1">
+                <a:spLocks noChangeAspect="1"/>
+              </p:cNvSpPr>
+              <p:nvPr/>
+            </p:nvSpPr>
+            <p:spPr>
+              <a:xfrm>
+                <a:off x="229867" y="1601792"/>
+                <a:ext cx="1971352" cy="400110"/>
+              </a:xfrm>
+              <a:prstGeom prst="rect">
+                <a:avLst/>
+              </a:prstGeom>
+              <a:noFill/>
+              <a:ln>
+                <a:solidFill>
+                  <a:schemeClr val="tx1"/>
+                </a:solidFill>
+              </a:ln>
+            </p:spPr>
+            <p:txBody>
+              <a:bodyPr wrap="square" rtlCol="0" anchor="ctr" anchorCtr="1">
+                <a:spAutoFit/>
+              </a:bodyPr>
+              <a:lstStyle>
+                <a:defPPr>
+                  <a:defRPr lang="nl-BE"/>
+                </a:defPPr>
+                <a:lvl1pPr algn="ctr">
+                  <a:defRPr sz="2000">
+                    <a:latin typeface="Times New Roman" pitchFamily="18" charset="0"/>
+                    <a:cs typeface="Times New Roman" pitchFamily="18" charset="0"/>
+                  </a:defRPr>
+                </a:lvl1pPr>
+              </a:lstStyle>
+              <a:p>
+                <a:r>
+                  <a:rPr lang="nl-BE" dirty="0" err="1" smtClean="0"/>
+                  <a:t>MQCenter</a:t>
+                </a:r>
+                <a:endParaRPr lang="nl-BE" dirty="0"/>
+              </a:p>
+            </p:txBody>
+          </p:sp>
+          <p:sp>
+            <p:nvSpPr>
+              <p:cNvPr id="19" name="Tekstvak 18"/>
+              <p:cNvSpPr txBox="1">
+                <a:spLocks noChangeAspect="1"/>
+              </p:cNvSpPr>
+              <p:nvPr/>
+            </p:nvSpPr>
+            <p:spPr>
+              <a:xfrm>
+                <a:off x="1578546" y="4857302"/>
+                <a:ext cx="1971352" cy="400110"/>
+              </a:xfrm>
+              <a:prstGeom prst="rect">
+                <a:avLst/>
+              </a:prstGeom>
+              <a:noFill/>
+              <a:ln>
+                <a:solidFill>
+                  <a:schemeClr val="tx1"/>
+                </a:solidFill>
+              </a:ln>
+            </p:spPr>
+            <p:txBody>
+              <a:bodyPr wrap="square" rtlCol="0" anchor="ctr" anchorCtr="1">
+                <a:spAutoFit/>
+              </a:bodyPr>
+              <a:lstStyle>
+                <a:defPPr>
+                  <a:defRPr lang="nl-BE"/>
+                </a:defPPr>
+                <a:lvl1pPr algn="ctr">
+                  <a:defRPr sz="2000">
+                    <a:latin typeface="Times New Roman" pitchFamily="18" charset="0"/>
+                    <a:cs typeface="Times New Roman" pitchFamily="18" charset="0"/>
+                  </a:defRPr>
+                </a:lvl1pPr>
+              </a:lstStyle>
+              <a:p>
+                <a:r>
+                  <a:rPr lang="nl-BE" dirty="0" err="1" smtClean="0"/>
+                  <a:t>AbstractPilot</a:t>
+                </a:r>
+                <a:endParaRPr lang="nl-BE" dirty="0"/>
+              </a:p>
+            </p:txBody>
+          </p:sp>
+          <p:sp>
+            <p:nvSpPr>
+              <p:cNvPr id="20" name="Tekstvak 19"/>
+              <p:cNvSpPr txBox="1">
+                <a:spLocks noChangeAspect="1"/>
+              </p:cNvSpPr>
+              <p:nvPr/>
+            </p:nvSpPr>
+            <p:spPr>
+              <a:xfrm>
+                <a:off x="5323331" y="4857302"/>
+                <a:ext cx="1971352" cy="400110"/>
+              </a:xfrm>
+              <a:prstGeom prst="rect">
+                <a:avLst/>
+              </a:prstGeom>
+              <a:noFill/>
+              <a:ln>
+                <a:solidFill>
+                  <a:schemeClr val="tx1"/>
+                </a:solidFill>
+              </a:ln>
+            </p:spPr>
+            <p:txBody>
+              <a:bodyPr wrap="square" rtlCol="0" anchor="ctr" anchorCtr="1">
+                <a:spAutoFit/>
+              </a:bodyPr>
+              <a:lstStyle>
+                <a:defPPr>
+                  <a:defRPr lang="nl-BE"/>
+                </a:defPPr>
+                <a:lvl1pPr algn="ctr">
+                  <a:defRPr sz="2000">
+                    <a:latin typeface="Times New Roman" pitchFamily="18" charset="0"/>
+                    <a:cs typeface="Times New Roman" pitchFamily="18" charset="0"/>
+                  </a:defRPr>
+                </a:lvl1pPr>
+              </a:lstStyle>
+              <a:p>
+                <a:r>
+                  <a:rPr lang="nl-BE" dirty="0" err="1" smtClean="0"/>
+                  <a:t>DummyPilot</a:t>
+                </a:r>
+                <a:endParaRPr lang="nl-BE" dirty="0"/>
+              </a:p>
+            </p:txBody>
+          </p:sp>
+          <p:sp>
+            <p:nvSpPr>
+              <p:cNvPr id="21" name="Tekstvak 20"/>
+              <p:cNvSpPr txBox="1">
+                <a:spLocks noChangeAspect="1"/>
+              </p:cNvSpPr>
+              <p:nvPr/>
+            </p:nvSpPr>
+            <p:spPr>
+              <a:xfrm>
+                <a:off x="1578546" y="6103480"/>
+                <a:ext cx="1971352" cy="400110"/>
+              </a:xfrm>
+              <a:prstGeom prst="rect">
+                <a:avLst/>
+              </a:prstGeom>
+              <a:noFill/>
+              <a:ln>
+                <a:solidFill>
+                  <a:schemeClr val="tx1"/>
+                </a:solidFill>
+              </a:ln>
+            </p:spPr>
+            <p:txBody>
+              <a:bodyPr wrap="square" rtlCol="0" anchor="ctr" anchorCtr="1">
+                <a:spAutoFit/>
+              </a:bodyPr>
+              <a:lstStyle>
+                <a:defPPr>
+                  <a:defRPr lang="nl-BE"/>
+                </a:defPPr>
+                <a:lvl1pPr algn="ctr">
+                  <a:defRPr sz="2000">
+                    <a:latin typeface="Times New Roman" pitchFamily="18" charset="0"/>
+                    <a:cs typeface="Times New Roman" pitchFamily="18" charset="0"/>
+                  </a:defRPr>
+                </a:lvl1pPr>
+              </a:lstStyle>
+              <a:p>
+                <a:r>
+                  <a:rPr lang="nl-BE" dirty="0" smtClean="0"/>
+                  <a:t>…</a:t>
+                </a:r>
+                <a:endParaRPr lang="nl-BE" dirty="0"/>
+              </a:p>
+            </p:txBody>
+          </p:sp>
+          <p:sp>
+            <p:nvSpPr>
+              <p:cNvPr id="22" name="Tekstvak 21"/>
+              <p:cNvSpPr txBox="1">
+                <a:spLocks noChangeAspect="1"/>
+              </p:cNvSpPr>
+              <p:nvPr/>
+            </p:nvSpPr>
+            <p:spPr>
+              <a:xfrm>
+                <a:off x="5323331" y="6103480"/>
+                <a:ext cx="1971352" cy="400110"/>
+              </a:xfrm>
+              <a:prstGeom prst="rect">
+                <a:avLst/>
+              </a:prstGeom>
+              <a:noFill/>
+              <a:ln>
+                <a:solidFill>
+                  <a:schemeClr val="tx1"/>
+                </a:solidFill>
+              </a:ln>
+            </p:spPr>
+            <p:txBody>
+              <a:bodyPr wrap="square" rtlCol="0" anchor="ctr" anchorCtr="1">
+                <a:spAutoFit/>
+              </a:bodyPr>
+              <a:lstStyle>
+                <a:defPPr>
+                  <a:defRPr lang="nl-BE"/>
+                </a:defPPr>
+                <a:lvl1pPr algn="ctr">
+                  <a:defRPr sz="2000">
+                    <a:latin typeface="Times New Roman" pitchFamily="18" charset="0"/>
+                    <a:cs typeface="Times New Roman" pitchFamily="18" charset="0"/>
+                  </a:defRPr>
+                </a:lvl1pPr>
+              </a:lstStyle>
+              <a:p>
+                <a:r>
+                  <a:rPr lang="nl-BE" dirty="0" smtClean="0"/>
+                  <a:t>…</a:t>
+                </a:r>
+                <a:endParaRPr lang="nl-BE" dirty="0"/>
+              </a:p>
+            </p:txBody>
+          </p:sp>
+          <p:sp>
+            <p:nvSpPr>
+              <p:cNvPr id="11" name="Tekstvak 10"/>
+              <p:cNvSpPr txBox="1">
+                <a:spLocks noChangeAspect="1"/>
+              </p:cNvSpPr>
+              <p:nvPr/>
+            </p:nvSpPr>
+            <p:spPr>
+              <a:xfrm>
+                <a:off x="3468365" y="1601792"/>
+                <a:ext cx="1971352" cy="400110"/>
+              </a:xfrm>
+              <a:prstGeom prst="rect">
+                <a:avLst/>
+              </a:prstGeom>
+              <a:noFill/>
+              <a:ln>
+                <a:solidFill>
+                  <a:schemeClr val="tx1"/>
+                </a:solidFill>
+              </a:ln>
+            </p:spPr>
+            <p:txBody>
+              <a:bodyPr wrap="square" rtlCol="0" anchor="ctr" anchorCtr="1">
+                <a:spAutoFit/>
+              </a:bodyPr>
+              <a:lstStyle>
+                <a:defPPr>
+                  <a:defRPr lang="nl-BE"/>
+                </a:defPPr>
+                <a:lvl1pPr algn="ctr">
+                  <a:defRPr sz="2000">
+                    <a:latin typeface="Times New Roman" pitchFamily="18" charset="0"/>
+                    <a:cs typeface="Times New Roman" pitchFamily="18" charset="0"/>
+                  </a:defRPr>
+                </a:lvl1pPr>
+              </a:lstStyle>
+              <a:p>
+                <a:r>
+                  <a:rPr lang="nl-BE" dirty="0" smtClean="0"/>
+                  <a:t>Client</a:t>
+                </a:r>
+                <a:endParaRPr lang="nl-BE" dirty="0"/>
+              </a:p>
+            </p:txBody>
+          </p:sp>
+          <p:sp>
+            <p:nvSpPr>
+              <p:cNvPr id="10" name="Tekstvak 9"/>
+              <p:cNvSpPr txBox="1">
+                <a:spLocks noChangeAspect="1"/>
+              </p:cNvSpPr>
+              <p:nvPr/>
+            </p:nvSpPr>
+            <p:spPr>
+              <a:xfrm>
+                <a:off x="3468365" y="2281483"/>
+                <a:ext cx="1971352" cy="400110"/>
+              </a:xfrm>
+              <a:prstGeom prst="rect">
+                <a:avLst/>
+              </a:prstGeom>
+              <a:noFill/>
+              <a:ln>
+                <a:solidFill>
+                  <a:schemeClr val="tx1"/>
+                </a:solidFill>
+              </a:ln>
+            </p:spPr>
+            <p:txBody>
+              <a:bodyPr wrap="square" rtlCol="0" anchor="ctr" anchorCtr="1">
+                <a:spAutoFit/>
+              </a:bodyPr>
+              <a:lstStyle>
+                <a:defPPr>
+                  <a:defRPr lang="nl-BE"/>
+                </a:defPPr>
+                <a:lvl1pPr algn="ctr">
+                  <a:defRPr sz="2000">
+                    <a:latin typeface="Times New Roman" pitchFamily="18" charset="0"/>
+                    <a:cs typeface="Times New Roman" pitchFamily="18" charset="0"/>
+                  </a:defRPr>
+                </a:lvl1pPr>
+              </a:lstStyle>
+              <a:p>
+                <a:r>
+                  <a:rPr lang="nl-BE" i="1" dirty="0" err="1" smtClean="0"/>
+                  <a:t>Handler</a:t>
+                </a:r>
+                <a:endParaRPr lang="nl-BE" i="1" dirty="0"/>
+              </a:p>
+            </p:txBody>
+          </p:sp>
+        </p:grpSp>
+        <p:grpSp>
+          <p:nvGrpSpPr>
+            <p:cNvPr id="85" name="Groep 84"/>
+            <p:cNvGrpSpPr/>
+            <p:nvPr/>
+          </p:nvGrpSpPr>
+          <p:grpSpPr>
+            <a:xfrm>
+              <a:off x="1215544" y="1801847"/>
+              <a:ext cx="5093464" cy="4301633"/>
+              <a:chOff x="1215544" y="1801847"/>
+              <a:chExt cx="5093464" cy="4301633"/>
+            </a:xfrm>
+          </p:grpSpPr>
+          <p:cxnSp>
+            <p:nvCxnSpPr>
+              <p:cNvPr id="24" name="Gebogen verbindingslijn 23"/>
+              <p:cNvCxnSpPr>
+                <a:stCxn id="10" idx="2"/>
+                <a:endCxn id="6" idx="0"/>
+              </p:cNvCxnSpPr>
+              <p:nvPr/>
+            </p:nvCxnSpPr>
+            <p:spPr>
+              <a:xfrm rot="16200000" flipH="1">
+                <a:off x="4855590" y="2280044"/>
+                <a:ext cx="1051869" cy="1854966"/>
+              </a:xfrm>
+              <a:prstGeom prst="bentConnector3">
+                <a:avLst>
+                  <a:gd name="adj1" fmla="val 50000"/>
+                </a:avLst>
+              </a:prstGeom>
+              <a:ln w="31750">
+                <a:solidFill>
+                  <a:srgbClr val="96329E"/>
+                </a:solidFill>
+                <a:headEnd w="lg" len="lg"/>
+                <a:tailEnd type="arrow" w="lg" len="lg"/>
+              </a:ln>
+            </p:spPr>
+            <p:style>
+              <a:lnRef idx="1">
+                <a:schemeClr val="accent1"/>
+              </a:lnRef>
+              <a:fillRef idx="0">
+                <a:schemeClr val="accent1"/>
+              </a:fillRef>
+              <a:effectRef idx="0">
+                <a:schemeClr val="accent1"/>
+              </a:effectRef>
+              <a:fontRef idx="minor">
+                <a:schemeClr val="tx1"/>
+              </a:fontRef>
+            </p:style>
+          </p:cxnSp>
+          <p:cxnSp>
+            <p:nvCxnSpPr>
+              <p:cNvPr id="27" name="Gebogen verbindingslijn 26"/>
+              <p:cNvCxnSpPr>
+                <a:stCxn id="10" idx="2"/>
+                <a:endCxn id="7" idx="0"/>
+              </p:cNvCxnSpPr>
+              <p:nvPr/>
+            </p:nvCxnSpPr>
+            <p:spPr>
+              <a:xfrm rot="5400000">
+                <a:off x="2983198" y="2262618"/>
+                <a:ext cx="1051869" cy="1889819"/>
+              </a:xfrm>
+              <a:prstGeom prst="bentConnector3">
+                <a:avLst>
+                  <a:gd name="adj1" fmla="val 50000"/>
+                </a:avLst>
+              </a:prstGeom>
+              <a:ln w="31750">
+                <a:solidFill>
+                  <a:srgbClr val="96329E"/>
+                </a:solidFill>
+                <a:headEnd w="lg" len="lg"/>
+                <a:tailEnd type="arrow" w="lg" len="lg"/>
+              </a:ln>
+            </p:spPr>
+            <p:style>
+              <a:lnRef idx="1">
+                <a:schemeClr val="accent1"/>
+              </a:lnRef>
+              <a:fillRef idx="0">
+                <a:schemeClr val="accent1"/>
+              </a:fillRef>
+              <a:effectRef idx="0">
+                <a:schemeClr val="accent1"/>
+              </a:effectRef>
+              <a:fontRef idx="minor">
+                <a:schemeClr val="tx1"/>
+              </a:fontRef>
+            </p:style>
+          </p:cxnSp>
+          <p:cxnSp>
+            <p:nvCxnSpPr>
+              <p:cNvPr id="30" name="Rechte verbindingslijn met pijl 29"/>
+              <p:cNvCxnSpPr>
+                <a:stCxn id="20" idx="2"/>
+                <a:endCxn id="22" idx="0"/>
+              </p:cNvCxnSpPr>
+              <p:nvPr/>
+            </p:nvCxnSpPr>
+            <p:spPr>
+              <a:xfrm>
+                <a:off x="6309007" y="5257412"/>
+                <a:ext cx="0" cy="846068"/>
+              </a:xfrm>
+              <a:prstGeom prst="straightConnector1">
+                <a:avLst/>
+              </a:prstGeom>
+              <a:ln w="31750">
+                <a:headEnd w="lg" len="lg"/>
+                <a:tailEnd type="arrow" w="lg" len="lg"/>
+              </a:ln>
+            </p:spPr>
+            <p:style>
+              <a:lnRef idx="1">
+                <a:schemeClr val="accent1"/>
+              </a:lnRef>
+              <a:fillRef idx="0">
+                <a:schemeClr val="accent1"/>
+              </a:fillRef>
+              <a:effectRef idx="0">
+                <a:schemeClr val="accent1"/>
+              </a:effectRef>
+              <a:fontRef idx="minor">
+                <a:schemeClr val="tx1"/>
+              </a:fontRef>
+            </p:style>
+          </p:cxnSp>
+          <p:cxnSp>
+            <p:nvCxnSpPr>
+              <p:cNvPr id="31" name="Rechte verbindingslijn met pijl 30"/>
+              <p:cNvCxnSpPr>
+                <a:stCxn id="6" idx="2"/>
+                <a:endCxn id="20" idx="0"/>
+              </p:cNvCxnSpPr>
+              <p:nvPr/>
+            </p:nvCxnSpPr>
+            <p:spPr>
+              <a:xfrm>
+                <a:off x="6309007" y="4133572"/>
+                <a:ext cx="0" cy="723730"/>
+              </a:xfrm>
+              <a:prstGeom prst="straightConnector1">
+                <a:avLst/>
+              </a:prstGeom>
+              <a:ln w="31750">
+                <a:headEnd w="lg" len="lg"/>
+                <a:tailEnd type="arrow" w="lg" len="lg"/>
+              </a:ln>
+            </p:spPr>
+            <p:style>
+              <a:lnRef idx="1">
+                <a:schemeClr val="accent1"/>
+              </a:lnRef>
+              <a:fillRef idx="0">
+                <a:schemeClr val="accent1"/>
+              </a:fillRef>
+              <a:effectRef idx="0">
+                <a:schemeClr val="accent1"/>
+              </a:effectRef>
+              <a:fontRef idx="minor">
+                <a:schemeClr val="tx1"/>
+              </a:fontRef>
+            </p:style>
+          </p:cxnSp>
+          <p:cxnSp>
+            <p:nvCxnSpPr>
+              <p:cNvPr id="32" name="Rechte verbindingslijn met pijl 31"/>
+              <p:cNvCxnSpPr>
+                <a:stCxn id="19" idx="2"/>
+                <a:endCxn id="21" idx="0"/>
+              </p:cNvCxnSpPr>
+              <p:nvPr/>
+            </p:nvCxnSpPr>
+            <p:spPr>
+              <a:xfrm>
+                <a:off x="2564222" y="5257412"/>
+                <a:ext cx="0" cy="846068"/>
+              </a:xfrm>
+              <a:prstGeom prst="straightConnector1">
+                <a:avLst/>
+              </a:prstGeom>
+              <a:ln w="31750">
+                <a:headEnd w="lg" len="lg"/>
+                <a:tailEnd type="arrow" w="lg" len="lg"/>
+              </a:ln>
+            </p:spPr>
+            <p:style>
+              <a:lnRef idx="1">
+                <a:schemeClr val="accent1"/>
+              </a:lnRef>
+              <a:fillRef idx="0">
+                <a:schemeClr val="accent1"/>
+              </a:fillRef>
+              <a:effectRef idx="0">
+                <a:schemeClr val="accent1"/>
+              </a:effectRef>
+              <a:fontRef idx="minor">
+                <a:schemeClr val="tx1"/>
+              </a:fontRef>
+            </p:style>
+          </p:cxnSp>
+          <p:cxnSp>
+            <p:nvCxnSpPr>
+              <p:cNvPr id="33" name="Rechte verbindingslijn met pijl 32"/>
+              <p:cNvCxnSpPr>
+                <a:stCxn id="7" idx="2"/>
+                <a:endCxn id="19" idx="0"/>
+              </p:cNvCxnSpPr>
+              <p:nvPr/>
+            </p:nvCxnSpPr>
+            <p:spPr>
+              <a:xfrm>
+                <a:off x="2564222" y="4133572"/>
+                <a:ext cx="0" cy="723730"/>
+              </a:xfrm>
+              <a:prstGeom prst="straightConnector1">
+                <a:avLst/>
+              </a:prstGeom>
+              <a:ln w="31750">
+                <a:headEnd w="lg" len="lg"/>
+                <a:tailEnd type="arrow" w="lg" len="lg"/>
+              </a:ln>
+            </p:spPr>
+            <p:style>
+              <a:lnRef idx="1">
+                <a:schemeClr val="accent1"/>
+              </a:lnRef>
+              <a:fillRef idx="0">
+                <a:schemeClr val="accent1"/>
+              </a:fillRef>
+              <a:effectRef idx="0">
+                <a:schemeClr val="accent1"/>
+              </a:effectRef>
+              <a:fontRef idx="minor">
+                <a:schemeClr val="tx1"/>
+              </a:fontRef>
+            </p:style>
+          </p:cxnSp>
+          <p:cxnSp>
+            <p:nvCxnSpPr>
+              <p:cNvPr id="54" name="Rechte verbindingslijn met pijl 53"/>
+              <p:cNvCxnSpPr>
+                <a:stCxn id="8" idx="3"/>
+                <a:endCxn id="11" idx="1"/>
+              </p:cNvCxnSpPr>
+              <p:nvPr/>
+            </p:nvCxnSpPr>
+            <p:spPr>
+              <a:xfrm>
+                <a:off x="2201219" y="1801847"/>
+                <a:ext cx="1267146" cy="0"/>
+              </a:xfrm>
+              <a:prstGeom prst="straightConnector1">
+                <a:avLst/>
+              </a:prstGeom>
+              <a:ln w="31750">
+                <a:headEnd w="lg" len="lg"/>
+                <a:tailEnd type="arrow" w="lg" len="lg"/>
+              </a:ln>
+            </p:spPr>
+            <p:style>
+              <a:lnRef idx="1">
+                <a:schemeClr val="accent1"/>
+              </a:lnRef>
+              <a:fillRef idx="0">
+                <a:schemeClr val="accent1"/>
+              </a:fillRef>
+              <a:effectRef idx="0">
+                <a:schemeClr val="accent1"/>
+              </a:effectRef>
+              <a:fontRef idx="minor">
+                <a:schemeClr val="tx1"/>
+              </a:fontRef>
+            </p:style>
+          </p:cxnSp>
+          <p:cxnSp>
+            <p:nvCxnSpPr>
+              <p:cNvPr id="73" name="Gebogen verbindingslijn 72"/>
+              <p:cNvCxnSpPr>
+                <a:stCxn id="19" idx="1"/>
+                <a:endCxn id="8" idx="2"/>
+              </p:cNvCxnSpPr>
+              <p:nvPr/>
+            </p:nvCxnSpPr>
+            <p:spPr>
+              <a:xfrm rot="10800000">
+                <a:off x="1215544" y="2001903"/>
+                <a:ext cx="363003" cy="3055455"/>
+              </a:xfrm>
+              <a:prstGeom prst="bentConnector2">
+                <a:avLst/>
+              </a:prstGeom>
+              <a:ln w="31750">
+                <a:headEnd w="lg" len="lg"/>
+                <a:tailEnd type="arrow" w="lg" len="lg"/>
+              </a:ln>
+            </p:spPr>
+            <p:style>
+              <a:lnRef idx="1">
+                <a:schemeClr val="accent1"/>
+              </a:lnRef>
+              <a:fillRef idx="0">
+                <a:schemeClr val="accent1"/>
+              </a:fillRef>
+              <a:effectRef idx="0">
+                <a:schemeClr val="accent1"/>
+              </a:effectRef>
+              <a:fontRef idx="minor">
+                <a:schemeClr val="tx1"/>
+              </a:fontRef>
+            </p:style>
+          </p:cxnSp>
+        </p:grpSp>
+      </p:grpSp>
+    </p:spTree>
+    <p:extLst>
+      <p:ext uri="{BB962C8B-B14F-4D97-AF65-F5344CB8AC3E}">
+        <p14:creationId xmlns:p14="http://schemas.microsoft.com/office/powerpoint/2010/main" val="3504085772"/>
+      </p:ext>
+    </p:extLst>
+  </p:cSld>
+  <p:clrMapOvr>
+    <a:masterClrMapping/>
+  </p:clrMapOvr>
+</p:sld>
+</file>
+
+<file path=ppt/slides/slide5.xml><?xml version="1.0" encoding="utf-8"?>
+<p:sld xmlns:a="http://schemas.openxmlformats.org/drawingml/2006/main" xmlns:r="http://schemas.openxmlformats.org/officeDocument/2006/relationships" xmlns:p="http://schemas.openxmlformats.org/presentationml/2006/main">
+  <p:cSld>
+    <p:spTree>
+      <p:nvGrpSpPr>
+        <p:cNvPr id="1" name=""/>
+        <p:cNvGrpSpPr/>
+        <p:nvPr/>
+      </p:nvGrpSpPr>
+      <p:grpSpPr>
+        <a:xfrm>
+          <a:off x="0" y="0"/>
+          <a:ext cx="0" cy="0"/>
+          <a:chOff x="0" y="0"/>
+          <a:chExt cx="0" cy="0"/>
+        </a:xfrm>
+      </p:grpSpPr>
+      <p:grpSp>
+        <p:nvGrpSpPr>
           <p:cNvPr id="4" name="Groep 3"/>
           <p:cNvGrpSpPr/>
           <p:nvPr/>

--- a/SilverSurferVerslag/Verslag demo 5/Klassendiagramma.pptx
+++ b/SilverSurferVerslag/Verslag demo 5/Klassendiagramma.pptx
@@ -8,8 +8,10 @@
     <p:sldId id="256" r:id="rId2"/>
     <p:sldId id="257" r:id="rId3"/>
     <p:sldId id="258" r:id="rId4"/>
-    <p:sldId id="260" r:id="rId5"/>
-    <p:sldId id="259" r:id="rId6"/>
+    <p:sldId id="261" r:id="rId5"/>
+    <p:sldId id="260" r:id="rId6"/>
+    <p:sldId id="262" r:id="rId7"/>
+    <p:sldId id="259" r:id="rId8"/>
   </p:sldIdLst>
   <p:sldSz cx="9144000" cy="6858000" type="screen4x3"/>
   <p:notesSz cx="6858000" cy="9144000"/>
@@ -17,7 +19,7 @@
     <a:defPPr>
       <a:defRPr lang="nl-BE"/>
     </a:defPPr>
-    <a:lvl1pPr marL="0" algn="l" defTabSz="914400" rtl="0" eaLnBrk="1" latinLnBrk="0" hangingPunct="1">
+    <a:lvl1pPr marL="0" algn="l" defTabSz="914290" rtl="0" eaLnBrk="1" latinLnBrk="0" hangingPunct="1">
       <a:defRPr sz="1800" kern="1200">
         <a:solidFill>
           <a:schemeClr val="tx1"/>
@@ -27,7 +29,7 @@
         <a:cs typeface="+mn-cs"/>
       </a:defRPr>
     </a:lvl1pPr>
-    <a:lvl2pPr marL="457200" algn="l" defTabSz="914400" rtl="0" eaLnBrk="1" latinLnBrk="0" hangingPunct="1">
+    <a:lvl2pPr marL="457145" algn="l" defTabSz="914290" rtl="0" eaLnBrk="1" latinLnBrk="0" hangingPunct="1">
       <a:defRPr sz="1800" kern="1200">
         <a:solidFill>
           <a:schemeClr val="tx1"/>
@@ -37,7 +39,7 @@
         <a:cs typeface="+mn-cs"/>
       </a:defRPr>
     </a:lvl2pPr>
-    <a:lvl3pPr marL="914400" algn="l" defTabSz="914400" rtl="0" eaLnBrk="1" latinLnBrk="0" hangingPunct="1">
+    <a:lvl3pPr marL="914290" algn="l" defTabSz="914290" rtl="0" eaLnBrk="1" latinLnBrk="0" hangingPunct="1">
       <a:defRPr sz="1800" kern="1200">
         <a:solidFill>
           <a:schemeClr val="tx1"/>
@@ -47,7 +49,7 @@
         <a:cs typeface="+mn-cs"/>
       </a:defRPr>
     </a:lvl3pPr>
-    <a:lvl4pPr marL="1371600" algn="l" defTabSz="914400" rtl="0" eaLnBrk="1" latinLnBrk="0" hangingPunct="1">
+    <a:lvl4pPr marL="1371435" algn="l" defTabSz="914290" rtl="0" eaLnBrk="1" latinLnBrk="0" hangingPunct="1">
       <a:defRPr sz="1800" kern="1200">
         <a:solidFill>
           <a:schemeClr val="tx1"/>
@@ -57,7 +59,7 @@
         <a:cs typeface="+mn-cs"/>
       </a:defRPr>
     </a:lvl4pPr>
-    <a:lvl5pPr marL="1828800" algn="l" defTabSz="914400" rtl="0" eaLnBrk="1" latinLnBrk="0" hangingPunct="1">
+    <a:lvl5pPr marL="1828581" algn="l" defTabSz="914290" rtl="0" eaLnBrk="1" latinLnBrk="0" hangingPunct="1">
       <a:defRPr sz="1800" kern="1200">
         <a:solidFill>
           <a:schemeClr val="tx1"/>
@@ -67,7 +69,7 @@
         <a:cs typeface="+mn-cs"/>
       </a:defRPr>
     </a:lvl5pPr>
-    <a:lvl6pPr marL="2286000" algn="l" defTabSz="914400" rtl="0" eaLnBrk="1" latinLnBrk="0" hangingPunct="1">
+    <a:lvl6pPr marL="2285726" algn="l" defTabSz="914290" rtl="0" eaLnBrk="1" latinLnBrk="0" hangingPunct="1">
       <a:defRPr sz="1800" kern="1200">
         <a:solidFill>
           <a:schemeClr val="tx1"/>
@@ -77,7 +79,7 @@
         <a:cs typeface="+mn-cs"/>
       </a:defRPr>
     </a:lvl6pPr>
-    <a:lvl7pPr marL="2743200" algn="l" defTabSz="914400" rtl="0" eaLnBrk="1" latinLnBrk="0" hangingPunct="1">
+    <a:lvl7pPr marL="2742871" algn="l" defTabSz="914290" rtl="0" eaLnBrk="1" latinLnBrk="0" hangingPunct="1">
       <a:defRPr sz="1800" kern="1200">
         <a:solidFill>
           <a:schemeClr val="tx1"/>
@@ -87,7 +89,7 @@
         <a:cs typeface="+mn-cs"/>
       </a:defRPr>
     </a:lvl7pPr>
-    <a:lvl8pPr marL="3200400" algn="l" defTabSz="914400" rtl="0" eaLnBrk="1" latinLnBrk="0" hangingPunct="1">
+    <a:lvl8pPr marL="3200016" algn="l" defTabSz="914290" rtl="0" eaLnBrk="1" latinLnBrk="0" hangingPunct="1">
       <a:defRPr sz="1800" kern="1200">
         <a:solidFill>
           <a:schemeClr val="tx1"/>
@@ -97,7 +99,7 @@
         <a:cs typeface="+mn-cs"/>
       </a:defRPr>
     </a:lvl8pPr>
-    <a:lvl9pPr marL="3657600" algn="l" defTabSz="914400" rtl="0" eaLnBrk="1" latinLnBrk="0" hangingPunct="1">
+    <a:lvl9pPr marL="3657161" algn="l" defTabSz="914290" rtl="0" eaLnBrk="1" latinLnBrk="0" hangingPunct="1">
       <a:defRPr sz="1800" kern="1200">
         <a:solidFill>
           <a:schemeClr val="tx1"/>
@@ -108,6 +110,27 @@
       </a:defRPr>
     </a:lvl9pPr>
   </p:defaultTextStyle>
+  <p:extLst>
+    <p:ext uri="{521415D9-36F7-43E2-AB2F-B90AF26B5E84}">
+      <p14:sectionLst xmlns:p14="http://schemas.microsoft.com/office/powerpoint/2010/main">
+        <p14:section name="Standaardsectie" id="{812734B3-B3F5-4946-BC97-7BF827DD64CA}">
+          <p14:sldIdLst>
+            <p14:sldId id="256"/>
+            <p14:sldId id="257"/>
+            <p14:sldId id="258"/>
+            <p14:sldId id="261"/>
+            <p14:sldId id="260"/>
+          </p14:sldIdLst>
+        </p14:section>
+        <p14:section name="Naamloze sectie" id="{BE203051-88F5-4CD0-953E-F525AE71D595}">
+          <p14:sldIdLst>
+            <p14:sldId id="262"/>
+            <p14:sldId id="259"/>
+          </p14:sldIdLst>
+        </p14:section>
+      </p14:sectionLst>
+    </p:ext>
+  </p:extLst>
 </p:presentation>
 </file>
 
@@ -140,7 +163,7 @@
         </p:nvSpPr>
         <p:spPr>
           <a:xfrm>
-            <a:off x="685800" y="2130425"/>
+            <a:off x="685800" y="2130427"/>
             <a:ext cx="7772400" cy="1470025"/>
           </a:xfrm>
         </p:spPr>
@@ -185,7 +208,7 @@
                 </a:solidFill>
               </a:defRPr>
             </a:lvl1pPr>
-            <a:lvl2pPr marL="457200" indent="0" algn="ctr">
+            <a:lvl2pPr marL="457145" indent="0" algn="ctr">
               <a:buNone/>
               <a:defRPr>
                 <a:solidFill>
@@ -195,7 +218,7 @@
                 </a:solidFill>
               </a:defRPr>
             </a:lvl2pPr>
-            <a:lvl3pPr marL="914400" indent="0" algn="ctr">
+            <a:lvl3pPr marL="914290" indent="0" algn="ctr">
               <a:buNone/>
               <a:defRPr>
                 <a:solidFill>
@@ -205,7 +228,7 @@
                 </a:solidFill>
               </a:defRPr>
             </a:lvl3pPr>
-            <a:lvl4pPr marL="1371600" indent="0" algn="ctr">
+            <a:lvl4pPr marL="1371435" indent="0" algn="ctr">
               <a:buNone/>
               <a:defRPr>
                 <a:solidFill>
@@ -215,7 +238,7 @@
                 </a:solidFill>
               </a:defRPr>
             </a:lvl4pPr>
-            <a:lvl5pPr marL="1828800" indent="0" algn="ctr">
+            <a:lvl5pPr marL="1828581" indent="0" algn="ctr">
               <a:buNone/>
               <a:defRPr>
                 <a:solidFill>
@@ -225,7 +248,7 @@
                 </a:solidFill>
               </a:defRPr>
             </a:lvl5pPr>
-            <a:lvl6pPr marL="2286000" indent="0" algn="ctr">
+            <a:lvl6pPr marL="2285726" indent="0" algn="ctr">
               <a:buNone/>
               <a:defRPr>
                 <a:solidFill>
@@ -235,7 +258,7 @@
                 </a:solidFill>
               </a:defRPr>
             </a:lvl6pPr>
-            <a:lvl7pPr marL="2743200" indent="0" algn="ctr">
+            <a:lvl7pPr marL="2742871" indent="0" algn="ctr">
               <a:buNone/>
               <a:defRPr>
                 <a:solidFill>
@@ -245,7 +268,7 @@
                 </a:solidFill>
               </a:defRPr>
             </a:lvl7pPr>
-            <a:lvl8pPr marL="3200400" indent="0" algn="ctr">
+            <a:lvl8pPr marL="3200016" indent="0" algn="ctr">
               <a:buNone/>
               <a:defRPr>
                 <a:solidFill>
@@ -255,7 +278,7 @@
                 </a:solidFill>
               </a:defRPr>
             </a:lvl8pPr>
-            <a:lvl9pPr marL="3657600" indent="0" algn="ctr">
+            <a:lvl9pPr marL="3657161" indent="0" algn="ctr">
               <a:buNone/>
               <a:defRPr>
                 <a:solidFill>
@@ -292,7 +315,7 @@
           <a:p>
             <a:fld id="{C9E9C0BE-A832-44F7-BFB7-77E7A556107C}" type="datetimeFigureOut">
               <a:rPr lang="nl-BE" smtClean="0"/>
-              <a:t>19/03/2013</a:t>
+              <a:t>20/03/2013</a:t>
             </a:fld>
             <a:endParaRPr lang="nl-BE"/>
           </a:p>
@@ -462,7 +485,7 @@
           <a:p>
             <a:fld id="{C9E9C0BE-A832-44F7-BFB7-77E7A556107C}" type="datetimeFigureOut">
               <a:rPr lang="nl-BE" smtClean="0"/>
-              <a:t>19/03/2013</a:t>
+              <a:t>20/03/2013</a:t>
             </a:fld>
             <a:endParaRPr lang="nl-BE"/>
           </a:p>
@@ -552,7 +575,7 @@
         </p:nvSpPr>
         <p:spPr>
           <a:xfrm>
-            <a:off x="6629400" y="274638"/>
+            <a:off x="6629400" y="274640"/>
             <a:ext cx="2057400" cy="5851525"/>
           </a:xfrm>
         </p:spPr>
@@ -580,7 +603,7 @@
         </p:nvSpPr>
         <p:spPr>
           <a:xfrm>
-            <a:off x="457200" y="274638"/>
+            <a:off x="457200" y="274640"/>
             <a:ext cx="6019800" cy="5851525"/>
           </a:xfrm>
         </p:spPr>
@@ -642,7 +665,7 @@
           <a:p>
             <a:fld id="{C9E9C0BE-A832-44F7-BFB7-77E7A556107C}" type="datetimeFigureOut">
               <a:rPr lang="nl-BE" smtClean="0"/>
-              <a:t>19/03/2013</a:t>
+              <a:t>20/03/2013</a:t>
             </a:fld>
             <a:endParaRPr lang="nl-BE"/>
           </a:p>
@@ -812,7 +835,7 @@
           <a:p>
             <a:fld id="{C9E9C0BE-A832-44F7-BFB7-77E7A556107C}" type="datetimeFigureOut">
               <a:rPr lang="nl-BE" smtClean="0"/>
-              <a:t>19/03/2013</a:t>
+              <a:t>20/03/2013</a:t>
             </a:fld>
             <a:endParaRPr lang="nl-BE"/>
           </a:p>
@@ -934,7 +957,7 @@
         </p:nvSpPr>
         <p:spPr>
           <a:xfrm>
-            <a:off x="722313" y="2906713"/>
+            <a:off x="722313" y="2906715"/>
             <a:ext cx="7772400" cy="1500187"/>
           </a:xfrm>
         </p:spPr>
@@ -951,7 +974,7 @@
                 </a:solidFill>
               </a:defRPr>
             </a:lvl1pPr>
-            <a:lvl2pPr marL="457200" indent="0">
+            <a:lvl2pPr marL="457145" indent="0">
               <a:buNone/>
               <a:defRPr sz="1800">
                 <a:solidFill>
@@ -961,7 +984,7 @@
                 </a:solidFill>
               </a:defRPr>
             </a:lvl2pPr>
-            <a:lvl3pPr marL="914400" indent="0">
+            <a:lvl3pPr marL="914290" indent="0">
               <a:buNone/>
               <a:defRPr sz="1600">
                 <a:solidFill>
@@ -971,7 +994,7 @@
                 </a:solidFill>
               </a:defRPr>
             </a:lvl3pPr>
-            <a:lvl4pPr marL="1371600" indent="0">
+            <a:lvl4pPr marL="1371435" indent="0">
               <a:buNone/>
               <a:defRPr sz="1400">
                 <a:solidFill>
@@ -981,7 +1004,7 @@
                 </a:solidFill>
               </a:defRPr>
             </a:lvl4pPr>
-            <a:lvl5pPr marL="1828800" indent="0">
+            <a:lvl5pPr marL="1828581" indent="0">
               <a:buNone/>
               <a:defRPr sz="1400">
                 <a:solidFill>
@@ -991,7 +1014,7 @@
                 </a:solidFill>
               </a:defRPr>
             </a:lvl5pPr>
-            <a:lvl6pPr marL="2286000" indent="0">
+            <a:lvl6pPr marL="2285726" indent="0">
               <a:buNone/>
               <a:defRPr sz="1400">
                 <a:solidFill>
@@ -1001,7 +1024,7 @@
                 </a:solidFill>
               </a:defRPr>
             </a:lvl6pPr>
-            <a:lvl7pPr marL="2743200" indent="0">
+            <a:lvl7pPr marL="2742871" indent="0">
               <a:buNone/>
               <a:defRPr sz="1400">
                 <a:solidFill>
@@ -1011,7 +1034,7 @@
                 </a:solidFill>
               </a:defRPr>
             </a:lvl7pPr>
-            <a:lvl8pPr marL="3200400" indent="0">
+            <a:lvl8pPr marL="3200016" indent="0">
               <a:buNone/>
               <a:defRPr sz="1400">
                 <a:solidFill>
@@ -1021,7 +1044,7 @@
                 </a:solidFill>
               </a:defRPr>
             </a:lvl8pPr>
-            <a:lvl9pPr marL="3657600" indent="0">
+            <a:lvl9pPr marL="3657161" indent="0">
               <a:buNone/>
               <a:defRPr sz="1400">
                 <a:solidFill>
@@ -1058,7 +1081,7 @@
           <a:p>
             <a:fld id="{C9E9C0BE-A832-44F7-BFB7-77E7A556107C}" type="datetimeFigureOut">
               <a:rPr lang="nl-BE" smtClean="0"/>
-              <a:t>19/03/2013</a:t>
+              <a:t>20/03/2013</a:t>
             </a:fld>
             <a:endParaRPr lang="nl-BE"/>
           </a:p>
@@ -1171,7 +1194,7 @@
         </p:nvSpPr>
         <p:spPr>
           <a:xfrm>
-            <a:off x="457200" y="1600200"/>
+            <a:off x="457200" y="1600201"/>
             <a:ext cx="4038600" cy="4525963"/>
           </a:xfrm>
         </p:spPr>
@@ -1256,7 +1279,7 @@
         </p:nvSpPr>
         <p:spPr>
           <a:xfrm>
-            <a:off x="4648200" y="1600200"/>
+            <a:off x="4648200" y="1600201"/>
             <a:ext cx="4038600" cy="4525963"/>
           </a:xfrm>
         </p:spPr>
@@ -1346,7 +1369,7 @@
           <a:p>
             <a:fld id="{C9E9C0BE-A832-44F7-BFB7-77E7A556107C}" type="datetimeFigureOut">
               <a:rPr lang="nl-BE" smtClean="0"/>
-              <a:t>19/03/2013</a:t>
+              <a:t>20/03/2013</a:t>
             </a:fld>
             <a:endParaRPr lang="nl-BE"/>
           </a:p>
@@ -1463,7 +1486,7 @@
         </p:nvSpPr>
         <p:spPr>
           <a:xfrm>
-            <a:off x="457200" y="1535113"/>
+            <a:off x="457201" y="1535113"/>
             <a:ext cx="4040188" cy="639762"/>
           </a:xfrm>
         </p:spPr>
@@ -1474,35 +1497,35 @@
               <a:buNone/>
               <a:defRPr sz="2400" b="1"/>
             </a:lvl1pPr>
-            <a:lvl2pPr marL="457200" indent="0">
+            <a:lvl2pPr marL="457145" indent="0">
               <a:buNone/>
               <a:defRPr sz="2000" b="1"/>
             </a:lvl2pPr>
-            <a:lvl3pPr marL="914400" indent="0">
+            <a:lvl3pPr marL="914290" indent="0">
               <a:buNone/>
               <a:defRPr sz="1800" b="1"/>
             </a:lvl3pPr>
-            <a:lvl4pPr marL="1371600" indent="0">
+            <a:lvl4pPr marL="1371435" indent="0">
               <a:buNone/>
               <a:defRPr sz="1600" b="1"/>
             </a:lvl4pPr>
-            <a:lvl5pPr marL="1828800" indent="0">
+            <a:lvl5pPr marL="1828581" indent="0">
               <a:buNone/>
               <a:defRPr sz="1600" b="1"/>
             </a:lvl5pPr>
-            <a:lvl6pPr marL="2286000" indent="0">
+            <a:lvl6pPr marL="2285726" indent="0">
               <a:buNone/>
               <a:defRPr sz="1600" b="1"/>
             </a:lvl6pPr>
-            <a:lvl7pPr marL="2743200" indent="0">
+            <a:lvl7pPr marL="2742871" indent="0">
               <a:buNone/>
               <a:defRPr sz="1600" b="1"/>
             </a:lvl7pPr>
-            <a:lvl8pPr marL="3200400" indent="0">
+            <a:lvl8pPr marL="3200016" indent="0">
               <a:buNone/>
               <a:defRPr sz="1600" b="1"/>
             </a:lvl8pPr>
-            <a:lvl9pPr marL="3657600" indent="0">
+            <a:lvl9pPr marL="3657161" indent="0">
               <a:buNone/>
               <a:defRPr sz="1600" b="1"/>
             </a:lvl9pPr>
@@ -1528,7 +1551,7 @@
         </p:nvSpPr>
         <p:spPr>
           <a:xfrm>
-            <a:off x="457200" y="2174875"/>
+            <a:off x="457201" y="2174875"/>
             <a:ext cx="4040188" cy="3951288"/>
           </a:xfrm>
         </p:spPr>
@@ -1613,7 +1636,7 @@
         </p:nvSpPr>
         <p:spPr>
           <a:xfrm>
-            <a:off x="4645025" y="1535113"/>
+            <a:off x="4645027" y="1535113"/>
             <a:ext cx="4041775" cy="639762"/>
           </a:xfrm>
         </p:spPr>
@@ -1624,35 +1647,35 @@
               <a:buNone/>
               <a:defRPr sz="2400" b="1"/>
             </a:lvl1pPr>
-            <a:lvl2pPr marL="457200" indent="0">
+            <a:lvl2pPr marL="457145" indent="0">
               <a:buNone/>
               <a:defRPr sz="2000" b="1"/>
             </a:lvl2pPr>
-            <a:lvl3pPr marL="914400" indent="0">
+            <a:lvl3pPr marL="914290" indent="0">
               <a:buNone/>
               <a:defRPr sz="1800" b="1"/>
             </a:lvl3pPr>
-            <a:lvl4pPr marL="1371600" indent="0">
+            <a:lvl4pPr marL="1371435" indent="0">
               <a:buNone/>
               <a:defRPr sz="1600" b="1"/>
             </a:lvl4pPr>
-            <a:lvl5pPr marL="1828800" indent="0">
+            <a:lvl5pPr marL="1828581" indent="0">
               <a:buNone/>
               <a:defRPr sz="1600" b="1"/>
             </a:lvl5pPr>
-            <a:lvl6pPr marL="2286000" indent="0">
+            <a:lvl6pPr marL="2285726" indent="0">
               <a:buNone/>
               <a:defRPr sz="1600" b="1"/>
             </a:lvl6pPr>
-            <a:lvl7pPr marL="2743200" indent="0">
+            <a:lvl7pPr marL="2742871" indent="0">
               <a:buNone/>
               <a:defRPr sz="1600" b="1"/>
             </a:lvl7pPr>
-            <a:lvl8pPr marL="3200400" indent="0">
+            <a:lvl8pPr marL="3200016" indent="0">
               <a:buNone/>
               <a:defRPr sz="1600" b="1"/>
             </a:lvl8pPr>
-            <a:lvl9pPr marL="3657600" indent="0">
+            <a:lvl9pPr marL="3657161" indent="0">
               <a:buNone/>
               <a:defRPr sz="1600" b="1"/>
             </a:lvl9pPr>
@@ -1678,7 +1701,7 @@
         </p:nvSpPr>
         <p:spPr>
           <a:xfrm>
-            <a:off x="4645025" y="2174875"/>
+            <a:off x="4645027" y="2174875"/>
             <a:ext cx="4041775" cy="3951288"/>
           </a:xfrm>
         </p:spPr>
@@ -1768,7 +1791,7 @@
           <a:p>
             <a:fld id="{C9E9C0BE-A832-44F7-BFB7-77E7A556107C}" type="datetimeFigureOut">
               <a:rPr lang="nl-BE" smtClean="0"/>
-              <a:t>19/03/2013</a:t>
+              <a:t>20/03/2013</a:t>
             </a:fld>
             <a:endParaRPr lang="nl-BE"/>
           </a:p>
@@ -1886,7 +1909,7 @@
           <a:p>
             <a:fld id="{C9E9C0BE-A832-44F7-BFB7-77E7A556107C}" type="datetimeFigureOut">
               <a:rPr lang="nl-BE" smtClean="0"/>
-              <a:t>19/03/2013</a:t>
+              <a:t>20/03/2013</a:t>
             </a:fld>
             <a:endParaRPr lang="nl-BE"/>
           </a:p>
@@ -1981,7 +2004,7 @@
           <a:p>
             <a:fld id="{C9E9C0BE-A832-44F7-BFB7-77E7A556107C}" type="datetimeFigureOut">
               <a:rPr lang="nl-BE" smtClean="0"/>
-              <a:t>19/03/2013</a:t>
+              <a:t>20/03/2013</a:t>
             </a:fld>
             <a:endParaRPr lang="nl-BE"/>
           </a:p>
@@ -2071,7 +2094,7 @@
         </p:nvSpPr>
         <p:spPr>
           <a:xfrm>
-            <a:off x="457200" y="273050"/>
+            <a:off x="457202" y="273050"/>
             <a:ext cx="3008313" cy="1162050"/>
           </a:xfrm>
         </p:spPr>
@@ -2103,8 +2126,8 @@
         </p:nvSpPr>
         <p:spPr>
           <a:xfrm>
-            <a:off x="3575050" y="273050"/>
-            <a:ext cx="5111750" cy="5853113"/>
+            <a:off x="3575050" y="273052"/>
+            <a:ext cx="5111751" cy="5853113"/>
           </a:xfrm>
         </p:spPr>
         <p:txBody>
@@ -2188,7 +2211,7 @@
         </p:nvSpPr>
         <p:spPr>
           <a:xfrm>
-            <a:off x="457200" y="1435100"/>
+            <a:off x="457202" y="1435102"/>
             <a:ext cx="3008313" cy="4691063"/>
           </a:xfrm>
         </p:spPr>
@@ -2199,35 +2222,35 @@
               <a:buNone/>
               <a:defRPr sz="1400"/>
             </a:lvl1pPr>
-            <a:lvl2pPr marL="457200" indent="0">
+            <a:lvl2pPr marL="457145" indent="0">
               <a:buNone/>
               <a:defRPr sz="1200"/>
             </a:lvl2pPr>
-            <a:lvl3pPr marL="914400" indent="0">
+            <a:lvl3pPr marL="914290" indent="0">
               <a:buNone/>
               <a:defRPr sz="1000"/>
             </a:lvl3pPr>
-            <a:lvl4pPr marL="1371600" indent="0">
+            <a:lvl4pPr marL="1371435" indent="0">
               <a:buNone/>
               <a:defRPr sz="900"/>
             </a:lvl4pPr>
-            <a:lvl5pPr marL="1828800" indent="0">
+            <a:lvl5pPr marL="1828581" indent="0">
               <a:buNone/>
               <a:defRPr sz="900"/>
             </a:lvl5pPr>
-            <a:lvl6pPr marL="2286000" indent="0">
+            <a:lvl6pPr marL="2285726" indent="0">
               <a:buNone/>
               <a:defRPr sz="900"/>
             </a:lvl6pPr>
-            <a:lvl7pPr marL="2743200" indent="0">
+            <a:lvl7pPr marL="2742871" indent="0">
               <a:buNone/>
               <a:defRPr sz="900"/>
             </a:lvl7pPr>
-            <a:lvl8pPr marL="3200400" indent="0">
+            <a:lvl8pPr marL="3200016" indent="0">
               <a:buNone/>
               <a:defRPr sz="900"/>
             </a:lvl8pPr>
-            <a:lvl9pPr marL="3657600" indent="0">
+            <a:lvl9pPr marL="3657161" indent="0">
               <a:buNone/>
               <a:defRPr sz="900"/>
             </a:lvl9pPr>
@@ -2258,7 +2281,7 @@
           <a:p>
             <a:fld id="{C9E9C0BE-A832-44F7-BFB7-77E7A556107C}" type="datetimeFigureOut">
               <a:rPr lang="nl-BE" smtClean="0"/>
-              <a:t>19/03/2013</a:t>
+              <a:t>20/03/2013</a:t>
             </a:fld>
             <a:endParaRPr lang="nl-BE"/>
           </a:p>
@@ -2348,7 +2371,7 @@
         </p:nvSpPr>
         <p:spPr>
           <a:xfrm>
-            <a:off x="1792288" y="4800600"/>
+            <a:off x="1792288" y="4800601"/>
             <a:ext cx="5486400" cy="566738"/>
           </a:xfrm>
         </p:spPr>
@@ -2391,35 +2414,35 @@
               <a:buNone/>
               <a:defRPr sz="3200"/>
             </a:lvl1pPr>
-            <a:lvl2pPr marL="457200" indent="0">
+            <a:lvl2pPr marL="457145" indent="0">
               <a:buNone/>
               <a:defRPr sz="2800"/>
             </a:lvl2pPr>
-            <a:lvl3pPr marL="914400" indent="0">
+            <a:lvl3pPr marL="914290" indent="0">
               <a:buNone/>
               <a:defRPr sz="2400"/>
             </a:lvl3pPr>
-            <a:lvl4pPr marL="1371600" indent="0">
+            <a:lvl4pPr marL="1371435" indent="0">
               <a:buNone/>
               <a:defRPr sz="2000"/>
             </a:lvl4pPr>
-            <a:lvl5pPr marL="1828800" indent="0">
+            <a:lvl5pPr marL="1828581" indent="0">
               <a:buNone/>
               <a:defRPr sz="2000"/>
             </a:lvl5pPr>
-            <a:lvl6pPr marL="2286000" indent="0">
+            <a:lvl6pPr marL="2285726" indent="0">
               <a:buNone/>
               <a:defRPr sz="2000"/>
             </a:lvl6pPr>
-            <a:lvl7pPr marL="2743200" indent="0">
+            <a:lvl7pPr marL="2742871" indent="0">
               <a:buNone/>
               <a:defRPr sz="2000"/>
             </a:lvl7pPr>
-            <a:lvl8pPr marL="3200400" indent="0">
+            <a:lvl8pPr marL="3200016" indent="0">
               <a:buNone/>
               <a:defRPr sz="2000"/>
             </a:lvl8pPr>
-            <a:lvl9pPr marL="3657600" indent="0">
+            <a:lvl9pPr marL="3657161" indent="0">
               <a:buNone/>
               <a:defRPr sz="2000"/>
             </a:lvl9pPr>
@@ -2441,7 +2464,7 @@
         </p:nvSpPr>
         <p:spPr>
           <a:xfrm>
-            <a:off x="1792288" y="5367338"/>
+            <a:off x="1792288" y="5367339"/>
             <a:ext cx="5486400" cy="804862"/>
           </a:xfrm>
         </p:spPr>
@@ -2452,35 +2475,35 @@
               <a:buNone/>
               <a:defRPr sz="1400"/>
             </a:lvl1pPr>
-            <a:lvl2pPr marL="457200" indent="0">
+            <a:lvl2pPr marL="457145" indent="0">
               <a:buNone/>
               <a:defRPr sz="1200"/>
             </a:lvl2pPr>
-            <a:lvl3pPr marL="914400" indent="0">
+            <a:lvl3pPr marL="914290" indent="0">
               <a:buNone/>
               <a:defRPr sz="1000"/>
             </a:lvl3pPr>
-            <a:lvl4pPr marL="1371600" indent="0">
+            <a:lvl4pPr marL="1371435" indent="0">
               <a:buNone/>
               <a:defRPr sz="900"/>
             </a:lvl4pPr>
-            <a:lvl5pPr marL="1828800" indent="0">
+            <a:lvl5pPr marL="1828581" indent="0">
               <a:buNone/>
               <a:defRPr sz="900"/>
             </a:lvl5pPr>
-            <a:lvl6pPr marL="2286000" indent="0">
+            <a:lvl6pPr marL="2285726" indent="0">
               <a:buNone/>
               <a:defRPr sz="900"/>
             </a:lvl6pPr>
-            <a:lvl7pPr marL="2743200" indent="0">
+            <a:lvl7pPr marL="2742871" indent="0">
               <a:buNone/>
               <a:defRPr sz="900"/>
             </a:lvl7pPr>
-            <a:lvl8pPr marL="3200400" indent="0">
+            <a:lvl8pPr marL="3200016" indent="0">
               <a:buNone/>
               <a:defRPr sz="900"/>
             </a:lvl8pPr>
-            <a:lvl9pPr marL="3657600" indent="0">
+            <a:lvl9pPr marL="3657161" indent="0">
               <a:buNone/>
               <a:defRPr sz="900"/>
             </a:lvl9pPr>
@@ -2511,7 +2534,7 @@
           <a:p>
             <a:fld id="{C9E9C0BE-A832-44F7-BFB7-77E7A556107C}" type="datetimeFigureOut">
               <a:rPr lang="nl-BE" smtClean="0"/>
-              <a:t>19/03/2013</a:t>
+              <a:t>20/03/2013</a:t>
             </a:fld>
             <a:endParaRPr lang="nl-BE"/>
           </a:p>
@@ -2614,7 +2637,7 @@
           </a:prstGeom>
         </p:spPr>
         <p:txBody>
-          <a:bodyPr vert="horz" lIns="91440" tIns="45720" rIns="91440" bIns="45720" rtlCol="0" anchor="ctr">
+          <a:bodyPr vert="horz" lIns="91429" tIns="45715" rIns="91429" bIns="45715" rtlCol="0" anchor="ctr">
             <a:normAutofit/>
           </a:bodyPr>
           <a:lstStyle/>
@@ -2639,7 +2662,7 @@
         </p:nvSpPr>
         <p:spPr>
           <a:xfrm>
-            <a:off x="457200" y="1600200"/>
+            <a:off x="457200" y="1600201"/>
             <a:ext cx="8229600" cy="4525963"/>
           </a:xfrm>
           <a:prstGeom prst="rect">
@@ -2647,7 +2670,7 @@
           </a:prstGeom>
         </p:spPr>
         <p:txBody>
-          <a:bodyPr vert="horz" lIns="91440" tIns="45720" rIns="91440" bIns="45720" rtlCol="0">
+          <a:bodyPr vert="horz" lIns="91429" tIns="45715" rIns="91429" bIns="45715" rtlCol="0">
             <a:normAutofit/>
           </a:bodyPr>
           <a:lstStyle/>
@@ -2701,7 +2724,7 @@
         </p:nvSpPr>
         <p:spPr>
           <a:xfrm>
-            <a:off x="457200" y="6356350"/>
+            <a:off x="457200" y="6356352"/>
             <a:ext cx="2133600" cy="365125"/>
           </a:xfrm>
           <a:prstGeom prst="rect">
@@ -2709,7 +2732,7 @@
           </a:prstGeom>
         </p:spPr>
         <p:txBody>
-          <a:bodyPr vert="horz" lIns="91440" tIns="45720" rIns="91440" bIns="45720" rtlCol="0" anchor="ctr"/>
+          <a:bodyPr vert="horz" lIns="91429" tIns="45715" rIns="91429" bIns="45715" rtlCol="0" anchor="ctr"/>
           <a:lstStyle>
             <a:lvl1pPr algn="l">
               <a:defRPr sz="1200">
@@ -2724,7 +2747,7 @@
           <a:p>
             <a:fld id="{C9E9C0BE-A832-44F7-BFB7-77E7A556107C}" type="datetimeFigureOut">
               <a:rPr lang="nl-BE" smtClean="0"/>
-              <a:t>19/03/2013</a:t>
+              <a:t>20/03/2013</a:t>
             </a:fld>
             <a:endParaRPr lang="nl-BE"/>
           </a:p>
@@ -2742,7 +2765,7 @@
         </p:nvSpPr>
         <p:spPr>
           <a:xfrm>
-            <a:off x="3124200" y="6356350"/>
+            <a:off x="3124200" y="6356352"/>
             <a:ext cx="2895600" cy="365125"/>
           </a:xfrm>
           <a:prstGeom prst="rect">
@@ -2750,7 +2773,7 @@
           </a:prstGeom>
         </p:spPr>
         <p:txBody>
-          <a:bodyPr vert="horz" lIns="91440" tIns="45720" rIns="91440" bIns="45720" rtlCol="0" anchor="ctr"/>
+          <a:bodyPr vert="horz" lIns="91429" tIns="45715" rIns="91429" bIns="45715" rtlCol="0" anchor="ctr"/>
           <a:lstStyle>
             <a:lvl1pPr algn="ctr">
               <a:defRPr sz="1200">
@@ -2779,7 +2802,7 @@
         </p:nvSpPr>
         <p:spPr>
           <a:xfrm>
-            <a:off x="6553200" y="6356350"/>
+            <a:off x="6553200" y="6356352"/>
             <a:ext cx="2133600" cy="365125"/>
           </a:xfrm>
           <a:prstGeom prst="rect">
@@ -2787,7 +2810,7 @@
           </a:prstGeom>
         </p:spPr>
         <p:txBody>
-          <a:bodyPr vert="horz" lIns="91440" tIns="45720" rIns="91440" bIns="45720" rtlCol="0" anchor="ctr"/>
+          <a:bodyPr vert="horz" lIns="91429" tIns="45715" rIns="91429" bIns="45715" rtlCol="0" anchor="ctr"/>
           <a:lstStyle>
             <a:lvl1pPr algn="r">
               <a:defRPr sz="1200">
@@ -2831,7 +2854,7 @@
   </p:sldLayoutIdLst>
   <p:txStyles>
     <p:titleStyle>
-      <a:lvl1pPr algn="ctr" defTabSz="914400" rtl="0" eaLnBrk="1" latinLnBrk="0" hangingPunct="1">
+      <a:lvl1pPr algn="ctr" defTabSz="914290" rtl="0" eaLnBrk="1" latinLnBrk="0" hangingPunct="1">
         <a:spcBef>
           <a:spcPct val="0"/>
         </a:spcBef>
@@ -2847,7 +2870,7 @@
       </a:lvl1pPr>
     </p:titleStyle>
     <p:bodyStyle>
-      <a:lvl1pPr marL="342900" indent="-342900" algn="l" defTabSz="914400" rtl="0" eaLnBrk="1" latinLnBrk="0" hangingPunct="1">
+      <a:lvl1pPr marL="342859" indent="-342859" algn="l" defTabSz="914290" rtl="0" eaLnBrk="1" latinLnBrk="0" hangingPunct="1">
         <a:spcBef>
           <a:spcPct val="20000"/>
         </a:spcBef>
@@ -2862,7 +2885,7 @@
           <a:cs typeface="+mn-cs"/>
         </a:defRPr>
       </a:lvl1pPr>
-      <a:lvl2pPr marL="742950" indent="-285750" algn="l" defTabSz="914400" rtl="0" eaLnBrk="1" latinLnBrk="0" hangingPunct="1">
+      <a:lvl2pPr marL="742861" indent="-285716" algn="l" defTabSz="914290" rtl="0" eaLnBrk="1" latinLnBrk="0" hangingPunct="1">
         <a:spcBef>
           <a:spcPct val="20000"/>
         </a:spcBef>
@@ -2877,7 +2900,7 @@
           <a:cs typeface="+mn-cs"/>
         </a:defRPr>
       </a:lvl2pPr>
-      <a:lvl3pPr marL="1143000" indent="-228600" algn="l" defTabSz="914400" rtl="0" eaLnBrk="1" latinLnBrk="0" hangingPunct="1">
+      <a:lvl3pPr marL="1142863" indent="-228573" algn="l" defTabSz="914290" rtl="0" eaLnBrk="1" latinLnBrk="0" hangingPunct="1">
         <a:spcBef>
           <a:spcPct val="20000"/>
         </a:spcBef>
@@ -2892,7 +2915,7 @@
           <a:cs typeface="+mn-cs"/>
         </a:defRPr>
       </a:lvl3pPr>
-      <a:lvl4pPr marL="1600200" indent="-228600" algn="l" defTabSz="914400" rtl="0" eaLnBrk="1" latinLnBrk="0" hangingPunct="1">
+      <a:lvl4pPr marL="1600008" indent="-228573" algn="l" defTabSz="914290" rtl="0" eaLnBrk="1" latinLnBrk="0" hangingPunct="1">
         <a:spcBef>
           <a:spcPct val="20000"/>
         </a:spcBef>
@@ -2907,7 +2930,7 @@
           <a:cs typeface="+mn-cs"/>
         </a:defRPr>
       </a:lvl4pPr>
-      <a:lvl5pPr marL="2057400" indent="-228600" algn="l" defTabSz="914400" rtl="0" eaLnBrk="1" latinLnBrk="0" hangingPunct="1">
+      <a:lvl5pPr marL="2057153" indent="-228573" algn="l" defTabSz="914290" rtl="0" eaLnBrk="1" latinLnBrk="0" hangingPunct="1">
         <a:spcBef>
           <a:spcPct val="20000"/>
         </a:spcBef>
@@ -2922,7 +2945,7 @@
           <a:cs typeface="+mn-cs"/>
         </a:defRPr>
       </a:lvl5pPr>
-      <a:lvl6pPr marL="2514600" indent="-228600" algn="l" defTabSz="914400" rtl="0" eaLnBrk="1" latinLnBrk="0" hangingPunct="1">
+      <a:lvl6pPr marL="2514298" indent="-228573" algn="l" defTabSz="914290" rtl="0" eaLnBrk="1" latinLnBrk="0" hangingPunct="1">
         <a:spcBef>
           <a:spcPct val="20000"/>
         </a:spcBef>
@@ -2937,7 +2960,7 @@
           <a:cs typeface="+mn-cs"/>
         </a:defRPr>
       </a:lvl6pPr>
-      <a:lvl7pPr marL="2971800" indent="-228600" algn="l" defTabSz="914400" rtl="0" eaLnBrk="1" latinLnBrk="0" hangingPunct="1">
+      <a:lvl7pPr marL="2971443" indent="-228573" algn="l" defTabSz="914290" rtl="0" eaLnBrk="1" latinLnBrk="0" hangingPunct="1">
         <a:spcBef>
           <a:spcPct val="20000"/>
         </a:spcBef>
@@ -2952,7 +2975,7 @@
           <a:cs typeface="+mn-cs"/>
         </a:defRPr>
       </a:lvl7pPr>
-      <a:lvl8pPr marL="3429000" indent="-228600" algn="l" defTabSz="914400" rtl="0" eaLnBrk="1" latinLnBrk="0" hangingPunct="1">
+      <a:lvl8pPr marL="3428589" indent="-228573" algn="l" defTabSz="914290" rtl="0" eaLnBrk="1" latinLnBrk="0" hangingPunct="1">
         <a:spcBef>
           <a:spcPct val="20000"/>
         </a:spcBef>
@@ -2967,7 +2990,7 @@
           <a:cs typeface="+mn-cs"/>
         </a:defRPr>
       </a:lvl8pPr>
-      <a:lvl9pPr marL="3886200" indent="-228600" algn="l" defTabSz="914400" rtl="0" eaLnBrk="1" latinLnBrk="0" hangingPunct="1">
+      <a:lvl9pPr marL="3885734" indent="-228573" algn="l" defTabSz="914290" rtl="0" eaLnBrk="1" latinLnBrk="0" hangingPunct="1">
         <a:spcBef>
           <a:spcPct val="20000"/>
         </a:spcBef>
@@ -2987,7 +3010,7 @@
       <a:defPPr>
         <a:defRPr lang="nl-BE"/>
       </a:defPPr>
-      <a:lvl1pPr marL="0" algn="l" defTabSz="914400" rtl="0" eaLnBrk="1" latinLnBrk="0" hangingPunct="1">
+      <a:lvl1pPr marL="0" algn="l" defTabSz="914290" rtl="0" eaLnBrk="1" latinLnBrk="0" hangingPunct="1">
         <a:defRPr sz="1800" kern="1200">
           <a:solidFill>
             <a:schemeClr val="tx1"/>
@@ -2997,7 +3020,7 @@
           <a:cs typeface="+mn-cs"/>
         </a:defRPr>
       </a:lvl1pPr>
-      <a:lvl2pPr marL="457200" algn="l" defTabSz="914400" rtl="0" eaLnBrk="1" latinLnBrk="0" hangingPunct="1">
+      <a:lvl2pPr marL="457145" algn="l" defTabSz="914290" rtl="0" eaLnBrk="1" latinLnBrk="0" hangingPunct="1">
         <a:defRPr sz="1800" kern="1200">
           <a:solidFill>
             <a:schemeClr val="tx1"/>
@@ -3007,7 +3030,7 @@
           <a:cs typeface="+mn-cs"/>
         </a:defRPr>
       </a:lvl2pPr>
-      <a:lvl3pPr marL="914400" algn="l" defTabSz="914400" rtl="0" eaLnBrk="1" latinLnBrk="0" hangingPunct="1">
+      <a:lvl3pPr marL="914290" algn="l" defTabSz="914290" rtl="0" eaLnBrk="1" latinLnBrk="0" hangingPunct="1">
         <a:defRPr sz="1800" kern="1200">
           <a:solidFill>
             <a:schemeClr val="tx1"/>
@@ -3017,7 +3040,7 @@
           <a:cs typeface="+mn-cs"/>
         </a:defRPr>
       </a:lvl3pPr>
-      <a:lvl4pPr marL="1371600" algn="l" defTabSz="914400" rtl="0" eaLnBrk="1" latinLnBrk="0" hangingPunct="1">
+      <a:lvl4pPr marL="1371435" algn="l" defTabSz="914290" rtl="0" eaLnBrk="1" latinLnBrk="0" hangingPunct="1">
         <a:defRPr sz="1800" kern="1200">
           <a:solidFill>
             <a:schemeClr val="tx1"/>
@@ -3027,7 +3050,7 @@
           <a:cs typeface="+mn-cs"/>
         </a:defRPr>
       </a:lvl4pPr>
-      <a:lvl5pPr marL="1828800" algn="l" defTabSz="914400" rtl="0" eaLnBrk="1" latinLnBrk="0" hangingPunct="1">
+      <a:lvl5pPr marL="1828581" algn="l" defTabSz="914290" rtl="0" eaLnBrk="1" latinLnBrk="0" hangingPunct="1">
         <a:defRPr sz="1800" kern="1200">
           <a:solidFill>
             <a:schemeClr val="tx1"/>
@@ -3037,7 +3060,7 @@
           <a:cs typeface="+mn-cs"/>
         </a:defRPr>
       </a:lvl5pPr>
-      <a:lvl6pPr marL="2286000" algn="l" defTabSz="914400" rtl="0" eaLnBrk="1" latinLnBrk="0" hangingPunct="1">
+      <a:lvl6pPr marL="2285726" algn="l" defTabSz="914290" rtl="0" eaLnBrk="1" latinLnBrk="0" hangingPunct="1">
         <a:defRPr sz="1800" kern="1200">
           <a:solidFill>
             <a:schemeClr val="tx1"/>
@@ -3047,7 +3070,7 @@
           <a:cs typeface="+mn-cs"/>
         </a:defRPr>
       </a:lvl6pPr>
-      <a:lvl7pPr marL="2743200" algn="l" defTabSz="914400" rtl="0" eaLnBrk="1" latinLnBrk="0" hangingPunct="1">
+      <a:lvl7pPr marL="2742871" algn="l" defTabSz="914290" rtl="0" eaLnBrk="1" latinLnBrk="0" hangingPunct="1">
         <a:defRPr sz="1800" kern="1200">
           <a:solidFill>
             <a:schemeClr val="tx1"/>
@@ -3057,7 +3080,7 @@
           <a:cs typeface="+mn-cs"/>
         </a:defRPr>
       </a:lvl7pPr>
-      <a:lvl8pPr marL="3200400" algn="l" defTabSz="914400" rtl="0" eaLnBrk="1" latinLnBrk="0" hangingPunct="1">
+      <a:lvl8pPr marL="3200016" algn="l" defTabSz="914290" rtl="0" eaLnBrk="1" latinLnBrk="0" hangingPunct="1">
         <a:defRPr sz="1800" kern="1200">
           <a:solidFill>
             <a:schemeClr val="tx1"/>
@@ -3067,7 +3090,7 @@
           <a:cs typeface="+mn-cs"/>
         </a:defRPr>
       </a:lvl8pPr>
-      <a:lvl9pPr marL="3657600" algn="l" defTabSz="914400" rtl="0" eaLnBrk="1" latinLnBrk="0" hangingPunct="1">
+      <a:lvl9pPr marL="3657161" algn="l" defTabSz="914290" rtl="0" eaLnBrk="1" latinLnBrk="0" hangingPunct="1">
         <a:defRPr sz="1800" kern="1200">
           <a:solidFill>
             <a:schemeClr val="tx1"/>
@@ -3108,9 +3131,9 @@
         <p:grpSpPr>
           <a:xfrm>
             <a:off x="142640" y="427566"/>
-            <a:ext cx="8389800" cy="5059749"/>
-            <a:chOff x="142640" y="427566"/>
-            <a:chExt cx="8389800" cy="5059749"/>
+            <a:ext cx="8389800" cy="5059752"/>
+            <a:chOff x="142640" y="427565"/>
+            <a:chExt cx="8389800" cy="5059752"/>
           </a:xfrm>
         </p:grpSpPr>
         <p:grpSp>
@@ -3121,10 +3144,10 @@
           </p:nvGrpSpPr>
           <p:grpSpPr>
             <a:xfrm>
-              <a:off x="1510792" y="3121479"/>
-              <a:ext cx="5977532" cy="1965726"/>
-              <a:chOff x="1510792" y="3121479"/>
-              <a:chExt cx="5977532" cy="1965726"/>
+              <a:off x="1510793" y="3121477"/>
+              <a:ext cx="5977531" cy="1965730"/>
+              <a:chOff x="1510793" y="3121477"/>
+              <a:chExt cx="5977531" cy="1965730"/>
             </a:xfrm>
           </p:grpSpPr>
           <p:cxnSp>
@@ -3138,8 +3161,8 @@
             </p:nvCxnSpPr>
             <p:spPr>
               <a:xfrm rot="16200000" flipH="1">
-                <a:off x="3351095" y="2815482"/>
-                <a:ext cx="914908" cy="1526902"/>
+                <a:off x="3351095" y="2815481"/>
+                <a:ext cx="914909" cy="1526901"/>
               </a:xfrm>
               <a:prstGeom prst="bentConnector3">
                 <a:avLst>
@@ -3180,8 +3203,8 @@
             </p:nvCxnSpPr>
             <p:spPr>
               <a:xfrm rot="5400000">
-                <a:off x="1821523" y="2810748"/>
-                <a:ext cx="912844" cy="1534306"/>
+                <a:off x="1821524" y="2810747"/>
+                <a:ext cx="912845" cy="1534307"/>
               </a:xfrm>
               <a:prstGeom prst="bentConnector3">
                 <a:avLst>
@@ -3263,7 +3286,7 @@
             <p:spPr>
               <a:xfrm>
                 <a:off x="7488324" y="4498052"/>
-                <a:ext cx="0" cy="589153"/>
+                <a:ext cx="0" cy="589155"/>
               </a:xfrm>
               <a:prstGeom prst="straightConnector1">
                 <a:avLst/>
@@ -3300,10 +3323,10 @@
           </p:nvGrpSpPr>
           <p:grpSpPr>
             <a:xfrm>
-              <a:off x="142640" y="427566"/>
-              <a:ext cx="8389800" cy="5059749"/>
-              <a:chOff x="142640" y="427566"/>
-              <a:chExt cx="8389800" cy="5059749"/>
+              <a:off x="142640" y="427565"/>
+              <a:ext cx="8389800" cy="5059752"/>
+              <a:chOff x="142640" y="427565"/>
+              <a:chExt cx="8389800" cy="5059752"/>
             </a:xfrm>
           </p:grpSpPr>
           <p:sp>
@@ -3316,7 +3339,7 @@
             </p:nvSpPr>
             <p:spPr>
               <a:xfrm>
-                <a:off x="1676946" y="427566"/>
+                <a:off x="1676947" y="427565"/>
                 <a:ext cx="2736304" cy="523220"/>
               </a:xfrm>
               <a:prstGeom prst="rect">
@@ -3365,7 +3388,7 @@
             </p:nvSpPr>
             <p:spPr>
               <a:xfrm>
-                <a:off x="1676946" y="1568558"/>
+                <a:off x="1676947" y="1568557"/>
                 <a:ext cx="2736304" cy="461665"/>
               </a:xfrm>
               <a:prstGeom prst="rect">
@@ -3386,7 +3409,7 @@
               <a:p>
                 <a:pPr algn="ctr"/>
                 <a:r>
-                  <a:rPr lang="nl-BE" sz="2400" dirty="0" err="1" smtClean="0">
+                  <a:rPr lang="nl-BE" sz="2400" dirty="0" err="1">
                     <a:latin typeface="Times New Roman" pitchFamily="18" charset="0"/>
                     <a:cs typeface="Times New Roman" pitchFamily="18" charset="0"/>
                   </a:rPr>
@@ -3430,7 +3453,7 @@
               <a:p>
                 <a:pPr algn="ctr"/>
                 <a:r>
-                  <a:rPr lang="nl-BE" sz="2400" dirty="0" err="1" smtClean="0">
+                  <a:rPr lang="nl-BE" sz="2400" dirty="0" err="1">
                     <a:latin typeface="Times New Roman" pitchFamily="18" charset="0"/>
                     <a:cs typeface="Times New Roman" pitchFamily="18" charset="0"/>
                   </a:rPr>
@@ -3474,7 +3497,7 @@
               <a:p>
                 <a:pPr algn="ctr"/>
                 <a:r>
-                  <a:rPr lang="nl-BE" sz="2400" dirty="0" err="1" smtClean="0">
+                  <a:rPr lang="nl-BE" sz="2400" dirty="0" err="1">
                     <a:latin typeface="Times New Roman" pitchFamily="18" charset="0"/>
                     <a:cs typeface="Times New Roman" pitchFamily="18" charset="0"/>
                   </a:rPr>
@@ -3497,7 +3520,7 @@
             </p:nvSpPr>
             <p:spPr>
               <a:xfrm>
-                <a:off x="1676946" y="2659814"/>
+                <a:off x="1676947" y="2659813"/>
                 <a:ext cx="2736304" cy="461665"/>
               </a:xfrm>
               <a:prstGeom prst="rect">
@@ -3518,7 +3541,7 @@
               <a:p>
                 <a:pPr algn="ctr"/>
                 <a:r>
-                  <a:rPr lang="nl-BE" sz="2400" i="1" dirty="0" err="1" smtClean="0">
+                  <a:rPr lang="nl-BE" sz="2400" i="1" dirty="0" err="1">
                     <a:latin typeface="Times New Roman" pitchFamily="18" charset="0"/>
                     <a:cs typeface="Times New Roman" pitchFamily="18" charset="0"/>
                   </a:rPr>
@@ -3588,7 +3611,7 @@
             </p:nvSpPr>
             <p:spPr>
               <a:xfrm>
-                <a:off x="6444208" y="5087205"/>
+                <a:off x="6444208" y="5087207"/>
                 <a:ext cx="2088232" cy="400110"/>
               </a:xfrm>
               <a:prstGeom prst="rect">
@@ -3656,7 +3679,7 @@
               <a:p>
                 <a:pPr algn="ctr"/>
                 <a:r>
-                  <a:rPr lang="nl-BE" sz="2400" dirty="0" err="1" smtClean="0">
+                  <a:rPr lang="nl-BE" sz="2400" dirty="0" err="1">
                     <a:latin typeface="Times New Roman" pitchFamily="18" charset="0"/>
                     <a:cs typeface="Times New Roman" pitchFamily="18" charset="0"/>
                   </a:rPr>
@@ -3678,10 +3701,10 @@
           </p:nvGrpSpPr>
           <p:grpSpPr>
             <a:xfrm>
-              <a:off x="3045098" y="950786"/>
-              <a:ext cx="3399110" cy="3316434"/>
-              <a:chOff x="3045098" y="950786"/>
-              <a:chExt cx="3399110" cy="3316434"/>
+              <a:off x="3045099" y="950785"/>
+              <a:ext cx="3399109" cy="3316435"/>
+              <a:chOff x="3045099" y="950785"/>
+              <a:chExt cx="3399109" cy="3316435"/>
             </a:xfrm>
           </p:grpSpPr>
           <p:cxnSp>
@@ -3695,7 +3718,7 @@
             </p:nvCxnSpPr>
             <p:spPr>
               <a:xfrm flipV="1">
-                <a:off x="3045098" y="950786"/>
+                <a:off x="3045099" y="950785"/>
                 <a:ext cx="0" cy="617772"/>
               </a:xfrm>
               <a:prstGeom prst="straightConnector1">
@@ -3732,7 +3755,7 @@
             </p:nvCxnSpPr>
             <p:spPr>
               <a:xfrm flipV="1">
-                <a:off x="3045098" y="2030223"/>
+                <a:off x="3045099" y="2030222"/>
                 <a:ext cx="0" cy="629591"/>
               </a:xfrm>
               <a:prstGeom prst="straightConnector1">
@@ -3835,9 +3858,9 @@
         </p:nvGrpSpPr>
         <p:grpSpPr>
           <a:xfrm>
-            <a:off x="1360739" y="950866"/>
-            <a:ext cx="6268358" cy="5234395"/>
-            <a:chOff x="2402041" y="958486"/>
+            <a:off x="1360739" y="950870"/>
+            <a:ext cx="6268359" cy="5234395"/>
+            <a:chOff x="2402041" y="958488"/>
             <a:chExt cx="6268358" cy="5234395"/>
           </a:xfrm>
         </p:grpSpPr>
@@ -3849,10 +3872,10 @@
           </p:nvGrpSpPr>
           <p:grpSpPr>
             <a:xfrm>
-              <a:off x="3387718" y="2366708"/>
-              <a:ext cx="4297005" cy="2211570"/>
-              <a:chOff x="3387718" y="2366708"/>
-              <a:chExt cx="4297005" cy="2211570"/>
+              <a:off x="3387718" y="2366709"/>
+              <a:ext cx="4297004" cy="2211571"/>
+              <a:chOff x="3387718" y="2366709"/>
+              <a:chExt cx="4297004" cy="2211571"/>
             </a:xfrm>
           </p:grpSpPr>
           <p:cxnSp>
@@ -3866,8 +3889,8 @@
             </p:nvCxnSpPr>
             <p:spPr>
               <a:xfrm rot="5400000">
-                <a:off x="4937508" y="2017579"/>
-                <a:ext cx="831326" cy="1529584"/>
+                <a:off x="4937509" y="2017581"/>
+                <a:ext cx="831326" cy="1529583"/>
               </a:xfrm>
               <a:prstGeom prst="bentConnector3">
                 <a:avLst/>
@@ -3906,8 +3929,8 @@
             </p:nvCxnSpPr>
             <p:spPr>
               <a:xfrm rot="16200000" flipH="1">
-                <a:off x="6485680" y="1998991"/>
-                <a:ext cx="831326" cy="1566760"/>
+                <a:off x="6485679" y="1998991"/>
+                <a:ext cx="831326" cy="1566761"/>
               </a:xfrm>
               <a:prstGeom prst="bentConnector3">
                 <a:avLst/>
@@ -3946,8 +3969,8 @@
             </p:nvCxnSpPr>
             <p:spPr>
               <a:xfrm rot="5400000">
-                <a:off x="3497981" y="3487880"/>
-                <a:ext cx="980135" cy="1200662"/>
+                <a:off x="3497982" y="3487881"/>
+                <a:ext cx="980135" cy="1200663"/>
               </a:xfrm>
               <a:prstGeom prst="bentConnector3">
                 <a:avLst/>
@@ -3986,8 +4009,8 @@
             </p:nvCxnSpPr>
             <p:spPr>
               <a:xfrm rot="16200000" flipH="1">
-                <a:off x="4708549" y="3477974"/>
-                <a:ext cx="980135" cy="1220474"/>
+                <a:off x="4708549" y="3477975"/>
+                <a:ext cx="980134" cy="1220473"/>
               </a:xfrm>
               <a:prstGeom prst="bentConnector3">
                 <a:avLst/>
@@ -4024,9 +4047,9 @@
           </p:nvGrpSpPr>
           <p:grpSpPr>
             <a:xfrm>
-              <a:off x="2402041" y="958486"/>
+              <a:off x="2402041" y="958488"/>
               <a:ext cx="6268358" cy="5234395"/>
-              <a:chOff x="2402041" y="958486"/>
+              <a:chOff x="2402041" y="958488"/>
               <a:chExt cx="6268358" cy="5234395"/>
             </a:xfrm>
           </p:grpSpPr>
@@ -4040,7 +4063,7 @@
             </p:nvSpPr>
             <p:spPr>
               <a:xfrm>
-                <a:off x="3602703" y="3198034"/>
+                <a:off x="3602704" y="3198035"/>
                 <a:ext cx="1971352" cy="400110"/>
               </a:xfrm>
               <a:prstGeom prst="rect">
@@ -4134,7 +4157,7 @@
             </p:nvSpPr>
             <p:spPr>
               <a:xfrm>
-                <a:off x="2402041" y="4578279"/>
+                <a:off x="2402041" y="4578280"/>
                 <a:ext cx="1971352" cy="400110"/>
               </a:xfrm>
               <a:prstGeom prst="rect">
@@ -4181,7 +4204,7 @@
             </p:nvSpPr>
             <p:spPr>
               <a:xfrm>
-                <a:off x="6699047" y="3198034"/>
+                <a:off x="6699047" y="3198035"/>
                 <a:ext cx="1971352" cy="400110"/>
               </a:xfrm>
               <a:prstGeom prst="rect">
@@ -4228,7 +4251,7 @@
             </p:nvSpPr>
             <p:spPr>
               <a:xfrm>
-                <a:off x="5132287" y="1966598"/>
+                <a:off x="5132287" y="1966599"/>
                 <a:ext cx="1971352" cy="400110"/>
               </a:xfrm>
               <a:prstGeom prst="rect">
@@ -4275,7 +4298,7 @@
             </p:nvSpPr>
             <p:spPr>
               <a:xfrm>
-                <a:off x="2402041" y="5792771"/>
+                <a:off x="2402041" y="5792773"/>
                 <a:ext cx="1971352" cy="400110"/>
               </a:xfrm>
               <a:prstGeom prst="rect">
@@ -4322,7 +4345,7 @@
             </p:nvSpPr>
             <p:spPr>
               <a:xfrm>
-                <a:off x="5132288" y="958486"/>
+                <a:off x="5132287" y="958488"/>
                 <a:ext cx="1971352" cy="400110"/>
               </a:xfrm>
               <a:prstGeom prst="rect">
@@ -4368,10 +4391,10 @@
           </p:nvGrpSpPr>
           <p:grpSpPr>
             <a:xfrm>
-              <a:off x="3387717" y="1358596"/>
-              <a:ext cx="2730247" cy="4434175"/>
-              <a:chOff x="3387717" y="1358596"/>
-              <a:chExt cx="2730247" cy="4434175"/>
+              <a:off x="3387717" y="1358598"/>
+              <a:ext cx="2730246" cy="4434175"/>
+              <a:chOff x="3387717" y="1358598"/>
+              <a:chExt cx="2730246" cy="4434175"/>
             </a:xfrm>
           </p:grpSpPr>
           <p:cxnSp>
@@ -4385,8 +4408,8 @@
             </p:nvCxnSpPr>
             <p:spPr>
               <a:xfrm>
-                <a:off x="3387717" y="4978389"/>
-                <a:ext cx="0" cy="814382"/>
+                <a:off x="3387717" y="4978390"/>
+                <a:ext cx="0" cy="814383"/>
               </a:xfrm>
               <a:prstGeom prst="straightConnector1">
                 <a:avLst/>
@@ -4422,8 +4445,8 @@
             </p:nvCxnSpPr>
             <p:spPr>
               <a:xfrm flipV="1">
-                <a:off x="6117963" y="1358596"/>
-                <a:ext cx="1" cy="608002"/>
+                <a:off x="6117963" y="1358598"/>
+                <a:ext cx="0" cy="608001"/>
               </a:xfrm>
               <a:prstGeom prst="straightConnector1">
                 <a:avLst/>
@@ -4488,9 +4511,9 @@
         </p:nvGrpSpPr>
         <p:grpSpPr>
           <a:xfrm>
-            <a:off x="1691679" y="674192"/>
-            <a:ext cx="5218346" cy="5170562"/>
-            <a:chOff x="1691679" y="674192"/>
+            <a:off x="1691679" y="674193"/>
+            <a:ext cx="5218347" cy="5170563"/>
+            <a:chOff x="1691679" y="674193"/>
             <a:chExt cx="5218346" cy="5170562"/>
           </a:xfrm>
         </p:grpSpPr>
@@ -4502,9 +4525,9 @@
           </p:nvGrpSpPr>
           <p:grpSpPr>
             <a:xfrm>
-              <a:off x="1691679" y="674192"/>
+              <a:off x="1691679" y="674193"/>
               <a:ext cx="5218346" cy="5170562"/>
-              <a:chOff x="1691679" y="674192"/>
+              <a:chOff x="1691679" y="674193"/>
               <a:chExt cx="5218346" cy="5170562"/>
             </a:xfrm>
           </p:grpSpPr>
@@ -4518,8 +4541,8 @@
             </p:nvSpPr>
             <p:spPr>
               <a:xfrm>
-                <a:off x="1691680" y="1779166"/>
-                <a:ext cx="2347779" cy="400110"/>
+                <a:off x="1691680" y="1779167"/>
+                <a:ext cx="2347778" cy="400110"/>
               </a:xfrm>
               <a:prstGeom prst="rect">
                 <a:avLst/>
@@ -4565,7 +4588,7 @@
             </p:nvSpPr>
             <p:spPr>
               <a:xfrm>
-                <a:off x="1691679" y="3503860"/>
+                <a:off x="1691679" y="3503861"/>
                 <a:ext cx="2347780" cy="400110"/>
               </a:xfrm>
               <a:prstGeom prst="rect">
@@ -4611,7 +4634,7 @@
             </p:nvSpPr>
             <p:spPr>
               <a:xfrm>
-                <a:off x="4572000" y="3510880"/>
+                <a:off x="4572000" y="3510881"/>
                 <a:ext cx="2338025" cy="400110"/>
               </a:xfrm>
               <a:prstGeom prst="rect">
@@ -4658,7 +4681,7 @@
             </p:nvSpPr>
             <p:spPr>
               <a:xfrm>
-                <a:off x="4572000" y="1779166"/>
+                <a:off x="4572000" y="1779165"/>
                 <a:ext cx="2338025" cy="400110"/>
               </a:xfrm>
               <a:prstGeom prst="rect">
@@ -4679,7 +4702,7 @@
               <a:p>
                 <a:pPr algn="ctr"/>
                 <a:r>
-                  <a:rPr lang="nl-BE" sz="2000" dirty="0" err="1" smtClean="0">
+                  <a:rPr lang="nl-BE" sz="2000" dirty="0" err="1">
                     <a:latin typeface="Times New Roman" pitchFamily="18" charset="0"/>
                     <a:cs typeface="Times New Roman" pitchFamily="18" charset="0"/>
                   </a:rPr>
@@ -4702,7 +4725,7 @@
             </p:nvSpPr>
             <p:spPr>
               <a:xfrm>
-                <a:off x="3635896" y="5321534"/>
+                <a:off x="3635896" y="5321535"/>
                 <a:ext cx="1440000" cy="523220"/>
               </a:xfrm>
               <a:prstGeom prst="rect">
@@ -4732,7 +4755,7 @@
               </a:lstStyle>
               <a:p>
                 <a:r>
-                  <a:rPr lang="nl-BE" sz="2800" b="1" dirty="0" smtClean="0">
+                  <a:rPr lang="nl-BE" sz="2800" b="1" dirty="0">
                     <a:solidFill>
                       <a:srgbClr val="FF0000"/>
                     </a:solidFill>
@@ -4757,7 +4780,7 @@
             </p:nvSpPr>
             <p:spPr>
               <a:xfrm>
-                <a:off x="1691681" y="674192"/>
+                <a:off x="1691682" y="674193"/>
                 <a:ext cx="2347778" cy="400110"/>
               </a:xfrm>
               <a:prstGeom prst="rect">
@@ -4803,9 +4826,9 @@
           </p:nvGrpSpPr>
           <p:grpSpPr>
             <a:xfrm>
-              <a:off x="2865569" y="1074302"/>
+              <a:off x="2865569" y="1074303"/>
               <a:ext cx="2875444" cy="4247232"/>
-              <a:chOff x="2865569" y="1074302"/>
+              <a:chOff x="2865569" y="1074303"/>
               <a:chExt cx="2875444" cy="4247232"/>
             </a:xfrm>
           </p:grpSpPr>
@@ -4819,9 +4842,9 @@
               <p:nvPr/>
             </p:nvCxnSpPr>
             <p:spPr>
-              <a:xfrm flipH="1">
-                <a:off x="2865569" y="2179276"/>
-                <a:ext cx="1" cy="1324584"/>
+              <a:xfrm>
+                <a:off x="2865569" y="2179277"/>
+                <a:ext cx="0" cy="1324585"/>
               </a:xfrm>
               <a:prstGeom prst="straightConnector1">
                 <a:avLst/>
@@ -4857,8 +4880,8 @@
             </p:nvCxnSpPr>
             <p:spPr>
               <a:xfrm flipV="1">
-                <a:off x="5741013" y="2179276"/>
-                <a:ext cx="0" cy="1331604"/>
+                <a:off x="5741013" y="2179275"/>
+                <a:ext cx="0" cy="1331607"/>
               </a:xfrm>
               <a:prstGeom prst="straightConnector1">
                 <a:avLst/>
@@ -4894,8 +4917,8 @@
             </p:nvCxnSpPr>
             <p:spPr>
               <a:xfrm flipH="1">
-                <a:off x="4039459" y="1979221"/>
-                <a:ext cx="532541" cy="0"/>
+                <a:off x="4039458" y="1979220"/>
+                <a:ext cx="532543" cy="2"/>
               </a:xfrm>
               <a:prstGeom prst="straightConnector1">
                 <a:avLst/>
@@ -4931,8 +4954,8 @@
             </p:nvCxnSpPr>
             <p:spPr>
               <a:xfrm>
-                <a:off x="2865569" y="3903970"/>
-                <a:ext cx="1490327" cy="1417564"/>
+                <a:off x="2865569" y="3903971"/>
+                <a:ext cx="1490326" cy="1417564"/>
               </a:xfrm>
               <a:prstGeom prst="straightConnector1">
                 <a:avLst/>
@@ -4968,8 +4991,8 @@
             </p:nvCxnSpPr>
             <p:spPr>
               <a:xfrm flipV="1">
-                <a:off x="4355896" y="3910990"/>
-                <a:ext cx="1385117" cy="1410544"/>
+                <a:off x="4355895" y="3910991"/>
+                <a:ext cx="1385118" cy="1410544"/>
               </a:xfrm>
               <a:prstGeom prst="straightConnector1">
                 <a:avLst/>
@@ -5004,9 +5027,9 @@
               <p:nvPr/>
             </p:nvCxnSpPr>
             <p:spPr>
-              <a:xfrm>
-                <a:off x="2865570" y="1074302"/>
-                <a:ext cx="0" cy="704864"/>
+              <a:xfrm flipH="1">
+                <a:off x="2865569" y="1074303"/>
+                <a:ext cx="2" cy="704864"/>
               </a:xfrm>
               <a:prstGeom prst="straightConnector1">
                 <a:avLst/>
@@ -5065,16 +5088,1468 @@
       </p:grpSpPr>
       <p:grpSp>
         <p:nvGrpSpPr>
-          <p:cNvPr id="87" name="Groep 86"/>
+          <p:cNvPr id="96" name="Groep 95"/>
           <p:cNvGrpSpPr/>
           <p:nvPr/>
         </p:nvGrpSpPr>
         <p:grpSpPr>
           <a:xfrm>
-            <a:off x="911885" y="981714"/>
-            <a:ext cx="7064816" cy="5503496"/>
-            <a:chOff x="229867" y="1000094"/>
-            <a:chExt cx="7064816" cy="5503496"/>
+            <a:off x="442315" y="150418"/>
+            <a:ext cx="8276433" cy="6471896"/>
+            <a:chOff x="474933" y="320525"/>
+            <a:chExt cx="6207325" cy="8629195"/>
+          </a:xfrm>
+        </p:grpSpPr>
+        <p:grpSp>
+          <p:nvGrpSpPr>
+            <p:cNvPr id="4" name="Groep 3"/>
+            <p:cNvGrpSpPr/>
+            <p:nvPr/>
+          </p:nvGrpSpPr>
+          <p:grpSpPr>
+            <a:xfrm>
+              <a:off x="474933" y="320525"/>
+              <a:ext cx="5350789" cy="4243361"/>
+              <a:chOff x="-158225" y="136729"/>
+              <a:chExt cx="10324441" cy="5807935"/>
+            </a:xfrm>
+          </p:grpSpPr>
+          <p:grpSp>
+            <p:nvGrpSpPr>
+              <p:cNvPr id="5" name="Groep 4"/>
+              <p:cNvGrpSpPr/>
+              <p:nvPr/>
+            </p:nvGrpSpPr>
+            <p:grpSpPr>
+              <a:xfrm>
+                <a:off x="1209928" y="3055664"/>
+                <a:ext cx="3362075" cy="2355407"/>
+                <a:chOff x="1209928" y="3055664"/>
+                <a:chExt cx="3362075" cy="2355407"/>
+              </a:xfrm>
+            </p:grpSpPr>
+            <p:cxnSp>
+              <p:nvCxnSpPr>
+                <p:cNvPr id="19" name="Gebogen verbindingslijn 18"/>
+                <p:cNvCxnSpPr>
+                  <a:stCxn id="15" idx="2"/>
+                  <a:endCxn id="18" idx="0"/>
+                </p:cNvCxnSpPr>
+                <p:nvPr/>
+              </p:nvCxnSpPr>
+              <p:spPr>
+                <a:xfrm rot="16200000" flipH="1">
+                  <a:off x="3219102" y="2842220"/>
+                  <a:ext cx="1139455" cy="1566343"/>
+                </a:xfrm>
+                <a:prstGeom prst="bentConnector3">
+                  <a:avLst>
+                    <a:gd name="adj1" fmla="val 50000"/>
+                  </a:avLst>
+                </a:prstGeom>
+                <a:ln w="31750">
+                  <a:solidFill>
+                    <a:srgbClr val="96329E"/>
+                  </a:solidFill>
+                  <a:headEnd w="lg" len="lg"/>
+                  <a:tailEnd type="arrow" w="lg" len="lg"/>
+                </a:ln>
+              </p:spPr>
+              <p:style>
+                <a:lnRef idx="1">
+                  <a:schemeClr val="accent1"/>
+                </a:lnRef>
+                <a:fillRef idx="0">
+                  <a:schemeClr val="accent1"/>
+                </a:fillRef>
+                <a:effectRef idx="0">
+                  <a:schemeClr val="accent1"/>
+                </a:effectRef>
+                <a:fontRef idx="minor">
+                  <a:schemeClr val="tx1"/>
+                </a:fontRef>
+              </p:style>
+            </p:cxnSp>
+            <p:cxnSp>
+              <p:nvCxnSpPr>
+                <p:cNvPr id="20" name="Gebogen verbindingslijn 19"/>
+                <p:cNvCxnSpPr>
+                  <a:stCxn id="15" idx="2"/>
+                  <a:endCxn id="14" idx="0"/>
+                </p:cNvCxnSpPr>
+                <p:nvPr/>
+              </p:nvCxnSpPr>
+              <p:spPr>
+                <a:xfrm rot="5400000">
+                  <a:off x="1536397" y="2729197"/>
+                  <a:ext cx="1142793" cy="1795731"/>
+                </a:xfrm>
+                <a:prstGeom prst="bentConnector3">
+                  <a:avLst>
+                    <a:gd name="adj1" fmla="val 50000"/>
+                  </a:avLst>
+                </a:prstGeom>
+                <a:ln w="31750">
+                  <a:solidFill>
+                    <a:srgbClr val="96329E"/>
+                  </a:solidFill>
+                  <a:headEnd w="lg" len="lg"/>
+                  <a:tailEnd type="arrow" w="lg" len="lg"/>
+                </a:ln>
+              </p:spPr>
+              <p:style>
+                <a:lnRef idx="1">
+                  <a:schemeClr val="accent1"/>
+                </a:lnRef>
+                <a:fillRef idx="0">
+                  <a:schemeClr val="accent1"/>
+                </a:fillRef>
+                <a:effectRef idx="0">
+                  <a:schemeClr val="accent1"/>
+                </a:effectRef>
+                <a:fontRef idx="minor">
+                  <a:schemeClr val="tx1"/>
+                </a:fontRef>
+              </p:style>
+            </p:cxnSp>
+            <p:cxnSp>
+              <p:nvCxnSpPr>
+                <p:cNvPr id="21" name="Rechte verbindingslijn met pijl 20"/>
+                <p:cNvCxnSpPr>
+                  <a:stCxn id="18" idx="2"/>
+                  <a:endCxn id="13" idx="0"/>
+                </p:cNvCxnSpPr>
+                <p:nvPr/>
+              </p:nvCxnSpPr>
+              <p:spPr>
+                <a:xfrm>
+                  <a:off x="4572002" y="4728714"/>
+                  <a:ext cx="1" cy="682357"/>
+                </a:xfrm>
+                <a:prstGeom prst="straightConnector1">
+                  <a:avLst/>
+                </a:prstGeom>
+                <a:ln w="31750">
+                  <a:solidFill>
+                    <a:srgbClr val="96329E"/>
+                  </a:solidFill>
+                  <a:headEnd w="lg" len="lg"/>
+                  <a:tailEnd type="arrow" w="lg" len="lg"/>
+                </a:ln>
+              </p:spPr>
+              <p:style>
+                <a:lnRef idx="1">
+                  <a:schemeClr val="accent1"/>
+                </a:lnRef>
+                <a:fillRef idx="0">
+                  <a:schemeClr val="accent1"/>
+                </a:fillRef>
+                <a:effectRef idx="0">
+                  <a:schemeClr val="accent1"/>
+                </a:effectRef>
+                <a:fontRef idx="minor">
+                  <a:schemeClr val="tx1"/>
+                </a:fontRef>
+              </p:style>
+            </p:cxnSp>
+          </p:grpSp>
+          <p:grpSp>
+            <p:nvGrpSpPr>
+              <p:cNvPr id="6" name="Groep 5"/>
+              <p:cNvGrpSpPr/>
+              <p:nvPr/>
+            </p:nvGrpSpPr>
+            <p:grpSpPr>
+              <a:xfrm>
+                <a:off x="-158225" y="136729"/>
+                <a:ext cx="10324441" cy="5807935"/>
+                <a:chOff x="-158225" y="136729"/>
+                <a:chExt cx="10324441" cy="5807935"/>
+              </a:xfrm>
+            </p:grpSpPr>
+            <p:sp>
+              <p:nvSpPr>
+                <p:cNvPr id="11" name="Tekstvak 10"/>
+                <p:cNvSpPr txBox="1">
+                  <a:spLocks noChangeAspect="1"/>
+                </p:cNvSpPr>
+                <p:nvPr/>
+              </p:nvSpPr>
+              <p:spPr>
+                <a:xfrm>
+                  <a:off x="1608519" y="136729"/>
+                  <a:ext cx="2736305" cy="674012"/>
+                </a:xfrm>
+                <a:prstGeom prst="rect">
+                  <a:avLst/>
+                </a:prstGeom>
+                <a:noFill/>
+                <a:ln w="28575">
+                  <a:solidFill>
+                    <a:schemeClr val="tx1"/>
+                  </a:solidFill>
+                </a:ln>
+              </p:spPr>
+              <p:txBody>
+                <a:bodyPr wrap="square" rtlCol="0" anchor="ctr" anchorCtr="1">
+                  <a:spAutoFit/>
+                </a:bodyPr>
+                <a:lstStyle>
+                  <a:defPPr>
+                    <a:defRPr lang="nl-BE"/>
+                  </a:defPPr>
+                  <a:lvl1pPr algn="ctr">
+                    <a:defRPr sz="2800" b="1">
+                      <a:solidFill>
+                        <a:srgbClr val="FF0000"/>
+                      </a:solidFill>
+                      <a:latin typeface="Times New Roman" pitchFamily="18" charset="0"/>
+                      <a:cs typeface="Times New Roman" pitchFamily="18" charset="0"/>
+                    </a:defRPr>
+                  </a:lvl1pPr>
+                </a:lstStyle>
+                <a:p>
+                  <a:r>
+                    <a:rPr lang="nl-BE" sz="1800" dirty="0"/>
+                    <a:t>Gui</a:t>
+                  </a:r>
+                </a:p>
+              </p:txBody>
+            </p:sp>
+            <p:sp>
+              <p:nvSpPr>
+                <p:cNvPr id="12" name="Tekstvak 11"/>
+                <p:cNvSpPr txBox="1">
+                  <a:spLocks noChangeAspect="1"/>
+                </p:cNvSpPr>
+                <p:nvPr/>
+              </p:nvSpPr>
+              <p:spPr>
+                <a:xfrm>
+                  <a:off x="1608518" y="1408588"/>
+                  <a:ext cx="2736305" cy="533593"/>
+                </a:xfrm>
+                <a:prstGeom prst="rect">
+                  <a:avLst/>
+                </a:prstGeom>
+                <a:noFill/>
+                <a:ln>
+                  <a:solidFill>
+                    <a:schemeClr val="tx1"/>
+                  </a:solidFill>
+                </a:ln>
+              </p:spPr>
+              <p:txBody>
+                <a:bodyPr wrap="square" rtlCol="0" anchor="ctr" anchorCtr="1">
+                  <a:spAutoFit/>
+                </a:bodyPr>
+                <a:lstStyle/>
+                <a:p>
+                  <a:pPr algn="ctr"/>
+                  <a:r>
+                    <a:rPr lang="nl-BE" sz="1300" dirty="0" err="1">
+                      <a:latin typeface="Times New Roman" pitchFamily="18" charset="0"/>
+                      <a:cs typeface="Times New Roman" pitchFamily="18" charset="0"/>
+                    </a:rPr>
+                    <a:t>SimulatorPanel</a:t>
+                  </a:r>
+                  <a:endParaRPr lang="nl-BE" sz="1300" dirty="0">
+                    <a:latin typeface="Times New Roman" pitchFamily="18" charset="0"/>
+                    <a:cs typeface="Times New Roman" pitchFamily="18" charset="0"/>
+                  </a:endParaRPr>
+                </a:p>
+              </p:txBody>
+            </p:sp>
+            <p:sp>
+              <p:nvSpPr>
+                <p:cNvPr id="13" name="Tekstvak 12"/>
+                <p:cNvSpPr txBox="1">
+                  <a:spLocks noChangeAspect="1"/>
+                </p:cNvSpPr>
+                <p:nvPr/>
+              </p:nvSpPr>
+              <p:spPr>
+                <a:xfrm>
+                  <a:off x="3203850" y="5411071"/>
+                  <a:ext cx="2736305" cy="533593"/>
+                </a:xfrm>
+                <a:prstGeom prst="rect">
+                  <a:avLst/>
+                </a:prstGeom>
+                <a:noFill/>
+                <a:ln>
+                  <a:solidFill>
+                    <a:schemeClr val="tx1"/>
+                  </a:solidFill>
+                </a:ln>
+              </p:spPr>
+              <p:txBody>
+                <a:bodyPr wrap="square" rtlCol="0" anchor="ctr" anchorCtr="1">
+                  <a:spAutoFit/>
+                </a:bodyPr>
+                <a:lstStyle/>
+                <a:p>
+                  <a:pPr algn="ctr"/>
+                  <a:r>
+                    <a:rPr lang="nl-BE" sz="1300" dirty="0" err="1">
+                      <a:latin typeface="Times New Roman" pitchFamily="18" charset="0"/>
+                      <a:cs typeface="Times New Roman" pitchFamily="18" charset="0"/>
+                    </a:rPr>
+                    <a:t>UnitViewport</a:t>
+                  </a:r>
+                  <a:endParaRPr lang="nl-BE" sz="1300" dirty="0">
+                    <a:latin typeface="Times New Roman" pitchFamily="18" charset="0"/>
+                    <a:cs typeface="Times New Roman" pitchFamily="18" charset="0"/>
+                  </a:endParaRPr>
+                </a:p>
+              </p:txBody>
+            </p:sp>
+            <p:sp>
+              <p:nvSpPr>
+                <p:cNvPr id="14" name="Tekstvak 13"/>
+                <p:cNvSpPr txBox="1">
+                  <a:spLocks noChangeAspect="1"/>
+                </p:cNvSpPr>
+                <p:nvPr/>
+              </p:nvSpPr>
+              <p:spPr>
+                <a:xfrm>
+                  <a:off x="-158225" y="4198459"/>
+                  <a:ext cx="2736305" cy="533593"/>
+                </a:xfrm>
+                <a:prstGeom prst="rect">
+                  <a:avLst/>
+                </a:prstGeom>
+                <a:noFill/>
+                <a:ln>
+                  <a:solidFill>
+                    <a:schemeClr val="tx1"/>
+                  </a:solidFill>
+                </a:ln>
+              </p:spPr>
+              <p:txBody>
+                <a:bodyPr wrap="square" rtlCol="0" anchor="ctr" anchorCtr="1">
+                  <a:spAutoFit/>
+                </a:bodyPr>
+                <a:lstStyle>
+                  <a:defPPr>
+                    <a:defRPr lang="nl-BE"/>
+                  </a:defPPr>
+                  <a:lvl1pPr algn="ctr">
+                    <a:defRPr sz="1400">
+                      <a:latin typeface="Times New Roman" pitchFamily="18" charset="0"/>
+                      <a:cs typeface="Times New Roman" pitchFamily="18" charset="0"/>
+                    </a:defRPr>
+                  </a:lvl1pPr>
+                </a:lstStyle>
+                <a:p>
+                  <a:r>
+                    <a:rPr lang="nl-BE" sz="1300" dirty="0" err="1"/>
+                    <a:t>OverallViewport</a:t>
+                  </a:r>
+                  <a:endParaRPr lang="nl-BE" sz="1300" dirty="0"/>
+                </a:p>
+              </p:txBody>
+            </p:sp>
+            <p:sp>
+              <p:nvSpPr>
+                <p:cNvPr id="15" name="Tekstvak 14"/>
+                <p:cNvSpPr txBox="1">
+                  <a:spLocks noChangeAspect="1"/>
+                </p:cNvSpPr>
+                <p:nvPr/>
+              </p:nvSpPr>
+              <p:spPr>
+                <a:xfrm>
+                  <a:off x="1637506" y="2522073"/>
+                  <a:ext cx="2736305" cy="533593"/>
+                </a:xfrm>
+                <a:prstGeom prst="rect">
+                  <a:avLst/>
+                </a:prstGeom>
+                <a:noFill/>
+                <a:ln>
+                  <a:solidFill>
+                    <a:schemeClr val="tx1"/>
+                  </a:solidFill>
+                </a:ln>
+              </p:spPr>
+              <p:txBody>
+                <a:bodyPr wrap="square" rtlCol="0" anchor="ctr" anchorCtr="1">
+                  <a:spAutoFit/>
+                </a:bodyPr>
+                <a:lstStyle>
+                  <a:defPPr>
+                    <a:defRPr lang="nl-BE"/>
+                  </a:defPPr>
+                  <a:lvl1pPr algn="ctr">
+                    <a:defRPr sz="1400">
+                      <a:latin typeface="Times New Roman" pitchFamily="18" charset="0"/>
+                      <a:cs typeface="Times New Roman" pitchFamily="18" charset="0"/>
+                    </a:defRPr>
+                  </a:lvl1pPr>
+                </a:lstStyle>
+                <a:p>
+                  <a:r>
+                    <a:rPr lang="nl-BE" sz="1300" i="1" dirty="0" err="1"/>
+                    <a:t>ViewportInterface</a:t>
+                  </a:r>
+                  <a:endParaRPr lang="nl-BE" sz="1300" i="1" dirty="0"/>
+                </a:p>
+              </p:txBody>
+            </p:sp>
+            <p:sp>
+              <p:nvSpPr>
+                <p:cNvPr id="16" name="Tekstvak 15"/>
+                <p:cNvSpPr txBox="1">
+                  <a:spLocks noChangeAspect="1"/>
+                </p:cNvSpPr>
+                <p:nvPr/>
+              </p:nvSpPr>
+              <p:spPr>
+                <a:xfrm>
+                  <a:off x="7429911" y="4198459"/>
+                  <a:ext cx="2736305" cy="533593"/>
+                </a:xfrm>
+                <a:prstGeom prst="rect">
+                  <a:avLst/>
+                </a:prstGeom>
+                <a:noFill/>
+                <a:ln>
+                  <a:solidFill>
+                    <a:schemeClr val="tx1"/>
+                  </a:solidFill>
+                </a:ln>
+              </p:spPr>
+              <p:txBody>
+                <a:bodyPr wrap="square" rtlCol="0" anchor="ctr" anchorCtr="1">
+                  <a:spAutoFit/>
+                </a:bodyPr>
+                <a:lstStyle>
+                  <a:defPPr>
+                    <a:defRPr lang="nl-BE"/>
+                  </a:defPPr>
+                  <a:lvl1pPr algn="ctr">
+                    <a:defRPr sz="1300">
+                      <a:latin typeface="Times New Roman" pitchFamily="18" charset="0"/>
+                      <a:cs typeface="Times New Roman" pitchFamily="18" charset="0"/>
+                    </a:defRPr>
+                  </a:lvl1pPr>
+                </a:lstStyle>
+                <a:p>
+                  <a:r>
+                    <a:rPr lang="nl-BE" i="1" dirty="0" err="1"/>
+                    <a:t>PilotInterface</a:t>
+                  </a:r>
+                  <a:endParaRPr lang="nl-BE" i="1" dirty="0"/>
+                </a:p>
+              </p:txBody>
+            </p:sp>
+            <p:sp>
+              <p:nvSpPr>
+                <p:cNvPr id="18" name="Tekstvak 17"/>
+                <p:cNvSpPr txBox="1">
+                  <a:spLocks noChangeAspect="1"/>
+                </p:cNvSpPr>
+                <p:nvPr/>
+              </p:nvSpPr>
+              <p:spPr>
+                <a:xfrm>
+                  <a:off x="3203849" y="4195121"/>
+                  <a:ext cx="2736305" cy="533593"/>
+                </a:xfrm>
+                <a:prstGeom prst="rect">
+                  <a:avLst/>
+                </a:prstGeom>
+                <a:noFill/>
+                <a:ln>
+                  <a:solidFill>
+                    <a:schemeClr val="tx1"/>
+                  </a:solidFill>
+                </a:ln>
+              </p:spPr>
+              <p:txBody>
+                <a:bodyPr wrap="square" rtlCol="0" anchor="ctr" anchorCtr="1">
+                  <a:spAutoFit/>
+                </a:bodyPr>
+                <a:lstStyle/>
+                <a:p>
+                  <a:pPr algn="ctr"/>
+                  <a:r>
+                    <a:rPr lang="nl-BE" sz="1300" dirty="0" err="1">
+                      <a:latin typeface="Times New Roman" pitchFamily="18" charset="0"/>
+                      <a:cs typeface="Times New Roman" pitchFamily="18" charset="0"/>
+                    </a:rPr>
+                    <a:t>DummyViewport</a:t>
+                  </a:r>
+                  <a:endParaRPr lang="nl-BE" sz="1300" dirty="0">
+                    <a:latin typeface="Times New Roman" pitchFamily="18" charset="0"/>
+                    <a:cs typeface="Times New Roman" pitchFamily="18" charset="0"/>
+                  </a:endParaRPr>
+                </a:p>
+              </p:txBody>
+            </p:sp>
+          </p:grpSp>
+          <p:grpSp>
+            <p:nvGrpSpPr>
+              <p:cNvPr id="7" name="Groep 6"/>
+              <p:cNvGrpSpPr/>
+              <p:nvPr/>
+            </p:nvGrpSpPr>
+            <p:grpSpPr>
+              <a:xfrm>
+                <a:off x="2976672" y="810741"/>
+                <a:ext cx="4453239" cy="3654515"/>
+                <a:chOff x="2976672" y="810741"/>
+                <a:chExt cx="4453239" cy="3654515"/>
+              </a:xfrm>
+            </p:grpSpPr>
+            <p:cxnSp>
+              <p:nvCxnSpPr>
+                <p:cNvPr id="8" name="Rechte verbindingslijn met pijl 7"/>
+                <p:cNvCxnSpPr>
+                  <a:stCxn id="12" idx="0"/>
+                  <a:endCxn id="11" idx="2"/>
+                </p:cNvCxnSpPr>
+                <p:nvPr/>
+              </p:nvCxnSpPr>
+              <p:spPr>
+                <a:xfrm flipV="1">
+                  <a:off x="2976672" y="810741"/>
+                  <a:ext cx="1" cy="597847"/>
+                </a:xfrm>
+                <a:prstGeom prst="straightConnector1">
+                  <a:avLst/>
+                </a:prstGeom>
+                <a:ln w="31750">
+                  <a:headEnd w="lg" len="lg"/>
+                  <a:tailEnd type="arrow" w="lg" len="lg"/>
+                </a:ln>
+              </p:spPr>
+              <p:style>
+                <a:lnRef idx="1">
+                  <a:schemeClr val="accent1"/>
+                </a:lnRef>
+                <a:fillRef idx="0">
+                  <a:schemeClr val="accent1"/>
+                </a:fillRef>
+                <a:effectRef idx="0">
+                  <a:schemeClr val="accent1"/>
+                </a:effectRef>
+                <a:fontRef idx="minor">
+                  <a:schemeClr val="tx1"/>
+                </a:fontRef>
+              </p:style>
+            </p:cxnSp>
+            <p:cxnSp>
+              <p:nvCxnSpPr>
+                <p:cNvPr id="9" name="Rechte verbindingslijn met pijl 8"/>
+                <p:cNvCxnSpPr>
+                  <a:stCxn id="15" idx="0"/>
+                  <a:endCxn id="12" idx="2"/>
+                </p:cNvCxnSpPr>
+                <p:nvPr/>
+              </p:nvCxnSpPr>
+              <p:spPr>
+                <a:xfrm flipH="1" flipV="1">
+                  <a:off x="2976672" y="1942181"/>
+                  <a:ext cx="28988" cy="579892"/>
+                </a:xfrm>
+                <a:prstGeom prst="straightConnector1">
+                  <a:avLst/>
+                </a:prstGeom>
+                <a:ln w="31750">
+                  <a:headEnd w="lg" len="lg"/>
+                  <a:tailEnd type="arrow" w="lg" len="lg"/>
+                </a:ln>
+              </p:spPr>
+              <p:style>
+                <a:lnRef idx="1">
+                  <a:schemeClr val="accent1"/>
+                </a:lnRef>
+                <a:fillRef idx="0">
+                  <a:schemeClr val="accent1"/>
+                </a:fillRef>
+                <a:effectRef idx="0">
+                  <a:schemeClr val="accent1"/>
+                </a:effectRef>
+                <a:fontRef idx="minor">
+                  <a:schemeClr val="tx1"/>
+                </a:fontRef>
+              </p:style>
+            </p:cxnSp>
+            <p:cxnSp>
+              <p:nvCxnSpPr>
+                <p:cNvPr id="10" name="Rechte verbindingslijn met pijl 9"/>
+                <p:cNvCxnSpPr>
+                  <a:stCxn id="16" idx="1"/>
+                  <a:endCxn id="18" idx="3"/>
+                </p:cNvCxnSpPr>
+                <p:nvPr/>
+              </p:nvCxnSpPr>
+              <p:spPr>
+                <a:xfrm flipH="1" flipV="1">
+                  <a:off x="5940155" y="4461918"/>
+                  <a:ext cx="1489756" cy="3338"/>
+                </a:xfrm>
+                <a:prstGeom prst="straightConnector1">
+                  <a:avLst/>
+                </a:prstGeom>
+                <a:ln w="31750">
+                  <a:headEnd w="lg" len="lg"/>
+                  <a:tailEnd type="arrow" w="lg" len="lg"/>
+                </a:ln>
+              </p:spPr>
+              <p:style>
+                <a:lnRef idx="1">
+                  <a:schemeClr val="accent1"/>
+                </a:lnRef>
+                <a:fillRef idx="0">
+                  <a:schemeClr val="accent1"/>
+                </a:fillRef>
+                <a:effectRef idx="0">
+                  <a:schemeClr val="accent1"/>
+                </a:effectRef>
+                <a:fontRef idx="minor">
+                  <a:schemeClr val="tx1"/>
+                </a:fontRef>
+              </p:style>
+            </p:cxnSp>
+          </p:grpSp>
+        </p:grpSp>
+        <p:grpSp>
+          <p:nvGrpSpPr>
+            <p:cNvPr id="49" name="Groep 48"/>
+            <p:cNvGrpSpPr/>
+            <p:nvPr/>
+          </p:nvGrpSpPr>
+          <p:grpSpPr>
+            <a:xfrm>
+              <a:off x="2756919" y="3677933"/>
+              <a:ext cx="3925339" cy="3849991"/>
+              <a:chOff x="1332150" y="-117330"/>
+              <a:chExt cx="9790093" cy="3995262"/>
+            </a:xfrm>
+          </p:grpSpPr>
+          <p:grpSp>
+            <p:nvGrpSpPr>
+              <p:cNvPr id="50" name="Groep 49"/>
+              <p:cNvGrpSpPr/>
+              <p:nvPr/>
+            </p:nvGrpSpPr>
+            <p:grpSpPr>
+              <a:xfrm>
+                <a:off x="3063159" y="-117330"/>
+                <a:ext cx="6289510" cy="3078688"/>
+                <a:chOff x="3063159" y="-117330"/>
+                <a:chExt cx="6289510" cy="3078688"/>
+              </a:xfrm>
+            </p:grpSpPr>
+            <p:cxnSp>
+              <p:nvCxnSpPr>
+                <p:cNvPr id="62" name="Gebogen verbindingslijn 61"/>
+                <p:cNvCxnSpPr>
+                  <a:stCxn id="16" idx="2"/>
+                  <a:endCxn id="55" idx="0"/>
+                </p:cNvCxnSpPr>
+                <p:nvPr/>
+              </p:nvCxnSpPr>
+              <p:spPr>
+                <a:xfrm rot="5400000">
+                  <a:off x="5505942" y="-461975"/>
+                  <a:ext cx="1366931" cy="2056221"/>
+                </a:xfrm>
+                <a:prstGeom prst="bentConnector3">
+                  <a:avLst/>
+                </a:prstGeom>
+                <a:ln w="31750">
+                  <a:solidFill>
+                    <a:srgbClr val="96329E"/>
+                  </a:solidFill>
+                  <a:headEnd w="lg" len="lg"/>
+                  <a:tailEnd type="arrow" w="lg" len="lg"/>
+                </a:ln>
+              </p:spPr>
+              <p:style>
+                <a:lnRef idx="1">
+                  <a:schemeClr val="accent1"/>
+                </a:lnRef>
+                <a:fillRef idx="0">
+                  <a:schemeClr val="accent1"/>
+                </a:fillRef>
+                <a:effectRef idx="0">
+                  <a:schemeClr val="accent1"/>
+                </a:effectRef>
+                <a:fontRef idx="minor">
+                  <a:schemeClr val="tx1"/>
+                </a:fontRef>
+              </p:style>
+            </p:cxnSp>
+            <p:cxnSp>
+              <p:nvCxnSpPr>
+                <p:cNvPr id="63" name="Gebogen verbindingslijn 62"/>
+                <p:cNvCxnSpPr>
+                  <a:stCxn id="16" idx="2"/>
+                  <a:endCxn id="58" idx="0"/>
+                </p:cNvCxnSpPr>
+                <p:nvPr/>
+              </p:nvCxnSpPr>
+              <p:spPr>
+                <a:xfrm rot="16200000" flipH="1">
+                  <a:off x="7594433" y="-494245"/>
+                  <a:ext cx="1381321" cy="2135151"/>
+                </a:xfrm>
+                <a:prstGeom prst="bentConnector3">
+                  <a:avLst>
+                    <a:gd name="adj1" fmla="val 50000"/>
+                  </a:avLst>
+                </a:prstGeom>
+                <a:ln w="31750">
+                  <a:solidFill>
+                    <a:srgbClr val="96329E"/>
+                  </a:solidFill>
+                  <a:headEnd w="lg" len="lg"/>
+                  <a:tailEnd type="arrow" w="lg" len="lg"/>
+                </a:ln>
+              </p:spPr>
+              <p:style>
+                <a:lnRef idx="1">
+                  <a:schemeClr val="accent1"/>
+                </a:lnRef>
+                <a:fillRef idx="0">
+                  <a:schemeClr val="accent1"/>
+                </a:fillRef>
+                <a:effectRef idx="0">
+                  <a:schemeClr val="accent1"/>
+                </a:effectRef>
+                <a:fontRef idx="minor">
+                  <a:schemeClr val="tx1"/>
+                </a:fontRef>
+              </p:style>
+            </p:cxnSp>
+            <p:cxnSp>
+              <p:nvCxnSpPr>
+                <p:cNvPr id="64" name="Gebogen verbindingslijn 63"/>
+                <p:cNvCxnSpPr>
+                  <a:stCxn id="55" idx="2"/>
+                  <a:endCxn id="57" idx="0"/>
+                </p:cNvCxnSpPr>
+                <p:nvPr/>
+              </p:nvCxnSpPr>
+              <p:spPr>
+                <a:xfrm rot="5400000">
+                  <a:off x="3458630" y="1258692"/>
+                  <a:ext cx="1307195" cy="2098138"/>
+                </a:xfrm>
+                <a:prstGeom prst="bentConnector3">
+                  <a:avLst/>
+                </a:prstGeom>
+                <a:ln w="31750">
+                  <a:solidFill>
+                    <a:srgbClr val="96329E"/>
+                  </a:solidFill>
+                  <a:headEnd w="lg" len="lg"/>
+                  <a:tailEnd type="arrow" w="lg" len="lg"/>
+                </a:ln>
+              </p:spPr>
+              <p:style>
+                <a:lnRef idx="1">
+                  <a:schemeClr val="accent1"/>
+                </a:lnRef>
+                <a:fillRef idx="0">
+                  <a:schemeClr val="accent1"/>
+                </a:fillRef>
+                <a:effectRef idx="0">
+                  <a:schemeClr val="accent1"/>
+                </a:effectRef>
+                <a:fontRef idx="minor">
+                  <a:schemeClr val="tx1"/>
+                </a:fontRef>
+              </p:style>
+            </p:cxnSp>
+            <p:cxnSp>
+              <p:nvCxnSpPr>
+                <p:cNvPr id="65" name="Gebogen verbindingslijn 64"/>
+                <p:cNvCxnSpPr>
+                  <a:stCxn id="55" idx="2"/>
+                  <a:endCxn id="56" idx="0"/>
+                </p:cNvCxnSpPr>
+                <p:nvPr/>
+              </p:nvCxnSpPr>
+              <p:spPr>
+                <a:xfrm rot="16200000" flipH="1">
+                  <a:off x="5498018" y="1317441"/>
+                  <a:ext cx="1307195" cy="1980639"/>
+                </a:xfrm>
+                <a:prstGeom prst="bentConnector3">
+                  <a:avLst/>
+                </a:prstGeom>
+                <a:ln w="31750">
+                  <a:solidFill>
+                    <a:srgbClr val="96329E"/>
+                  </a:solidFill>
+                  <a:headEnd w="lg" len="lg"/>
+                  <a:tailEnd type="arrow" w="lg" len="lg"/>
+                </a:ln>
+              </p:spPr>
+              <p:style>
+                <a:lnRef idx="1">
+                  <a:schemeClr val="accent1"/>
+                </a:lnRef>
+                <a:fillRef idx="0">
+                  <a:schemeClr val="accent1"/>
+                </a:fillRef>
+                <a:effectRef idx="0">
+                  <a:schemeClr val="accent1"/>
+                </a:effectRef>
+                <a:fontRef idx="minor">
+                  <a:schemeClr val="tx1"/>
+                </a:fontRef>
+              </p:style>
+            </p:cxnSp>
+          </p:grpSp>
+          <p:grpSp>
+            <p:nvGrpSpPr>
+              <p:cNvPr id="51" name="Groep 50"/>
+              <p:cNvGrpSpPr/>
+              <p:nvPr/>
+            </p:nvGrpSpPr>
+            <p:grpSpPr>
+              <a:xfrm>
+                <a:off x="1332150" y="1249602"/>
+                <a:ext cx="9790093" cy="2116317"/>
+                <a:chOff x="1332150" y="1249602"/>
+                <a:chExt cx="9790093" cy="2116317"/>
+              </a:xfrm>
+            </p:grpSpPr>
+            <p:sp>
+              <p:nvSpPr>
+                <p:cNvPr id="55" name="Tekstvak 54"/>
+                <p:cNvSpPr txBox="1">
+                  <a:spLocks noChangeAspect="1"/>
+                </p:cNvSpPr>
+                <p:nvPr/>
+              </p:nvSpPr>
+              <p:spPr>
+                <a:xfrm>
+                  <a:off x="3391719" y="1249602"/>
+                  <a:ext cx="3539154" cy="404561"/>
+                </a:xfrm>
+                <a:prstGeom prst="rect">
+                  <a:avLst/>
+                </a:prstGeom>
+                <a:noFill/>
+                <a:ln>
+                  <a:solidFill>
+                    <a:schemeClr val="tx1"/>
+                  </a:solidFill>
+                </a:ln>
+              </p:spPr>
+              <p:txBody>
+                <a:bodyPr wrap="square" rtlCol="0" anchor="ctr" anchorCtr="1">
+                  <a:spAutoFit/>
+                </a:bodyPr>
+                <a:lstStyle>
+                  <a:defPPr>
+                    <a:defRPr lang="nl-BE"/>
+                  </a:defPPr>
+                  <a:lvl1pPr algn="ctr">
+                    <a:defRPr sz="1300">
+                      <a:latin typeface="Times New Roman" pitchFamily="18" charset="0"/>
+                      <a:cs typeface="Times New Roman" pitchFamily="18" charset="0"/>
+                    </a:defRPr>
+                  </a:lvl1pPr>
+                </a:lstStyle>
+                <a:p>
+                  <a:r>
+                    <a:rPr lang="nl-BE" dirty="0" err="1"/>
+                    <a:t>AbstractPilot</a:t>
+                  </a:r>
+                  <a:endParaRPr lang="nl-BE" dirty="0"/>
+                </a:p>
+              </p:txBody>
+            </p:sp>
+            <p:sp>
+              <p:nvSpPr>
+                <p:cNvPr id="56" name="Tekstvak 55"/>
+                <p:cNvSpPr txBox="1">
+                  <a:spLocks noChangeAspect="1"/>
+                </p:cNvSpPr>
+                <p:nvPr/>
+              </p:nvSpPr>
+              <p:spPr>
+                <a:xfrm>
+                  <a:off x="5373473" y="2961358"/>
+                  <a:ext cx="3536924" cy="404561"/>
+                </a:xfrm>
+                <a:prstGeom prst="rect">
+                  <a:avLst/>
+                </a:prstGeom>
+                <a:noFill/>
+                <a:ln>
+                  <a:solidFill>
+                    <a:schemeClr val="tx1"/>
+                  </a:solidFill>
+                </a:ln>
+              </p:spPr>
+              <p:txBody>
+                <a:bodyPr wrap="square" rtlCol="0" anchor="ctr" anchorCtr="1">
+                  <a:spAutoFit/>
+                </a:bodyPr>
+                <a:lstStyle>
+                  <a:defPPr>
+                    <a:defRPr lang="nl-BE"/>
+                  </a:defPPr>
+                  <a:lvl1pPr algn="ctr">
+                    <a:defRPr sz="1300">
+                      <a:latin typeface="Times New Roman" pitchFamily="18" charset="0"/>
+                      <a:cs typeface="Times New Roman" pitchFamily="18" charset="0"/>
+                    </a:defRPr>
+                  </a:lvl1pPr>
+                </a:lstStyle>
+                <a:p>
+                  <a:r>
+                    <a:rPr lang="nl-BE" dirty="0" err="1"/>
+                    <a:t>SimulatorPilot</a:t>
+                  </a:r>
+                  <a:endParaRPr lang="nl-BE" dirty="0"/>
+                </a:p>
+              </p:txBody>
+            </p:sp>
+            <p:sp>
+              <p:nvSpPr>
+                <p:cNvPr id="57" name="Tekstvak 56"/>
+                <p:cNvSpPr txBox="1">
+                  <a:spLocks noChangeAspect="1"/>
+                </p:cNvSpPr>
+                <p:nvPr/>
+              </p:nvSpPr>
+              <p:spPr>
+                <a:xfrm>
+                  <a:off x="1332150" y="2961358"/>
+                  <a:ext cx="3462014" cy="404561"/>
+                </a:xfrm>
+                <a:prstGeom prst="rect">
+                  <a:avLst/>
+                </a:prstGeom>
+                <a:noFill/>
+                <a:ln>
+                  <a:solidFill>
+                    <a:schemeClr val="tx1"/>
+                  </a:solidFill>
+                </a:ln>
+              </p:spPr>
+              <p:txBody>
+                <a:bodyPr wrap="square" rtlCol="0" anchor="ctr" anchorCtr="1">
+                  <a:spAutoFit/>
+                </a:bodyPr>
+                <a:lstStyle>
+                  <a:defPPr>
+                    <a:defRPr lang="nl-BE"/>
+                  </a:defPPr>
+                  <a:lvl1pPr algn="ctr">
+                    <a:defRPr sz="1300">
+                      <a:latin typeface="Times New Roman" pitchFamily="18" charset="0"/>
+                      <a:cs typeface="Times New Roman" pitchFamily="18" charset="0"/>
+                    </a:defRPr>
+                  </a:lvl1pPr>
+                </a:lstStyle>
+                <a:p>
+                  <a:r>
+                    <a:rPr lang="nl-BE" dirty="0" err="1"/>
+                    <a:t>RobotPilot</a:t>
+                  </a:r>
+                  <a:endParaRPr lang="nl-BE" dirty="0"/>
+                </a:p>
+              </p:txBody>
+            </p:sp>
+            <p:sp>
+              <p:nvSpPr>
+                <p:cNvPr id="58" name="Tekstvak 57"/>
+                <p:cNvSpPr txBox="1">
+                  <a:spLocks noChangeAspect="1"/>
+                </p:cNvSpPr>
+                <p:nvPr/>
+              </p:nvSpPr>
+              <p:spPr>
+                <a:xfrm>
+                  <a:off x="7583091" y="1263992"/>
+                  <a:ext cx="3539152" cy="404561"/>
+                </a:xfrm>
+                <a:prstGeom prst="rect">
+                  <a:avLst/>
+                </a:prstGeom>
+                <a:noFill/>
+                <a:ln>
+                  <a:solidFill>
+                    <a:schemeClr val="tx1"/>
+                  </a:solidFill>
+                </a:ln>
+              </p:spPr>
+              <p:txBody>
+                <a:bodyPr wrap="square" rtlCol="0" anchor="ctr" anchorCtr="1">
+                  <a:spAutoFit/>
+                </a:bodyPr>
+                <a:lstStyle>
+                  <a:defPPr>
+                    <a:defRPr lang="nl-BE"/>
+                  </a:defPPr>
+                  <a:lvl1pPr algn="ctr">
+                    <a:defRPr sz="1300">
+                      <a:latin typeface="Times New Roman" pitchFamily="18" charset="0"/>
+                      <a:cs typeface="Times New Roman" pitchFamily="18" charset="0"/>
+                    </a:defRPr>
+                  </a:lvl1pPr>
+                </a:lstStyle>
+                <a:p>
+                  <a:r>
+                    <a:rPr lang="nl-BE" dirty="0" err="1"/>
+                    <a:t>DummyPilot</a:t>
+                  </a:r>
+                  <a:endParaRPr lang="nl-BE" dirty="0"/>
+                </a:p>
+              </p:txBody>
+            </p:sp>
+          </p:grpSp>
+          <p:cxnSp>
+            <p:nvCxnSpPr>
+              <p:cNvPr id="53" name="Rechte verbindingslijn met pijl 52"/>
+              <p:cNvCxnSpPr>
+                <a:stCxn id="57" idx="2"/>
+                <a:endCxn id="134" idx="0"/>
+              </p:cNvCxnSpPr>
+              <p:nvPr/>
+            </p:nvCxnSpPr>
+            <p:spPr>
+              <a:xfrm>
+                <a:off x="3063158" y="3365919"/>
+                <a:ext cx="18472" cy="512013"/>
+              </a:xfrm>
+              <a:prstGeom prst="straightConnector1">
+                <a:avLst/>
+              </a:prstGeom>
+              <a:ln w="31750">
+                <a:headEnd w="lg" len="lg"/>
+                <a:tailEnd type="arrow" w="lg" len="lg"/>
+              </a:ln>
+            </p:spPr>
+            <p:style>
+              <a:lnRef idx="1">
+                <a:schemeClr val="accent1"/>
+              </a:lnRef>
+              <a:fillRef idx="0">
+                <a:schemeClr val="accent1"/>
+              </a:fillRef>
+              <a:effectRef idx="0">
+                <a:schemeClr val="accent1"/>
+              </a:effectRef>
+              <a:fontRef idx="minor">
+                <a:schemeClr val="tx1"/>
+              </a:fontRef>
+            </p:style>
+          </p:cxnSp>
+        </p:grpSp>
+        <p:grpSp>
+          <p:nvGrpSpPr>
+            <p:cNvPr id="125" name="Groep 124"/>
+            <p:cNvGrpSpPr/>
+            <p:nvPr/>
+          </p:nvGrpSpPr>
+          <p:grpSpPr>
+            <a:xfrm>
+              <a:off x="654165" y="6644677"/>
+              <a:ext cx="3508689" cy="2305043"/>
+              <a:chOff x="-8093733" y="1121270"/>
+              <a:chExt cx="7272675" cy="2960697"/>
+            </a:xfrm>
+          </p:grpSpPr>
+          <p:sp>
+            <p:nvSpPr>
+              <p:cNvPr id="134" name="Tekstvak 133"/>
+              <p:cNvSpPr txBox="1">
+                <a:spLocks noChangeAspect="1"/>
+              </p:cNvSpPr>
+              <p:nvPr/>
+            </p:nvSpPr>
+            <p:spPr>
+              <a:xfrm>
+                <a:off x="-3741500" y="2255751"/>
+                <a:ext cx="2920442" cy="500741"/>
+              </a:xfrm>
+              <a:prstGeom prst="rect">
+                <a:avLst/>
+              </a:prstGeom>
+              <a:noFill/>
+              <a:ln>
+                <a:solidFill>
+                  <a:schemeClr val="tx1"/>
+                </a:solidFill>
+              </a:ln>
+            </p:spPr>
+            <p:txBody>
+              <a:bodyPr wrap="square" rtlCol="0" anchor="ctr" anchorCtr="1">
+                <a:spAutoFit/>
+              </a:bodyPr>
+              <a:lstStyle>
+                <a:defPPr>
+                  <a:defRPr lang="nl-BE"/>
+                </a:defPPr>
+                <a:lvl1pPr algn="ctr">
+                  <a:defRPr sz="1300">
+                    <a:latin typeface="Times New Roman" pitchFamily="18" charset="0"/>
+                    <a:cs typeface="Times New Roman" pitchFamily="18" charset="0"/>
+                  </a:defRPr>
+                </a:lvl1pPr>
+              </a:lstStyle>
+              <a:p>
+                <a:r>
+                  <a:rPr lang="nl-BE" dirty="0"/>
+                  <a:t>Communicator</a:t>
+                </a:r>
+              </a:p>
+            </p:txBody>
+          </p:sp>
+          <p:sp>
+            <p:nvSpPr>
+              <p:cNvPr id="135" name="Tekstvak 134"/>
+              <p:cNvSpPr txBox="1">
+                <a:spLocks noChangeAspect="1"/>
+              </p:cNvSpPr>
+              <p:nvPr/>
+            </p:nvSpPr>
+            <p:spPr>
+              <a:xfrm>
+                <a:off x="-8093733" y="2255751"/>
+                <a:ext cx="3177352" cy="500741"/>
+              </a:xfrm>
+              <a:prstGeom prst="rect">
+                <a:avLst/>
+              </a:prstGeom>
+              <a:noFill/>
+              <a:ln>
+                <a:solidFill>
+                  <a:schemeClr val="tx1"/>
+                </a:solidFill>
+              </a:ln>
+            </p:spPr>
+            <p:txBody>
+              <a:bodyPr wrap="square" rtlCol="0" anchor="ctr" anchorCtr="1">
+                <a:spAutoFit/>
+              </a:bodyPr>
+              <a:lstStyle>
+                <a:defPPr>
+                  <a:defRPr lang="nl-BE"/>
+                </a:defPPr>
+                <a:lvl1pPr algn="ctr">
+                  <a:defRPr sz="1300">
+                    <a:latin typeface="Times New Roman" pitchFamily="18" charset="0"/>
+                    <a:cs typeface="Times New Roman" pitchFamily="18" charset="0"/>
+                  </a:defRPr>
+                </a:lvl1pPr>
+              </a:lstStyle>
+              <a:p>
+                <a:r>
+                  <a:rPr lang="nl-BE" dirty="0" err="1"/>
+                  <a:t>InfoRecieverThread</a:t>
+                </a:r>
+                <a:endParaRPr lang="nl-BE" dirty="0"/>
+              </a:p>
+            </p:txBody>
+          </p:sp>
+          <p:sp>
+            <p:nvSpPr>
+              <p:cNvPr id="136" name="Tekstvak 135"/>
+              <p:cNvSpPr txBox="1">
+                <a:spLocks noChangeAspect="1"/>
+              </p:cNvSpPr>
+              <p:nvPr/>
+            </p:nvSpPr>
+            <p:spPr>
+              <a:xfrm>
+                <a:off x="-7850747" y="1121270"/>
+                <a:ext cx="2724773" cy="500741"/>
+              </a:xfrm>
+              <a:prstGeom prst="rect">
+                <a:avLst/>
+              </a:prstGeom>
+              <a:noFill/>
+              <a:ln>
+                <a:solidFill>
+                  <a:schemeClr val="tx1"/>
+                </a:solidFill>
+              </a:ln>
+            </p:spPr>
+            <p:txBody>
+              <a:bodyPr wrap="square" rtlCol="0" anchor="ctr" anchorCtr="1">
+                <a:spAutoFit/>
+              </a:bodyPr>
+              <a:lstStyle>
+                <a:defPPr>
+                  <a:defRPr lang="nl-BE"/>
+                </a:defPPr>
+                <a:lvl1pPr algn="ctr">
+                  <a:defRPr sz="1300">
+                    <a:latin typeface="Times New Roman" pitchFamily="18" charset="0"/>
+                    <a:cs typeface="Times New Roman" pitchFamily="18" charset="0"/>
+                  </a:defRPr>
+                </a:lvl1pPr>
+              </a:lstStyle>
+              <a:p>
+                <a:r>
+                  <a:rPr lang="nl-BE" dirty="0" err="1"/>
+                  <a:t>StatusInfoBuffer</a:t>
+                </a:r>
+                <a:endParaRPr lang="nl-BE" dirty="0"/>
+              </a:p>
+            </p:txBody>
+          </p:sp>
+          <p:sp>
+            <p:nvSpPr>
+              <p:cNvPr id="137" name="Tekstvak 136"/>
+              <p:cNvSpPr txBox="1">
+                <a:spLocks noChangeAspect="1"/>
+              </p:cNvSpPr>
+              <p:nvPr/>
+            </p:nvSpPr>
+            <p:spPr>
+              <a:xfrm>
+                <a:off x="-3741500" y="3449452"/>
+                <a:ext cx="2920442" cy="632515"/>
+              </a:xfrm>
+              <a:prstGeom prst="rect">
+                <a:avLst/>
+              </a:prstGeom>
+              <a:noFill/>
+              <a:ln w="28575">
+                <a:solidFill>
+                  <a:schemeClr val="tx1"/>
+                </a:solidFill>
+              </a:ln>
+            </p:spPr>
+            <p:txBody>
+              <a:bodyPr wrap="square" rtlCol="0" anchor="ctr" anchorCtr="1">
+                <a:spAutoFit/>
+              </a:bodyPr>
+              <a:lstStyle>
+                <a:defPPr>
+                  <a:defRPr lang="nl-BE"/>
+                </a:defPPr>
+                <a:lvl1pPr algn="ctr">
+                  <a:defRPr sz="1300">
+                    <a:latin typeface="Times New Roman" pitchFamily="18" charset="0"/>
+                    <a:cs typeface="Times New Roman" pitchFamily="18" charset="0"/>
+                  </a:defRPr>
+                </a:lvl1pPr>
+              </a:lstStyle>
+              <a:p>
+                <a:r>
+                  <a:rPr lang="nl-BE" sz="1800" b="1" dirty="0" smtClean="0">
+                    <a:solidFill>
+                      <a:srgbClr val="FF0000"/>
+                    </a:solidFill>
+                  </a:rPr>
+                  <a:t>Robot  </a:t>
+                </a:r>
+                <a:endParaRPr lang="nl-BE" sz="1800" b="1" dirty="0">
+                  <a:solidFill>
+                    <a:srgbClr val="FF0000"/>
+                  </a:solidFill>
+                </a:endParaRPr>
+              </a:p>
+            </p:txBody>
+          </p:sp>
+        </p:grpSp>
+      </p:grpSp>
+      <p:cxnSp>
+        <p:nvCxnSpPr>
+          <p:cNvPr id="192" name="Rechte verbindingslijn met pijl 191"/>
+          <p:cNvCxnSpPr>
+            <a:stCxn id="136" idx="2"/>
+            <a:endCxn id="135" idx="0"/>
+          </p:cNvCxnSpPr>
+          <p:nvPr/>
+        </p:nvCxnSpPr>
+        <p:spPr>
+          <a:xfrm flipH="1">
+            <a:off x="1703230" y="5185920"/>
+            <a:ext cx="10740" cy="370047"/>
+          </a:xfrm>
+          <a:prstGeom prst="straightConnector1">
+            <a:avLst/>
+          </a:prstGeom>
+          <a:ln w="31750">
+            <a:headEnd w="lg" len="lg"/>
+            <a:tailEnd type="arrow" w="lg" len="lg"/>
+          </a:ln>
+        </p:spPr>
+        <p:style>
+          <a:lnRef idx="1">
+            <a:schemeClr val="accent1"/>
+          </a:lnRef>
+          <a:fillRef idx="0">
+            <a:schemeClr val="accent1"/>
+          </a:fillRef>
+          <a:effectRef idx="0">
+            <a:schemeClr val="accent1"/>
+          </a:effectRef>
+          <a:fontRef idx="minor">
+            <a:schemeClr val="tx1"/>
+          </a:fontRef>
+        </p:style>
+      </p:cxnSp>
+      <p:cxnSp>
+        <p:nvCxnSpPr>
+          <p:cNvPr id="193" name="Rechte verbindingslijn met pijl 192"/>
+          <p:cNvCxnSpPr>
+            <a:stCxn id="135" idx="2"/>
+            <a:endCxn id="137" idx="1"/>
+          </p:cNvCxnSpPr>
+          <p:nvPr/>
+        </p:nvCxnSpPr>
+        <p:spPr>
+          <a:xfrm>
+            <a:off x="1703230" y="5848355"/>
+            <a:ext cx="1777697" cy="589293"/>
+          </a:xfrm>
+          <a:prstGeom prst="straightConnector1">
+            <a:avLst/>
+          </a:prstGeom>
+          <a:ln w="31750">
+            <a:headEnd w="lg" len="lg"/>
+            <a:tailEnd type="arrow" w="lg" len="lg"/>
+          </a:ln>
+        </p:spPr>
+        <p:style>
+          <a:lnRef idx="1">
+            <a:schemeClr val="accent1"/>
+          </a:lnRef>
+          <a:fillRef idx="0">
+            <a:schemeClr val="accent1"/>
+          </a:fillRef>
+          <a:effectRef idx="0">
+            <a:schemeClr val="accent1"/>
+          </a:effectRef>
+          <a:fontRef idx="minor">
+            <a:schemeClr val="tx1"/>
+          </a:fontRef>
+        </p:style>
+      </p:cxnSp>
+      <p:cxnSp>
+        <p:nvCxnSpPr>
+          <p:cNvPr id="194" name="Rechte verbindingslijn met pijl 193"/>
+          <p:cNvCxnSpPr>
+            <a:stCxn id="134" idx="2"/>
+            <a:endCxn id="137" idx="0"/>
+          </p:cNvCxnSpPr>
+          <p:nvPr/>
+        </p:nvCxnSpPr>
+        <p:spPr>
+          <a:xfrm>
+            <a:off x="4420235" y="5848355"/>
+            <a:ext cx="0" cy="404627"/>
+          </a:xfrm>
+          <a:prstGeom prst="straightConnector1">
+            <a:avLst/>
+          </a:prstGeom>
+          <a:ln w="31750">
+            <a:headEnd w="lg" len="lg"/>
+            <a:tailEnd type="arrow" w="lg" len="lg"/>
+          </a:ln>
+        </p:spPr>
+        <p:style>
+          <a:lnRef idx="1">
+            <a:schemeClr val="accent1"/>
+          </a:lnRef>
+          <a:fillRef idx="0">
+            <a:schemeClr val="accent1"/>
+          </a:fillRef>
+          <a:effectRef idx="0">
+            <a:schemeClr val="accent1"/>
+          </a:effectRef>
+          <a:fontRef idx="minor">
+            <a:schemeClr val="tx1"/>
+          </a:fontRef>
+        </p:style>
+      </p:cxnSp>
+      <p:cxnSp>
+        <p:nvCxnSpPr>
+          <p:cNvPr id="202" name="Rechte verbindingslijn met pijl 201"/>
+          <p:cNvCxnSpPr>
+            <a:stCxn id="57" idx="1"/>
+            <a:endCxn id="136" idx="3"/>
+          </p:cNvCxnSpPr>
+          <p:nvPr/>
+        </p:nvCxnSpPr>
+        <p:spPr>
+          <a:xfrm flipH="1">
+            <a:off x="2590344" y="5039726"/>
+            <a:ext cx="894619" cy="0"/>
+          </a:xfrm>
+          <a:prstGeom prst="straightConnector1">
+            <a:avLst/>
+          </a:prstGeom>
+          <a:ln w="31750">
+            <a:headEnd w="lg" len="lg"/>
+            <a:tailEnd type="arrow" w="lg" len="lg"/>
+          </a:ln>
+        </p:spPr>
+        <p:style>
+          <a:lnRef idx="1">
+            <a:schemeClr val="accent1"/>
+          </a:lnRef>
+          <a:fillRef idx="0">
+            <a:schemeClr val="accent1"/>
+          </a:fillRef>
+          <a:effectRef idx="0">
+            <a:schemeClr val="accent1"/>
+          </a:effectRef>
+          <a:fontRef idx="minor">
+            <a:schemeClr val="tx1"/>
+          </a:fontRef>
+        </p:style>
+      </p:cxnSp>
+    </p:spTree>
+    <p:extLst>
+      <p:ext uri="{BB962C8B-B14F-4D97-AF65-F5344CB8AC3E}">
+        <p14:creationId xmlns:p14="http://schemas.microsoft.com/office/powerpoint/2010/main" val="206240423"/>
+      </p:ext>
+    </p:extLst>
+  </p:cSld>
+  <p:clrMapOvr>
+    <a:masterClrMapping/>
+  </p:clrMapOvr>
+</p:sld>
+</file>
+
+<file path=ppt/slides/slide5.xml><?xml version="1.0" encoding="utf-8"?>
+<p:sld xmlns:a="http://schemas.openxmlformats.org/drawingml/2006/main" xmlns:r="http://schemas.openxmlformats.org/officeDocument/2006/relationships" xmlns:p="http://schemas.openxmlformats.org/presentationml/2006/main">
+  <p:cSld>
+    <p:spTree>
+      <p:nvGrpSpPr>
+        <p:cNvPr id="1" name=""/>
+        <p:cNvGrpSpPr/>
+        <p:nvPr/>
+      </p:nvGrpSpPr>
+      <p:grpSpPr>
+        <a:xfrm>
+          <a:off x="0" y="0"/>
+          <a:ext cx="0" cy="0"/>
+          <a:chOff x="0" y="0"/>
+          <a:chExt cx="0" cy="0"/>
+        </a:xfrm>
+      </p:grpSpPr>
+      <p:grpSp>
+        <p:nvGrpSpPr>
+          <p:cNvPr id="47" name="Groep 46"/>
+          <p:cNvGrpSpPr/>
+          <p:nvPr/>
+        </p:nvGrpSpPr>
+        <p:grpSpPr>
+          <a:xfrm>
+            <a:off x="1150306" y="1261620"/>
+            <a:ext cx="6204780" cy="3989393"/>
+            <a:chOff x="862729" y="1682159"/>
+            <a:chExt cx="4653585" cy="5319192"/>
           </a:xfrm>
         </p:grpSpPr>
         <p:sp>
@@ -5087,8 +6562,8 @@
           </p:nvSpPr>
           <p:spPr>
             <a:xfrm>
-              <a:off x="2788109" y="1000094"/>
-              <a:ext cx="3312368" cy="1975009"/>
+              <a:off x="2602595" y="1682159"/>
+              <a:ext cx="2484276" cy="2179320"/>
             </a:xfrm>
             <a:prstGeom prst="roundRect">
               <a:avLst/>
@@ -5133,10 +6608,7 @@
               </a:r>
             </a:p>
             <a:p>
-              <a:endParaRPr lang="nl-BE" sz="1000" dirty="0" smtClean="0"/>
-            </a:p>
-            <a:p>
-              <a:endParaRPr lang="nl-BE" dirty="0"/>
+              <a:endParaRPr lang="nl-BE" sz="1000" dirty="0"/>
             </a:p>
             <a:p>
               <a:endParaRPr lang="nl-BE" dirty="0" smtClean="0"/>
@@ -5157,10 +6629,10 @@
           </p:nvGrpSpPr>
           <p:grpSpPr>
             <a:xfrm>
-              <a:off x="229867" y="1601792"/>
-              <a:ext cx="7064816" cy="4901798"/>
-              <a:chOff x="229867" y="1601792"/>
-              <a:chExt cx="7064816" cy="4901798"/>
+              <a:off x="862729" y="2454711"/>
+              <a:ext cx="4653585" cy="4546640"/>
+              <a:chOff x="468287" y="1877208"/>
+              <a:chExt cx="6204780" cy="3409980"/>
             </a:xfrm>
           </p:grpSpPr>
           <p:sp>
@@ -5173,8 +6645,8 @@
             </p:nvSpPr>
             <p:spPr>
               <a:xfrm>
-                <a:off x="5323331" y="3733462"/>
-                <a:ext cx="1971352" cy="400110"/>
+                <a:off x="4701715" y="3588082"/>
+                <a:ext cx="1971352" cy="292388"/>
               </a:xfrm>
               <a:prstGeom prst="rect">
                 <a:avLst/>
@@ -5195,7 +6667,7 @@
                   <a:defRPr lang="nl-BE"/>
                 </a:defPPr>
                 <a:lvl1pPr algn="ctr">
-                  <a:defRPr sz="2000">
+                  <a:defRPr sz="1300">
                     <a:latin typeface="Times New Roman" pitchFamily="18" charset="0"/>
                     <a:cs typeface="Times New Roman" pitchFamily="18" charset="0"/>
                   </a:defRPr>
@@ -5203,12 +6675,8 @@
               </a:lstStyle>
               <a:p>
                 <a:r>
-                  <a:rPr lang="nl-BE" dirty="0" err="1" smtClean="0"/>
-                  <a:t>Spectator</a:t>
-                </a:r>
-                <a:r>
-                  <a:rPr lang="nl-BE" dirty="0" err="1" smtClean="0"/>
-                  <a:t>Handler</a:t>
+                  <a:rPr lang="nl-BE" dirty="0" err="1"/>
+                  <a:t>SpectatorHandler</a:t>
                 </a:r>
                 <a:endParaRPr lang="nl-BE" dirty="0"/>
               </a:p>
@@ -5224,8 +6692,8 @@
             </p:nvSpPr>
             <p:spPr>
               <a:xfrm>
-                <a:off x="1578546" y="3733462"/>
-                <a:ext cx="1971352" cy="400110"/>
+                <a:off x="2200847" y="3587416"/>
+                <a:ext cx="1971352" cy="292388"/>
               </a:xfrm>
               <a:prstGeom prst="rect">
                 <a:avLst/>
@@ -5246,7 +6714,7 @@
                   <a:defRPr lang="nl-BE"/>
                 </a:defPPr>
                 <a:lvl1pPr algn="ctr">
-                  <a:defRPr sz="2000">
+                  <a:defRPr sz="1300">
                     <a:latin typeface="Times New Roman" pitchFamily="18" charset="0"/>
                     <a:cs typeface="Times New Roman" pitchFamily="18" charset="0"/>
                   </a:defRPr>
@@ -5254,7 +6722,7 @@
               </a:lstStyle>
               <a:p>
                 <a:r>
-                  <a:rPr lang="nl-BE" dirty="0" err="1" smtClean="0"/>
+                  <a:rPr lang="nl-BE" dirty="0" err="1"/>
                   <a:t>PlayerHandler</a:t>
                 </a:r>
                 <a:endParaRPr lang="nl-BE" dirty="0"/>
@@ -5271,8 +6739,8 @@
             </p:nvSpPr>
             <p:spPr>
               <a:xfrm>
-                <a:off x="229867" y="1601792"/>
-                <a:ext cx="1971352" cy="400110"/>
+                <a:off x="468287" y="1877209"/>
+                <a:ext cx="1971352" cy="292388"/>
               </a:xfrm>
               <a:prstGeom prst="rect">
                 <a:avLst/>
@@ -5293,7 +6761,7 @@
                   <a:defRPr lang="nl-BE"/>
                 </a:defPPr>
                 <a:lvl1pPr algn="ctr">
-                  <a:defRPr sz="2000">
+                  <a:defRPr sz="1300">
                     <a:latin typeface="Times New Roman" pitchFamily="18" charset="0"/>
                     <a:cs typeface="Times New Roman" pitchFamily="18" charset="0"/>
                   </a:defRPr>
@@ -5301,7 +6769,7 @@
               </a:lstStyle>
               <a:p>
                 <a:r>
-                  <a:rPr lang="nl-BE" dirty="0" err="1" smtClean="0"/>
+                  <a:rPr lang="nl-BE" dirty="0" err="1"/>
                   <a:t>MQCenter</a:t>
                 </a:r>
                 <a:endParaRPr lang="nl-BE" dirty="0"/>
@@ -5318,8 +6786,8 @@
             </p:nvSpPr>
             <p:spPr>
               <a:xfrm>
-                <a:off x="1578546" y="4857302"/>
-                <a:ext cx="1971352" cy="400110"/>
+                <a:off x="2200847" y="4274094"/>
+                <a:ext cx="1971352" cy="292388"/>
               </a:xfrm>
               <a:prstGeom prst="rect">
                 <a:avLst/>
@@ -5340,7 +6808,7 @@
                   <a:defRPr lang="nl-BE"/>
                 </a:defPPr>
                 <a:lvl1pPr algn="ctr">
-                  <a:defRPr sz="2000">
+                  <a:defRPr sz="1300">
                     <a:latin typeface="Times New Roman" pitchFamily="18" charset="0"/>
                     <a:cs typeface="Times New Roman" pitchFamily="18" charset="0"/>
                   </a:defRPr>
@@ -5348,7 +6816,7 @@
               </a:lstStyle>
               <a:p>
                 <a:r>
-                  <a:rPr lang="nl-BE" dirty="0" err="1" smtClean="0"/>
+                  <a:rPr lang="nl-BE" dirty="0" err="1"/>
                   <a:t>AbstractPilot</a:t>
                 </a:r>
                 <a:endParaRPr lang="nl-BE" dirty="0"/>
@@ -5365,8 +6833,8 @@
             </p:nvSpPr>
             <p:spPr>
               <a:xfrm>
-                <a:off x="5323331" y="4857302"/>
-                <a:ext cx="1971352" cy="400110"/>
+                <a:off x="4688982" y="4287307"/>
+                <a:ext cx="1971352" cy="292388"/>
               </a:xfrm>
               <a:prstGeom prst="rect">
                 <a:avLst/>
@@ -5387,7 +6855,7 @@
                   <a:defRPr lang="nl-BE"/>
                 </a:defPPr>
                 <a:lvl1pPr algn="ctr">
-                  <a:defRPr sz="2000">
+                  <a:defRPr sz="1300">
                     <a:latin typeface="Times New Roman" pitchFamily="18" charset="0"/>
                     <a:cs typeface="Times New Roman" pitchFamily="18" charset="0"/>
                   </a:defRPr>
@@ -5395,7 +6863,7 @@
               </a:lstStyle>
               <a:p>
                 <a:r>
-                  <a:rPr lang="nl-BE" dirty="0" err="1" smtClean="0"/>
+                  <a:rPr lang="nl-BE" dirty="0" err="1"/>
                   <a:t>DummyPilot</a:t>
                 </a:r>
                 <a:endParaRPr lang="nl-BE" dirty="0"/>
@@ -5412,8 +6880,8 @@
             </p:nvSpPr>
             <p:spPr>
               <a:xfrm>
-                <a:off x="1578546" y="6103480"/>
-                <a:ext cx="1971352" cy="400110"/>
+                <a:off x="2200847" y="4994800"/>
+                <a:ext cx="1971352" cy="292388"/>
               </a:xfrm>
               <a:prstGeom prst="rect">
                 <a:avLst/>
@@ -5434,7 +6902,7 @@
                   <a:defRPr lang="nl-BE"/>
                 </a:defPPr>
                 <a:lvl1pPr algn="ctr">
-                  <a:defRPr sz="2000">
+                  <a:defRPr sz="1300">
                     <a:latin typeface="Times New Roman" pitchFamily="18" charset="0"/>
                     <a:cs typeface="Times New Roman" pitchFamily="18" charset="0"/>
                   </a:defRPr>
@@ -5442,7 +6910,7 @@
               </a:lstStyle>
               <a:p>
                 <a:r>
-                  <a:rPr lang="nl-BE" dirty="0" smtClean="0"/>
+                  <a:rPr lang="nl-BE" dirty="0"/>
                   <a:t>…</a:t>
                 </a:r>
                 <a:endParaRPr lang="nl-BE" dirty="0"/>
@@ -5459,8 +6927,8 @@
             </p:nvSpPr>
             <p:spPr>
               <a:xfrm>
-                <a:off x="5323331" y="6103480"/>
-                <a:ext cx="1971352" cy="400110"/>
+                <a:off x="4701715" y="4994800"/>
+                <a:ext cx="1971352" cy="292388"/>
               </a:xfrm>
               <a:prstGeom prst="rect">
                 <a:avLst/>
@@ -5481,7 +6949,7 @@
                   <a:defRPr lang="nl-BE"/>
                 </a:defPPr>
                 <a:lvl1pPr algn="ctr">
-                  <a:defRPr sz="2000">
+                  <a:defRPr sz="1300">
                     <a:latin typeface="Times New Roman" pitchFamily="18" charset="0"/>
                     <a:cs typeface="Times New Roman" pitchFamily="18" charset="0"/>
                   </a:defRPr>
@@ -5489,7 +6957,7 @@
               </a:lstStyle>
               <a:p>
                 <a:r>
-                  <a:rPr lang="nl-BE" dirty="0" smtClean="0"/>
+                  <a:rPr lang="nl-BE" dirty="0"/>
                   <a:t>…</a:t>
                 </a:r>
                 <a:endParaRPr lang="nl-BE" dirty="0"/>
@@ -5506,8 +6974,8 @@
             </p:nvSpPr>
             <p:spPr>
               <a:xfrm>
-                <a:off x="3468365" y="1601792"/>
-                <a:ext cx="1971352" cy="400110"/>
+                <a:off x="3468365" y="1877208"/>
+                <a:ext cx="1971352" cy="292388"/>
               </a:xfrm>
               <a:prstGeom prst="rect">
                 <a:avLst/>
@@ -5528,7 +6996,7 @@
                   <a:defRPr lang="nl-BE"/>
                 </a:defPPr>
                 <a:lvl1pPr algn="ctr">
-                  <a:defRPr sz="2000">
+                  <a:defRPr sz="1300">
                     <a:latin typeface="Times New Roman" pitchFamily="18" charset="0"/>
                     <a:cs typeface="Times New Roman" pitchFamily="18" charset="0"/>
                   </a:defRPr>
@@ -5536,7 +7004,7 @@
               </a:lstStyle>
               <a:p>
                 <a:r>
-                  <a:rPr lang="nl-BE" dirty="0" smtClean="0"/>
+                  <a:rPr lang="nl-BE" dirty="0"/>
                   <a:t>Client</a:t>
                 </a:r>
                 <a:endParaRPr lang="nl-BE" dirty="0"/>
@@ -5553,8 +7021,8 @@
             </p:nvSpPr>
             <p:spPr>
               <a:xfrm>
-                <a:off x="3468365" y="2281483"/>
-                <a:ext cx="1971352" cy="400110"/>
+                <a:off x="3468364" y="2335346"/>
+                <a:ext cx="1971352" cy="292388"/>
               </a:xfrm>
               <a:prstGeom prst="rect">
                 <a:avLst/>
@@ -5575,7 +7043,7 @@
                   <a:defRPr lang="nl-BE"/>
                 </a:defPPr>
                 <a:lvl1pPr algn="ctr">
-                  <a:defRPr sz="2000">
+                  <a:defRPr sz="1300">
                     <a:latin typeface="Times New Roman" pitchFamily="18" charset="0"/>
                     <a:cs typeface="Times New Roman" pitchFamily="18" charset="0"/>
                   </a:defRPr>
@@ -5583,10 +7051,10 @@
               </a:lstStyle>
               <a:p>
                 <a:r>
-                  <a:rPr lang="nl-BE" i="1" dirty="0" err="1" smtClean="0"/>
+                  <a:rPr lang="nl-BE" dirty="0" err="1"/>
                   <a:t>Handler</a:t>
                 </a:r>
-                <a:endParaRPr lang="nl-BE" i="1" dirty="0"/>
+                <a:endParaRPr lang="nl-BE" dirty="0"/>
               </a:p>
             </p:txBody>
           </p:sp>
@@ -5599,10 +7067,10 @@
           </p:nvGrpSpPr>
           <p:grpSpPr>
             <a:xfrm>
-              <a:off x="1215544" y="1801847"/>
-              <a:ext cx="5093464" cy="4301633"/>
-              <a:chOff x="1215544" y="1801847"/>
-              <a:chExt cx="5093464" cy="4301633"/>
+              <a:off x="1601986" y="2649637"/>
+              <a:ext cx="3175071" cy="3961864"/>
+              <a:chOff x="1453964" y="2005607"/>
+              <a:chExt cx="4233427" cy="2971399"/>
             </a:xfrm>
           </p:grpSpPr>
           <p:cxnSp>
@@ -5616,8 +7084,8 @@
             </p:nvCxnSpPr>
             <p:spPr>
               <a:xfrm rot="16200000" flipH="1">
-                <a:off x="4855590" y="2280044"/>
-                <a:ext cx="1051869" cy="1854966"/>
+                <a:off x="4590542" y="2473437"/>
+                <a:ext cx="960348" cy="1233351"/>
               </a:xfrm>
               <a:prstGeom prst="bentConnector3">
                 <a:avLst>
@@ -5658,8 +7126,8 @@
             </p:nvCxnSpPr>
             <p:spPr>
               <a:xfrm rot="5400000">
-                <a:off x="2983198" y="2262618"/>
-                <a:ext cx="1051869" cy="1889819"/>
+                <a:off x="3340442" y="2456022"/>
+                <a:ext cx="959682" cy="1267517"/>
               </a:xfrm>
               <a:prstGeom prst="bentConnector3">
                 <a:avLst>
@@ -5700,8 +7168,8 @@
             </p:nvCxnSpPr>
             <p:spPr>
               <a:xfrm>
-                <a:off x="6309007" y="5257412"/>
-                <a:ext cx="0" cy="846068"/>
+                <a:off x="5674658" y="4561901"/>
+                <a:ext cx="12733" cy="415105"/>
               </a:xfrm>
               <a:prstGeom prst="straightConnector1">
                 <a:avLst/>
@@ -5736,9 +7204,9 @@
               <p:nvPr/>
             </p:nvCxnSpPr>
             <p:spPr>
-              <a:xfrm>
-                <a:off x="6309007" y="4133572"/>
-                <a:ext cx="0" cy="723730"/>
+              <a:xfrm flipH="1">
+                <a:off x="5674658" y="3862676"/>
+                <a:ext cx="12733" cy="406837"/>
               </a:xfrm>
               <a:prstGeom prst="straightConnector1">
                 <a:avLst/>
@@ -5774,8 +7242,8 @@
             </p:nvCxnSpPr>
             <p:spPr>
               <a:xfrm>
-                <a:off x="2564222" y="5257412"/>
-                <a:ext cx="0" cy="846068"/>
+                <a:off x="3186524" y="4548688"/>
+                <a:ext cx="0" cy="428318"/>
               </a:xfrm>
               <a:prstGeom prst="straightConnector1">
                 <a:avLst/>
@@ -5811,8 +7279,8 @@
             </p:nvCxnSpPr>
             <p:spPr>
               <a:xfrm>
-                <a:off x="2564222" y="4133572"/>
-                <a:ext cx="0" cy="723730"/>
+                <a:off x="3186524" y="3862010"/>
+                <a:ext cx="0" cy="394290"/>
               </a:xfrm>
               <a:prstGeom prst="straightConnector1">
                 <a:avLst/>
@@ -5847,9 +7315,9 @@
               <p:nvPr/>
             </p:nvCxnSpPr>
             <p:spPr>
-              <a:xfrm>
-                <a:off x="2201219" y="1801847"/>
-                <a:ext cx="1267146" cy="0"/>
+              <a:xfrm flipV="1">
+                <a:off x="2439640" y="2005607"/>
+                <a:ext cx="1028726" cy="1"/>
               </a:xfrm>
               <a:prstGeom prst="straightConnector1">
                 <a:avLst/>
@@ -5885,8 +7353,8 @@
             </p:nvCxnSpPr>
             <p:spPr>
               <a:xfrm rot="10800000">
-                <a:off x="1215544" y="2001903"/>
-                <a:ext cx="363003" cy="3055455"/>
+                <a:off x="1453964" y="2151803"/>
+                <a:ext cx="746884" cy="2250692"/>
               </a:xfrm>
               <a:prstGeom prst="bentConnector2">
                 <a:avLst/>
@@ -5926,7 +7394,858 @@
 </p:sld>
 </file>
 
-<file path=ppt/slides/slide5.xml><?xml version="1.0" encoding="utf-8"?>
+<file path=ppt/slides/slide6.xml><?xml version="1.0" encoding="utf-8"?>
+<p:sld xmlns:a="http://schemas.openxmlformats.org/drawingml/2006/main" xmlns:r="http://schemas.openxmlformats.org/officeDocument/2006/relationships" xmlns:p="http://schemas.openxmlformats.org/presentationml/2006/main">
+  <p:cSld>
+    <p:spTree>
+      <p:nvGrpSpPr>
+        <p:cNvPr id="1" name=""/>
+        <p:cNvGrpSpPr/>
+        <p:nvPr/>
+      </p:nvGrpSpPr>
+      <p:grpSpPr>
+        <a:xfrm>
+          <a:off x="0" y="0"/>
+          <a:ext cx="0" cy="0"/>
+          <a:chOff x="0" y="0"/>
+          <a:chExt cx="0" cy="0"/>
+        </a:xfrm>
+      </p:grpSpPr>
+      <p:sp>
+        <p:nvSpPr>
+          <p:cNvPr id="16" name="Tekstvak 15"/>
+          <p:cNvSpPr txBox="1">
+            <a:spLocks noChangeAspect="1"/>
+          </p:cNvSpPr>
+          <p:nvPr/>
+        </p:nvSpPr>
+        <p:spPr>
+          <a:xfrm>
+            <a:off x="1605471" y="3188222"/>
+            <a:ext cx="1360214" cy="292388"/>
+          </a:xfrm>
+          <a:prstGeom prst="rect">
+            <a:avLst/>
+          </a:prstGeom>
+          <a:noFill/>
+          <a:ln>
+            <a:solidFill>
+              <a:schemeClr val="tx1"/>
+            </a:solidFill>
+          </a:ln>
+        </p:spPr>
+        <p:txBody>
+          <a:bodyPr wrap="square" rtlCol="0" anchor="ctr" anchorCtr="1">
+            <a:spAutoFit/>
+          </a:bodyPr>
+          <a:lstStyle>
+            <a:defPPr>
+              <a:defRPr lang="nl-BE"/>
+            </a:defPPr>
+            <a:lvl1pPr algn="ctr">
+              <a:defRPr sz="1300">
+                <a:latin typeface="Times New Roman" pitchFamily="18" charset="0"/>
+                <a:cs typeface="Times New Roman" pitchFamily="18" charset="0"/>
+              </a:defRPr>
+            </a:lvl1pPr>
+          </a:lstStyle>
+          <a:p>
+            <a:r>
+              <a:rPr lang="nl-BE" dirty="0" err="1" smtClean="0"/>
+              <a:t>Edge</a:t>
+            </a:r>
+            <a:endParaRPr lang="nl-BE" dirty="0"/>
+          </a:p>
+        </p:txBody>
+      </p:sp>
+      <p:sp>
+        <p:nvSpPr>
+          <p:cNvPr id="17" name="Tekstvak 16"/>
+          <p:cNvSpPr txBox="1">
+            <a:spLocks noChangeAspect="1"/>
+          </p:cNvSpPr>
+          <p:nvPr/>
+        </p:nvSpPr>
+        <p:spPr>
+          <a:xfrm>
+            <a:off x="7222095" y="4477195"/>
+            <a:ext cx="1360213" cy="292388"/>
+          </a:xfrm>
+          <a:prstGeom prst="rect">
+            <a:avLst/>
+          </a:prstGeom>
+          <a:noFill/>
+          <a:ln>
+            <a:solidFill>
+              <a:schemeClr val="tx1"/>
+            </a:solidFill>
+          </a:ln>
+        </p:spPr>
+        <p:txBody>
+          <a:bodyPr wrap="square" rtlCol="0" anchor="ctr" anchorCtr="1">
+            <a:spAutoFit/>
+          </a:bodyPr>
+          <a:lstStyle>
+            <a:defPPr>
+              <a:defRPr lang="nl-BE"/>
+            </a:defPPr>
+            <a:lvl1pPr algn="ctr">
+              <a:defRPr sz="1300">
+                <a:latin typeface="Times New Roman" pitchFamily="18" charset="0"/>
+                <a:cs typeface="Times New Roman" pitchFamily="18" charset="0"/>
+              </a:defRPr>
+            </a:lvl1pPr>
+          </a:lstStyle>
+          <a:p>
+            <a:r>
+              <a:rPr lang="nl-BE" dirty="0" err="1" smtClean="0"/>
+              <a:t>TreasureObject</a:t>
+            </a:r>
+            <a:endParaRPr lang="nl-BE" dirty="0"/>
+          </a:p>
+        </p:txBody>
+      </p:sp>
+      <p:sp>
+        <p:nvSpPr>
+          <p:cNvPr id="18" name="Tekstvak 17"/>
+          <p:cNvSpPr txBox="1">
+            <a:spLocks noChangeAspect="1"/>
+          </p:cNvSpPr>
+          <p:nvPr/>
+        </p:nvSpPr>
+        <p:spPr>
+          <a:xfrm>
+            <a:off x="3612523" y="3188222"/>
+            <a:ext cx="1360214" cy="292388"/>
+          </a:xfrm>
+          <a:prstGeom prst="rect">
+            <a:avLst/>
+          </a:prstGeom>
+          <a:noFill/>
+          <a:ln>
+            <a:solidFill>
+              <a:schemeClr val="tx1"/>
+            </a:solidFill>
+          </a:ln>
+        </p:spPr>
+        <p:txBody>
+          <a:bodyPr wrap="square" rtlCol="0" anchor="ctr" anchorCtr="1">
+            <a:spAutoFit/>
+          </a:bodyPr>
+          <a:lstStyle>
+            <a:defPPr>
+              <a:defRPr lang="nl-BE"/>
+            </a:defPPr>
+            <a:lvl1pPr algn="ctr">
+              <a:defRPr sz="1300">
+                <a:latin typeface="Times New Roman" pitchFamily="18" charset="0"/>
+                <a:cs typeface="Times New Roman" pitchFamily="18" charset="0"/>
+              </a:defRPr>
+            </a:lvl1pPr>
+          </a:lstStyle>
+          <a:p>
+            <a:r>
+              <a:rPr lang="nl-BE" dirty="0" err="1" smtClean="0"/>
+              <a:t>Tile</a:t>
+            </a:r>
+            <a:endParaRPr lang="nl-BE" dirty="0"/>
+          </a:p>
+        </p:txBody>
+      </p:sp>
+      <p:sp>
+        <p:nvSpPr>
+          <p:cNvPr id="19" name="Tekstvak 18"/>
+          <p:cNvSpPr txBox="1">
+            <a:spLocks noChangeAspect="1"/>
+          </p:cNvSpPr>
+          <p:nvPr/>
+        </p:nvSpPr>
+        <p:spPr>
+          <a:xfrm>
+            <a:off x="1605471" y="4477195"/>
+            <a:ext cx="1360213" cy="292388"/>
+          </a:xfrm>
+          <a:prstGeom prst="rect">
+            <a:avLst/>
+          </a:prstGeom>
+          <a:noFill/>
+          <a:ln>
+            <a:solidFill>
+              <a:schemeClr val="tx1"/>
+            </a:solidFill>
+          </a:ln>
+        </p:spPr>
+        <p:txBody>
+          <a:bodyPr wrap="square" rtlCol="0" anchor="ctr" anchorCtr="1">
+            <a:spAutoFit/>
+          </a:bodyPr>
+          <a:lstStyle>
+            <a:defPPr>
+              <a:defRPr lang="nl-BE"/>
+            </a:defPPr>
+            <a:lvl1pPr algn="ctr">
+              <a:defRPr sz="1300">
+                <a:latin typeface="Times New Roman" pitchFamily="18" charset="0"/>
+                <a:cs typeface="Times New Roman" pitchFamily="18" charset="0"/>
+              </a:defRPr>
+            </a:lvl1pPr>
+          </a:lstStyle>
+          <a:p>
+            <a:r>
+              <a:rPr lang="nl-BE" dirty="0" err="1" smtClean="0"/>
+              <a:t>Obstruction</a:t>
+            </a:r>
+            <a:endParaRPr lang="nl-BE" dirty="0"/>
+          </a:p>
+        </p:txBody>
+      </p:sp>
+      <p:sp>
+        <p:nvSpPr>
+          <p:cNvPr id="20" name="Tekstvak 19"/>
+          <p:cNvSpPr txBox="1">
+            <a:spLocks noChangeAspect="1"/>
+          </p:cNvSpPr>
+          <p:nvPr/>
+        </p:nvSpPr>
+        <p:spPr>
+          <a:xfrm>
+            <a:off x="5579388" y="4464793"/>
+            <a:ext cx="1360214" cy="292388"/>
+          </a:xfrm>
+          <a:prstGeom prst="rect">
+            <a:avLst/>
+          </a:prstGeom>
+          <a:noFill/>
+          <a:ln>
+            <a:solidFill>
+              <a:schemeClr val="tx1"/>
+            </a:solidFill>
+          </a:ln>
+        </p:spPr>
+        <p:txBody>
+          <a:bodyPr wrap="square" rtlCol="0" anchor="ctr" anchorCtr="1">
+            <a:spAutoFit/>
+          </a:bodyPr>
+          <a:lstStyle>
+            <a:defPPr>
+              <a:defRPr lang="nl-BE"/>
+            </a:defPPr>
+            <a:lvl1pPr algn="ctr">
+              <a:defRPr sz="1300">
+                <a:latin typeface="Times New Roman" pitchFamily="18" charset="0"/>
+                <a:cs typeface="Times New Roman" pitchFamily="18" charset="0"/>
+              </a:defRPr>
+            </a:lvl1pPr>
+          </a:lstStyle>
+          <a:p>
+            <a:r>
+              <a:rPr lang="nl-BE" dirty="0" smtClean="0"/>
+              <a:t>Barcode</a:t>
+            </a:r>
+            <a:endParaRPr lang="nl-BE" dirty="0"/>
+          </a:p>
+        </p:txBody>
+      </p:sp>
+      <p:sp>
+        <p:nvSpPr>
+          <p:cNvPr id="21" name="Tekstvak 20"/>
+          <p:cNvSpPr txBox="1">
+            <a:spLocks noChangeAspect="1"/>
+          </p:cNvSpPr>
+          <p:nvPr/>
+        </p:nvSpPr>
+        <p:spPr>
+          <a:xfrm>
+            <a:off x="3952391" y="4477194"/>
+            <a:ext cx="1360213" cy="292388"/>
+          </a:xfrm>
+          <a:prstGeom prst="rect">
+            <a:avLst/>
+          </a:prstGeom>
+          <a:noFill/>
+          <a:ln>
+            <a:solidFill>
+              <a:schemeClr val="tx1"/>
+            </a:solidFill>
+          </a:ln>
+        </p:spPr>
+        <p:txBody>
+          <a:bodyPr wrap="square" rtlCol="0" anchor="ctr" anchorCtr="1">
+            <a:spAutoFit/>
+          </a:bodyPr>
+          <a:lstStyle>
+            <a:defPPr>
+              <a:defRPr lang="nl-BE"/>
+            </a:defPPr>
+            <a:lvl1pPr algn="ctr">
+              <a:defRPr sz="1300">
+                <a:latin typeface="Times New Roman" pitchFamily="18" charset="0"/>
+                <a:cs typeface="Times New Roman" pitchFamily="18" charset="0"/>
+              </a:defRPr>
+            </a:lvl1pPr>
+          </a:lstStyle>
+          <a:p>
+            <a:r>
+              <a:rPr lang="nl-BE" dirty="0" err="1" smtClean="0"/>
+              <a:t>Seesaw</a:t>
+            </a:r>
+            <a:endParaRPr lang="nl-BE" dirty="0"/>
+          </a:p>
+        </p:txBody>
+      </p:sp>
+      <p:sp>
+        <p:nvSpPr>
+          <p:cNvPr id="22" name="Tekstvak 21"/>
+          <p:cNvSpPr txBox="1">
+            <a:spLocks noChangeAspect="1"/>
+          </p:cNvSpPr>
+          <p:nvPr/>
+        </p:nvSpPr>
+        <p:spPr>
+          <a:xfrm>
+            <a:off x="3612525" y="2374103"/>
+            <a:ext cx="1360212" cy="292388"/>
+          </a:xfrm>
+          <a:prstGeom prst="rect">
+            <a:avLst/>
+          </a:prstGeom>
+          <a:noFill/>
+          <a:ln>
+            <a:solidFill>
+              <a:schemeClr val="tx1"/>
+            </a:solidFill>
+          </a:ln>
+        </p:spPr>
+        <p:txBody>
+          <a:bodyPr wrap="square" rtlCol="0" anchor="ctr" anchorCtr="1">
+            <a:spAutoFit/>
+          </a:bodyPr>
+          <a:lstStyle>
+            <a:defPPr>
+              <a:defRPr lang="nl-BE"/>
+            </a:defPPr>
+            <a:lvl1pPr algn="ctr">
+              <a:defRPr sz="1300">
+                <a:latin typeface="Times New Roman" pitchFamily="18" charset="0"/>
+                <a:cs typeface="Times New Roman" pitchFamily="18" charset="0"/>
+              </a:defRPr>
+            </a:lvl1pPr>
+          </a:lstStyle>
+          <a:p>
+            <a:r>
+              <a:rPr lang="nl-BE" dirty="0" err="1" smtClean="0"/>
+              <a:t>MapGraph</a:t>
+            </a:r>
+            <a:endParaRPr lang="nl-BE" dirty="0"/>
+          </a:p>
+        </p:txBody>
+      </p:sp>
+      <p:cxnSp>
+        <p:nvCxnSpPr>
+          <p:cNvPr id="9" name="Gebogen verbindingslijn 8"/>
+          <p:cNvCxnSpPr>
+            <a:stCxn id="25" idx="2"/>
+            <a:endCxn id="17" idx="0"/>
+          </p:cNvCxnSpPr>
+          <p:nvPr/>
+        </p:nvCxnSpPr>
+        <p:spPr>
+          <a:xfrm rot="16200000" flipH="1">
+            <a:off x="6585731" y="3160723"/>
+            <a:ext cx="990235" cy="1642708"/>
+          </a:xfrm>
+          <a:prstGeom prst="bentConnector3">
+            <a:avLst>
+              <a:gd name="adj1" fmla="val 50000"/>
+            </a:avLst>
+          </a:prstGeom>
+          <a:ln w="31750">
+            <a:solidFill>
+              <a:srgbClr val="96329E"/>
+            </a:solidFill>
+            <a:headEnd w="lg" len="lg"/>
+            <a:tailEnd type="arrow" w="lg" len="lg"/>
+          </a:ln>
+        </p:spPr>
+        <p:style>
+          <a:lnRef idx="1">
+            <a:schemeClr val="accent1"/>
+          </a:lnRef>
+          <a:fillRef idx="0">
+            <a:schemeClr val="accent1"/>
+          </a:fillRef>
+          <a:effectRef idx="0">
+            <a:schemeClr val="accent1"/>
+          </a:effectRef>
+          <a:fontRef idx="minor">
+            <a:schemeClr val="tx1"/>
+          </a:fontRef>
+        </p:style>
+      </p:cxnSp>
+      <p:cxnSp>
+        <p:nvCxnSpPr>
+          <p:cNvPr id="11" name="Rechte verbindingslijn met pijl 10"/>
+          <p:cNvCxnSpPr>
+            <a:stCxn id="16" idx="2"/>
+            <a:endCxn id="19" idx="0"/>
+          </p:cNvCxnSpPr>
+          <p:nvPr/>
+        </p:nvCxnSpPr>
+        <p:spPr>
+          <a:xfrm>
+            <a:off x="2285578" y="3480610"/>
+            <a:ext cx="0" cy="996585"/>
+          </a:xfrm>
+          <a:prstGeom prst="straightConnector1">
+            <a:avLst/>
+          </a:prstGeom>
+          <a:ln w="31750">
+            <a:headEnd w="lg" len="lg"/>
+            <a:tailEnd type="arrow" w="lg" len="lg"/>
+          </a:ln>
+        </p:spPr>
+        <p:style>
+          <a:lnRef idx="1">
+            <a:schemeClr val="accent1"/>
+          </a:lnRef>
+          <a:fillRef idx="0">
+            <a:schemeClr val="accent1"/>
+          </a:fillRef>
+          <a:effectRef idx="0">
+            <a:schemeClr val="accent1"/>
+          </a:effectRef>
+          <a:fontRef idx="minor">
+            <a:schemeClr val="tx1"/>
+          </a:fontRef>
+        </p:style>
+      </p:cxnSp>
+      <p:cxnSp>
+        <p:nvCxnSpPr>
+          <p:cNvPr id="14" name="Rechte verbindingslijn met pijl 13"/>
+          <p:cNvCxnSpPr>
+            <a:stCxn id="18" idx="3"/>
+            <a:endCxn id="25" idx="1"/>
+          </p:cNvCxnSpPr>
+          <p:nvPr/>
+        </p:nvCxnSpPr>
+        <p:spPr>
+          <a:xfrm>
+            <a:off x="4972737" y="3334416"/>
+            <a:ext cx="606650" cy="6350"/>
+          </a:xfrm>
+          <a:prstGeom prst="straightConnector1">
+            <a:avLst/>
+          </a:prstGeom>
+          <a:ln w="31750">
+            <a:headEnd w="lg" len="lg"/>
+            <a:tailEnd type="arrow" w="lg" len="lg"/>
+          </a:ln>
+        </p:spPr>
+        <p:style>
+          <a:lnRef idx="1">
+            <a:schemeClr val="accent1"/>
+          </a:lnRef>
+          <a:fillRef idx="0">
+            <a:schemeClr val="accent1"/>
+          </a:fillRef>
+          <a:effectRef idx="0">
+            <a:schemeClr val="accent1"/>
+          </a:effectRef>
+          <a:fontRef idx="minor">
+            <a:schemeClr val="tx1"/>
+          </a:fontRef>
+        </p:style>
+      </p:cxnSp>
+      <p:sp>
+        <p:nvSpPr>
+          <p:cNvPr id="25" name="Tekstvak 24"/>
+          <p:cNvSpPr txBox="1">
+            <a:spLocks noChangeAspect="1"/>
+          </p:cNvSpPr>
+          <p:nvPr/>
+        </p:nvSpPr>
+        <p:spPr>
+          <a:xfrm>
+            <a:off x="5579387" y="3194572"/>
+            <a:ext cx="1360214" cy="292388"/>
+          </a:xfrm>
+          <a:prstGeom prst="rect">
+            <a:avLst/>
+          </a:prstGeom>
+          <a:noFill/>
+          <a:ln>
+            <a:solidFill>
+              <a:schemeClr val="tx1"/>
+            </a:solidFill>
+          </a:ln>
+        </p:spPr>
+        <p:txBody>
+          <a:bodyPr wrap="square" rtlCol="0" anchor="ctr" anchorCtr="1">
+            <a:spAutoFit/>
+          </a:bodyPr>
+          <a:lstStyle>
+            <a:defPPr>
+              <a:defRPr lang="nl-BE"/>
+            </a:defPPr>
+            <a:lvl1pPr algn="ctr">
+              <a:defRPr sz="1300">
+                <a:latin typeface="Times New Roman" pitchFamily="18" charset="0"/>
+                <a:cs typeface="Times New Roman" pitchFamily="18" charset="0"/>
+              </a:defRPr>
+            </a:lvl1pPr>
+          </a:lstStyle>
+          <a:p>
+            <a:r>
+              <a:rPr lang="nl-BE" dirty="0" err="1" smtClean="0"/>
+              <a:t>TileContent</a:t>
+            </a:r>
+            <a:endParaRPr lang="nl-BE" dirty="0"/>
+          </a:p>
+        </p:txBody>
+      </p:sp>
+      <p:cxnSp>
+        <p:nvCxnSpPr>
+          <p:cNvPr id="40" name="Gebogen verbindingslijn 39"/>
+          <p:cNvCxnSpPr>
+            <a:stCxn id="18" idx="0"/>
+            <a:endCxn id="22" idx="2"/>
+          </p:cNvCxnSpPr>
+          <p:nvPr/>
+        </p:nvCxnSpPr>
+        <p:spPr>
+          <a:xfrm rot="5400000" flipH="1" flipV="1">
+            <a:off x="4031765" y="2927357"/>
+            <a:ext cx="521731" cy="1"/>
+          </a:xfrm>
+          <a:prstGeom prst="bentConnector3">
+            <a:avLst>
+              <a:gd name="adj1" fmla="val 50000"/>
+            </a:avLst>
+          </a:prstGeom>
+          <a:ln w="31750">
+            <a:headEnd w="lg" len="lg"/>
+            <a:tailEnd type="arrow" w="lg" len="lg"/>
+          </a:ln>
+        </p:spPr>
+        <p:style>
+          <a:lnRef idx="1">
+            <a:schemeClr val="accent1"/>
+          </a:lnRef>
+          <a:fillRef idx="0">
+            <a:schemeClr val="accent1"/>
+          </a:fillRef>
+          <a:effectRef idx="0">
+            <a:schemeClr val="accent1"/>
+          </a:effectRef>
+          <a:fontRef idx="minor">
+            <a:schemeClr val="tx1"/>
+          </a:fontRef>
+        </p:style>
+      </p:cxnSp>
+      <p:cxnSp>
+        <p:nvCxnSpPr>
+          <p:cNvPr id="47" name="Rechte verbindingslijn met pijl 46"/>
+          <p:cNvCxnSpPr>
+            <a:stCxn id="18" idx="1"/>
+            <a:endCxn id="16" idx="3"/>
+          </p:cNvCxnSpPr>
+          <p:nvPr/>
+        </p:nvCxnSpPr>
+        <p:spPr>
+          <a:xfrm flipH="1">
+            <a:off x="2965685" y="3334416"/>
+            <a:ext cx="646838" cy="0"/>
+          </a:xfrm>
+          <a:prstGeom prst="straightConnector1">
+            <a:avLst/>
+          </a:prstGeom>
+          <a:ln w="31750">
+            <a:headEnd w="lg" len="lg"/>
+            <a:tailEnd type="arrow" w="lg" len="lg"/>
+          </a:ln>
+        </p:spPr>
+        <p:style>
+          <a:lnRef idx="1">
+            <a:schemeClr val="accent1"/>
+          </a:lnRef>
+          <a:fillRef idx="0">
+            <a:schemeClr val="accent1"/>
+          </a:fillRef>
+          <a:effectRef idx="0">
+            <a:schemeClr val="accent1"/>
+          </a:effectRef>
+          <a:fontRef idx="minor">
+            <a:schemeClr val="tx1"/>
+          </a:fontRef>
+        </p:style>
+      </p:cxnSp>
+      <p:cxnSp>
+        <p:nvCxnSpPr>
+          <p:cNvPr id="54" name="Gebogen verbindingslijn 53"/>
+          <p:cNvCxnSpPr>
+            <a:stCxn id="25" idx="2"/>
+            <a:endCxn id="21" idx="0"/>
+          </p:cNvCxnSpPr>
+          <p:nvPr/>
+        </p:nvCxnSpPr>
+        <p:spPr>
+          <a:xfrm rot="5400000">
+            <a:off x="4950879" y="3168579"/>
+            <a:ext cx="990234" cy="1626996"/>
+          </a:xfrm>
+          <a:prstGeom prst="bentConnector3">
+            <a:avLst>
+              <a:gd name="adj1" fmla="val 50000"/>
+            </a:avLst>
+          </a:prstGeom>
+          <a:ln w="31750">
+            <a:solidFill>
+              <a:srgbClr val="96329E"/>
+            </a:solidFill>
+            <a:headEnd w="lg" len="lg"/>
+            <a:tailEnd type="arrow" w="lg" len="lg"/>
+          </a:ln>
+        </p:spPr>
+        <p:style>
+          <a:lnRef idx="1">
+            <a:schemeClr val="accent1"/>
+          </a:lnRef>
+          <a:fillRef idx="0">
+            <a:schemeClr val="accent1"/>
+          </a:fillRef>
+          <a:effectRef idx="0">
+            <a:schemeClr val="accent1"/>
+          </a:effectRef>
+          <a:fontRef idx="minor">
+            <a:schemeClr val="tx1"/>
+          </a:fontRef>
+        </p:style>
+      </p:cxnSp>
+      <p:cxnSp>
+        <p:nvCxnSpPr>
+          <p:cNvPr id="173" name="Rechte verbindingslijn met pijl 172"/>
+          <p:cNvCxnSpPr>
+            <a:stCxn id="25" idx="2"/>
+            <a:endCxn id="20" idx="0"/>
+          </p:cNvCxnSpPr>
+          <p:nvPr/>
+        </p:nvCxnSpPr>
+        <p:spPr>
+          <a:xfrm>
+            <a:off x="6259494" y="3486960"/>
+            <a:ext cx="1" cy="977833"/>
+          </a:xfrm>
+          <a:prstGeom prst="straightConnector1">
+            <a:avLst/>
+          </a:prstGeom>
+          <a:ln w="31750">
+            <a:solidFill>
+              <a:srgbClr val="96329E"/>
+            </a:solidFill>
+            <a:headEnd w="lg" len="lg"/>
+            <a:tailEnd type="arrow" w="lg" len="lg"/>
+          </a:ln>
+        </p:spPr>
+        <p:style>
+          <a:lnRef idx="1">
+            <a:schemeClr val="accent1"/>
+          </a:lnRef>
+          <a:fillRef idx="0">
+            <a:schemeClr val="accent1"/>
+          </a:fillRef>
+          <a:effectRef idx="0">
+            <a:schemeClr val="accent1"/>
+          </a:effectRef>
+          <a:fontRef idx="minor">
+            <a:schemeClr val="tx1"/>
+          </a:fontRef>
+        </p:style>
+      </p:cxnSp>
+      <p:sp>
+        <p:nvSpPr>
+          <p:cNvPr id="176" name="Tekstvak 175"/>
+          <p:cNvSpPr txBox="1">
+            <a:spLocks noChangeAspect="1"/>
+          </p:cNvSpPr>
+          <p:nvPr/>
+        </p:nvSpPr>
+        <p:spPr>
+          <a:xfrm>
+            <a:off x="3604012" y="1576414"/>
+            <a:ext cx="1360213" cy="292388"/>
+          </a:xfrm>
+          <a:prstGeom prst="rect">
+            <a:avLst/>
+          </a:prstGeom>
+          <a:noFill/>
+          <a:ln>
+            <a:solidFill>
+              <a:schemeClr val="tx1"/>
+            </a:solidFill>
+          </a:ln>
+        </p:spPr>
+        <p:txBody>
+          <a:bodyPr wrap="square" rtlCol="0" anchor="ctr" anchorCtr="1">
+            <a:spAutoFit/>
+          </a:bodyPr>
+          <a:lstStyle>
+            <a:defPPr>
+              <a:defRPr lang="nl-BE"/>
+            </a:defPPr>
+            <a:lvl1pPr algn="ctr">
+              <a:defRPr sz="1300">
+                <a:latin typeface="Times New Roman" pitchFamily="18" charset="0"/>
+                <a:cs typeface="Times New Roman" pitchFamily="18" charset="0"/>
+              </a:defRPr>
+            </a:lvl1pPr>
+          </a:lstStyle>
+          <a:p>
+            <a:r>
+              <a:rPr lang="nl-BE" i="1" dirty="0" err="1" smtClean="0"/>
+              <a:t>PilotInterface</a:t>
+            </a:r>
+            <a:endParaRPr lang="nl-BE" i="1" dirty="0"/>
+          </a:p>
+        </p:txBody>
+      </p:sp>
+      <p:cxnSp>
+        <p:nvCxnSpPr>
+          <p:cNvPr id="196" name="Rechte verbindingslijn met pijl 195"/>
+          <p:cNvCxnSpPr>
+            <a:stCxn id="22" idx="0"/>
+            <a:endCxn id="176" idx="2"/>
+          </p:cNvCxnSpPr>
+          <p:nvPr/>
+        </p:nvCxnSpPr>
+        <p:spPr>
+          <a:xfrm flipH="1" flipV="1">
+            <a:off x="4284119" y="1868802"/>
+            <a:ext cx="8512" cy="505301"/>
+          </a:xfrm>
+          <a:prstGeom prst="straightConnector1">
+            <a:avLst/>
+          </a:prstGeom>
+          <a:ln w="31750">
+            <a:headEnd w="lg" len="lg"/>
+            <a:tailEnd type="arrow" w="lg" len="lg"/>
+          </a:ln>
+        </p:spPr>
+        <p:style>
+          <a:lnRef idx="1">
+            <a:schemeClr val="accent1"/>
+          </a:lnRef>
+          <a:fillRef idx="0">
+            <a:schemeClr val="accent1"/>
+          </a:fillRef>
+          <a:effectRef idx="0">
+            <a:schemeClr val="accent1"/>
+          </a:effectRef>
+          <a:fontRef idx="minor">
+            <a:schemeClr val="tx1"/>
+          </a:fontRef>
+        </p:style>
+      </p:cxnSp>
+      <p:sp>
+        <p:nvSpPr>
+          <p:cNvPr id="205" name="Tekstvak 204"/>
+          <p:cNvSpPr txBox="1">
+            <a:spLocks noChangeAspect="1"/>
+          </p:cNvSpPr>
+          <p:nvPr/>
+        </p:nvSpPr>
+        <p:spPr>
+          <a:xfrm>
+            <a:off x="3604011" y="786833"/>
+            <a:ext cx="1360213" cy="292388"/>
+          </a:xfrm>
+          <a:prstGeom prst="rect">
+            <a:avLst/>
+          </a:prstGeom>
+          <a:noFill/>
+          <a:ln>
+            <a:solidFill>
+              <a:schemeClr val="tx1"/>
+            </a:solidFill>
+          </a:ln>
+        </p:spPr>
+        <p:txBody>
+          <a:bodyPr wrap="square" rtlCol="0" anchor="ctr" anchorCtr="1">
+            <a:spAutoFit/>
+          </a:bodyPr>
+          <a:lstStyle>
+            <a:defPPr>
+              <a:defRPr lang="nl-BE"/>
+            </a:defPPr>
+            <a:lvl1pPr algn="ctr">
+              <a:defRPr sz="1300">
+                <a:latin typeface="Times New Roman" pitchFamily="18" charset="0"/>
+                <a:cs typeface="Times New Roman" pitchFamily="18" charset="0"/>
+              </a:defRPr>
+            </a:lvl1pPr>
+          </a:lstStyle>
+          <a:p>
+            <a:r>
+              <a:rPr lang="nl-BE" dirty="0" smtClean="0"/>
+              <a:t>…</a:t>
+            </a:r>
+            <a:endParaRPr lang="nl-BE" dirty="0"/>
+          </a:p>
+        </p:txBody>
+      </p:sp>
+      <p:cxnSp>
+        <p:nvCxnSpPr>
+          <p:cNvPr id="206" name="Rechte verbindingslijn met pijl 205"/>
+          <p:cNvCxnSpPr>
+            <a:stCxn id="176" idx="0"/>
+            <a:endCxn id="205" idx="2"/>
+          </p:cNvCxnSpPr>
+          <p:nvPr/>
+        </p:nvCxnSpPr>
+        <p:spPr>
+          <a:xfrm flipH="1" flipV="1">
+            <a:off x="4284118" y="1079221"/>
+            <a:ext cx="1" cy="497193"/>
+          </a:xfrm>
+          <a:prstGeom prst="straightConnector1">
+            <a:avLst/>
+          </a:prstGeom>
+          <a:ln w="31750">
+            <a:solidFill>
+              <a:srgbClr val="96329E"/>
+            </a:solidFill>
+            <a:headEnd w="lg" len="lg"/>
+            <a:tailEnd type="arrow" w="lg" len="lg"/>
+          </a:ln>
+        </p:spPr>
+        <p:style>
+          <a:lnRef idx="1">
+            <a:schemeClr val="accent1"/>
+          </a:lnRef>
+          <a:fillRef idx="0">
+            <a:schemeClr val="accent1"/>
+          </a:fillRef>
+          <a:effectRef idx="0">
+            <a:schemeClr val="accent1"/>
+          </a:effectRef>
+          <a:fontRef idx="minor">
+            <a:schemeClr val="tx1"/>
+          </a:fontRef>
+        </p:style>
+      </p:cxnSp>
+    </p:spTree>
+    <p:extLst>
+      <p:ext uri="{BB962C8B-B14F-4D97-AF65-F5344CB8AC3E}">
+        <p14:creationId xmlns:p14="http://schemas.microsoft.com/office/powerpoint/2010/main" val="3314754467"/>
+      </p:ext>
+    </p:extLst>
+  </p:cSld>
+  <p:clrMapOvr>
+    <a:masterClrMapping/>
+  </p:clrMapOvr>
+</p:sld>
+</file>
+
+<file path=ppt/slides/slide7.xml><?xml version="1.0" encoding="utf-8"?>
 <p:sld xmlns:a="http://schemas.openxmlformats.org/drawingml/2006/main" xmlns:r="http://schemas.openxmlformats.org/officeDocument/2006/relationships" xmlns:p="http://schemas.openxmlformats.org/presentationml/2006/main">
   <p:cSld>
     <p:spTree>
@@ -5951,8 +8270,8 @@
         </p:nvGrpSpPr>
         <p:grpSpPr>
           <a:xfrm>
-            <a:off x="1678622" y="2090875"/>
-            <a:ext cx="3181411" cy="1050093"/>
+            <a:off x="1678622" y="2090876"/>
+            <a:ext cx="3181411" cy="1050094"/>
             <a:chOff x="169535" y="116281"/>
             <a:chExt cx="1817761" cy="591578"/>
           </a:xfrm>
@@ -5965,10 +8284,10 @@
           </p:nvGrpSpPr>
           <p:grpSpPr>
             <a:xfrm>
-              <a:off x="169535" y="447777"/>
-              <a:ext cx="1584176" cy="260082"/>
-              <a:chOff x="169535" y="447777"/>
-              <a:chExt cx="1584176" cy="260082"/>
+              <a:off x="169535" y="447776"/>
+              <a:ext cx="1584176" cy="260083"/>
+              <a:chOff x="169535" y="447776"/>
+              <a:chExt cx="1584176" cy="260083"/>
             </a:xfrm>
           </p:grpSpPr>
           <p:cxnSp>
@@ -6018,8 +8337,8 @@
             </p:nvSpPr>
             <p:spPr>
               <a:xfrm>
-                <a:off x="647104" y="447777"/>
-                <a:ext cx="1106607" cy="260082"/>
+                <a:off x="647104" y="447776"/>
+                <a:ext cx="1106607" cy="260083"/>
               </a:xfrm>
               <a:prstGeom prst="rect">
                 <a:avLst/>
@@ -6141,7 +8460,7 @@
               <a:p>
                 <a:pPr algn="l"/>
                 <a:r>
-                  <a:rPr lang="nl-BE" sz="2400" dirty="0" smtClean="0"/>
+                  <a:rPr lang="nl-BE" sz="2400" dirty="0"/>
                   <a:t>informatiestroom</a:t>
                 </a:r>
                 <a:endParaRPr lang="nl-BE" sz="1200" dirty="0"/>

--- a/SilverSurferVerslag/Verslag demo 5/Klassendiagramma.pptx
+++ b/SilverSurferVerslag/Verslag demo 5/Klassendiagramma.pptx
@@ -5094,10 +5094,10 @@
         </p:nvGrpSpPr>
         <p:grpSpPr>
           <a:xfrm>
-            <a:off x="442315" y="150418"/>
-            <a:ext cx="8276433" cy="6471896"/>
-            <a:chOff x="474933" y="320525"/>
-            <a:chExt cx="6207325" cy="8629195"/>
+            <a:off x="342306" y="548680"/>
+            <a:ext cx="8500865" cy="5864615"/>
+            <a:chOff x="759532" y="-227018"/>
+            <a:chExt cx="6375648" cy="7819487"/>
           </a:xfrm>
         </p:grpSpPr>
         <p:grpSp>
@@ -5108,10 +5108,10 @@
           </p:nvGrpSpPr>
           <p:grpSpPr>
             <a:xfrm>
-              <a:off x="474933" y="320525"/>
-              <a:ext cx="5350789" cy="4243361"/>
-              <a:chOff x="-158225" y="136729"/>
-              <a:chExt cx="10324441" cy="5807935"/>
+              <a:off x="759532" y="-227018"/>
+              <a:ext cx="4949227" cy="4958611"/>
+              <a:chOff x="390913" y="-612698"/>
+              <a:chExt cx="9549617" cy="6786903"/>
             </a:xfrm>
           </p:grpSpPr>
           <p:grpSp>
@@ -5122,10 +5122,10 @@
             </p:nvGrpSpPr>
             <p:grpSpPr>
               <a:xfrm>
-                <a:off x="1209928" y="3055664"/>
-                <a:ext cx="3362075" cy="2355407"/>
-                <a:chOff x="1209928" y="3055664"/>
-                <a:chExt cx="3362075" cy="2355407"/>
+                <a:off x="1562187" y="3067253"/>
+                <a:ext cx="2725094" cy="2573359"/>
+                <a:chOff x="1562187" y="3067253"/>
+                <a:chExt cx="2725094" cy="2573359"/>
               </a:xfrm>
             </p:grpSpPr>
             <p:cxnSp>
@@ -5138,9 +5138,9 @@
                 <p:nvPr/>
               </p:nvCxnSpPr>
               <p:spPr>
-                <a:xfrm rot="16200000" flipH="1">
-                  <a:off x="3219102" y="2842220"/>
-                  <a:ext cx="1139455" cy="1566343"/>
+                <a:xfrm rot="5400000">
+                  <a:off x="1667493" y="2961950"/>
+                  <a:ext cx="1127865" cy="1338476"/>
                 </a:xfrm>
                 <a:prstGeom prst="bentConnector3">
                   <a:avLst>
@@ -5180,9 +5180,9 @@
                 <p:nvPr/>
               </p:nvCxnSpPr>
               <p:spPr>
-                <a:xfrm rot="5400000">
-                  <a:off x="1536397" y="2729197"/>
-                  <a:ext cx="1142793" cy="1795731"/>
+                <a:xfrm rot="16200000" flipH="1">
+                  <a:off x="3030038" y="2937878"/>
+                  <a:ext cx="1127867" cy="1386618"/>
                 </a:xfrm>
                 <a:prstGeom prst="bentConnector3">
                   <a:avLst>
@@ -5223,8 +5223,8 @@
               </p:nvCxnSpPr>
               <p:spPr>
                 <a:xfrm>
-                  <a:off x="4572002" y="4728714"/>
-                  <a:ext cx="1" cy="682357"/>
+                  <a:off x="1562187" y="4728711"/>
+                  <a:ext cx="0" cy="911901"/>
                 </a:xfrm>
                 <a:prstGeom prst="straightConnector1">
                   <a:avLst/>
@@ -5261,10 +5261,10 @@
             </p:nvGrpSpPr>
             <p:grpSpPr>
               <a:xfrm>
-                <a:off x="-158225" y="136729"/>
-                <a:ext cx="10324441" cy="5807935"/>
-                <a:chOff x="-158225" y="136729"/>
-                <a:chExt cx="10324441" cy="5807935"/>
+                <a:off x="390913" y="-612698"/>
+                <a:ext cx="9549617" cy="6786903"/>
+                <a:chOff x="390913" y="-612698"/>
+                <a:chExt cx="9549617" cy="6786903"/>
               </a:xfrm>
             </p:grpSpPr>
             <p:sp>
@@ -5277,8 +5277,8 @@
               </p:nvSpPr>
               <p:spPr>
                 <a:xfrm>
-                  <a:off x="1608519" y="136729"/>
-                  <a:ext cx="2736305" cy="674012"/>
+                  <a:off x="1729391" y="-612698"/>
+                  <a:ext cx="2342547" cy="674012"/>
                 </a:xfrm>
                 <a:prstGeom prst="rect">
                   <a:avLst/>
@@ -5326,8 +5326,8 @@
               </p:nvSpPr>
               <p:spPr>
                 <a:xfrm>
-                  <a:off x="1608518" y="1408588"/>
-                  <a:ext cx="2736305" cy="533593"/>
+                  <a:off x="1729391" y="1007859"/>
+                  <a:ext cx="2342547" cy="533593"/>
                 </a:xfrm>
                 <a:prstGeom prst="rect">
                   <a:avLst/>
@@ -5370,8 +5370,8 @@
               </p:nvSpPr>
               <p:spPr>
                 <a:xfrm>
-                  <a:off x="3203850" y="5411071"/>
-                  <a:ext cx="2736305" cy="533593"/>
+                  <a:off x="390913" y="5640612"/>
+                  <a:ext cx="2342547" cy="533593"/>
                 </a:xfrm>
                 <a:prstGeom prst="rect">
                   <a:avLst/>
@@ -5414,8 +5414,8 @@
               </p:nvSpPr>
               <p:spPr>
                 <a:xfrm>
-                  <a:off x="-158225" y="4198459"/>
-                  <a:ext cx="2736305" cy="533593"/>
+                  <a:off x="3116007" y="4195121"/>
+                  <a:ext cx="2342545" cy="533593"/>
                 </a:xfrm>
                 <a:prstGeom prst="rect">
                   <a:avLst/>
@@ -5461,8 +5461,8 @@
               </p:nvSpPr>
               <p:spPr>
                 <a:xfrm>
-                  <a:off x="1637506" y="2522073"/>
-                  <a:ext cx="2736305" cy="533593"/>
+                  <a:off x="1729389" y="2533661"/>
+                  <a:ext cx="2342546" cy="533593"/>
                 </a:xfrm>
                 <a:prstGeom prst="rect">
                   <a:avLst/>
@@ -5508,8 +5508,8 @@
               </p:nvSpPr>
               <p:spPr>
                 <a:xfrm>
-                  <a:off x="7429911" y="4198459"/>
-                  <a:ext cx="2736305" cy="533593"/>
+                  <a:off x="7597986" y="2545806"/>
+                  <a:ext cx="2342544" cy="533593"/>
                 </a:xfrm>
                 <a:prstGeom prst="rect">
                   <a:avLst/>
@@ -5555,8 +5555,8 @@
               </p:nvSpPr>
               <p:spPr>
                 <a:xfrm>
-                  <a:off x="3203849" y="4195121"/>
-                  <a:ext cx="2736305" cy="533593"/>
+                  <a:off x="390914" y="4195119"/>
+                  <a:ext cx="2342545" cy="533593"/>
                 </a:xfrm>
                 <a:prstGeom prst="rect">
                   <a:avLst/>
@@ -5598,10 +5598,10 @@
             </p:nvGrpSpPr>
             <p:grpSpPr>
               <a:xfrm>
-                <a:off x="2976672" y="810741"/>
-                <a:ext cx="4453239" cy="3654515"/>
-                <a:chOff x="2976672" y="810741"/>
-                <a:chExt cx="4453239" cy="3654515"/>
+                <a:off x="2900664" y="61313"/>
+                <a:ext cx="4697322" cy="2751290"/>
+                <a:chOff x="2900664" y="61313"/>
+                <a:chExt cx="4697322" cy="2751290"/>
               </a:xfrm>
             </p:grpSpPr>
             <p:cxnSp>
@@ -5615,8 +5615,8 @@
               </p:nvCxnSpPr>
               <p:spPr>
                 <a:xfrm flipV="1">
-                  <a:off x="2976672" y="810741"/>
-                  <a:ext cx="1" cy="597847"/>
+                  <a:off x="2900665" y="61313"/>
+                  <a:ext cx="0" cy="946545"/>
                 </a:xfrm>
                 <a:prstGeom prst="straightConnector1">
                   <a:avLst/>
@@ -5651,9 +5651,9 @@
                 <p:nvPr/>
               </p:nvCxnSpPr>
               <p:spPr>
-                <a:xfrm flipH="1" flipV="1">
-                  <a:off x="2976672" y="1942181"/>
-                  <a:ext cx="28988" cy="579892"/>
+                <a:xfrm flipV="1">
+                  <a:off x="2900664" y="1541451"/>
+                  <a:ext cx="1" cy="992209"/>
                 </a:xfrm>
                 <a:prstGeom prst="straightConnector1">
                   <a:avLst/>
@@ -5683,14 +5683,14 @@
                 <p:cNvPr id="10" name="Rechte verbindingslijn met pijl 9"/>
                 <p:cNvCxnSpPr>
                   <a:stCxn id="16" idx="1"/>
-                  <a:endCxn id="18" idx="3"/>
+                  <a:endCxn id="15" idx="3"/>
                 </p:cNvCxnSpPr>
                 <p:nvPr/>
               </p:nvCxnSpPr>
               <p:spPr>
                 <a:xfrm flipH="1" flipV="1">
-                  <a:off x="5940155" y="4461918"/>
-                  <a:ext cx="1489756" cy="3338"/>
+                  <a:off x="4071934" y="2800458"/>
+                  <a:ext cx="3526052" cy="12145"/>
                 </a:xfrm>
                 <a:prstGeom prst="straightConnector1">
                   <a:avLst/>
@@ -5725,10 +5725,10 @@
           </p:nvGrpSpPr>
           <p:grpSpPr>
             <a:xfrm>
-              <a:off x="2756919" y="3677933"/>
-              <a:ext cx="3925339" cy="3849991"/>
-              <a:chOff x="1332150" y="-117330"/>
-              <a:chExt cx="9790093" cy="3995262"/>
+              <a:off x="3785637" y="2470482"/>
+              <a:ext cx="3349543" cy="3476483"/>
+              <a:chOff x="3897853" y="-1370341"/>
+              <a:chExt cx="8354015" cy="3607660"/>
             </a:xfrm>
           </p:grpSpPr>
           <p:grpSp>
@@ -5739,10 +5739,10 @@
             </p:nvGrpSpPr>
             <p:grpSpPr>
               <a:xfrm>
-                <a:off x="3063159" y="-117330"/>
-                <a:ext cx="6289510" cy="3078688"/>
-                <a:chOff x="3063159" y="-117330"/>
-                <a:chExt cx="6289510" cy="3078688"/>
+                <a:off x="5411830" y="-1370341"/>
+                <a:ext cx="5326061" cy="2371610"/>
+                <a:chOff x="5411830" y="-1370341"/>
+                <a:chExt cx="5326061" cy="2371610"/>
               </a:xfrm>
             </p:grpSpPr>
             <p:cxnSp>
@@ -5755,9 +5755,9 @@
                 <p:nvPr/>
               </p:nvCxnSpPr>
               <p:spPr>
-                <a:xfrm rot="5400000">
-                  <a:off x="5505942" y="-461975"/>
-                  <a:ext cx="1366931" cy="2056221"/>
+                <a:xfrm rot="16200000" flipH="1">
+                  <a:off x="7641559" y="-1831611"/>
+                  <a:ext cx="845921" cy="1768462"/>
                 </a:xfrm>
                 <a:prstGeom prst="bentConnector3">
                   <a:avLst/>
@@ -5795,9 +5795,9 @@
                 <p:nvPr/>
               </p:nvCxnSpPr>
               <p:spPr>
-                <a:xfrm rot="16200000" flipH="1">
-                  <a:off x="7594433" y="-494245"/>
-                  <a:ext cx="1381321" cy="2135151"/>
+                <a:xfrm rot="5400000">
+                  <a:off x="5873099" y="-1831609"/>
+                  <a:ext cx="845921" cy="1768460"/>
                 </a:xfrm>
                 <a:prstGeom prst="bentConnector3">
                   <a:avLst>
@@ -5838,8 +5838,8 @@
               </p:nvCxnSpPr>
               <p:spPr>
                 <a:xfrm rot="5400000">
-                  <a:off x="3458630" y="1258692"/>
-                  <a:ext cx="1307195" cy="2098138"/>
+                  <a:off x="7503960" y="-443525"/>
+                  <a:ext cx="1121128" cy="1768459"/>
                 </a:xfrm>
                 <a:prstGeom prst="bentConnector3">
                   <a:avLst/>
@@ -5878,8 +5878,8 @@
               </p:nvCxnSpPr>
               <p:spPr>
                 <a:xfrm rot="16200000" flipH="1">
-                  <a:off x="5498018" y="1317441"/>
-                  <a:ext cx="1307195" cy="1980639"/>
+                  <a:off x="9282758" y="-453865"/>
+                  <a:ext cx="1121128" cy="1789139"/>
                 </a:xfrm>
                 <a:prstGeom prst="bentConnector3">
                   <a:avLst/>
@@ -5916,10 +5916,10 @@
             </p:nvGrpSpPr>
             <p:grpSpPr>
               <a:xfrm>
-                <a:off x="1332150" y="1249602"/>
-                <a:ext cx="9790093" cy="2116317"/>
-                <a:chOff x="1332150" y="1249602"/>
-                <a:chExt cx="9790093" cy="2116317"/>
+                <a:off x="3897853" y="-524420"/>
+                <a:ext cx="8354015" cy="1930250"/>
+                <a:chOff x="3897853" y="-524420"/>
+                <a:chExt cx="8354015" cy="1930250"/>
               </a:xfrm>
             </p:grpSpPr>
             <p:sp>
@@ -5932,8 +5932,8 @@
               </p:nvSpPr>
               <p:spPr>
                 <a:xfrm>
-                  <a:off x="3391719" y="1249602"/>
-                  <a:ext cx="3539154" cy="404561"/>
+                  <a:off x="7434775" y="-524420"/>
+                  <a:ext cx="3027952" cy="404561"/>
                 </a:xfrm>
                 <a:prstGeom prst="rect">
                   <a:avLst/>
@@ -5979,8 +5979,8 @@
               </p:nvSpPr>
               <p:spPr>
                 <a:xfrm>
-                  <a:off x="5373473" y="2961358"/>
-                  <a:ext cx="3536924" cy="404561"/>
+                  <a:off x="9223912" y="1001269"/>
+                  <a:ext cx="3027956" cy="404561"/>
                 </a:xfrm>
                 <a:prstGeom prst="rect">
                   <a:avLst/>
@@ -6026,8 +6026,8 @@
               </p:nvSpPr>
               <p:spPr>
                 <a:xfrm>
-                  <a:off x="1332150" y="2961358"/>
-                  <a:ext cx="3462014" cy="404561"/>
+                  <a:off x="5666317" y="1001269"/>
+                  <a:ext cx="3027952" cy="404561"/>
                 </a:xfrm>
                 <a:prstGeom prst="rect">
                   <a:avLst/>
@@ -6073,8 +6073,8 @@
               </p:nvSpPr>
               <p:spPr>
                 <a:xfrm>
-                  <a:off x="7583091" y="1263992"/>
-                  <a:ext cx="3539152" cy="404561"/>
+                  <a:off x="3897853" y="-524420"/>
+                  <a:ext cx="3027951" cy="404561"/>
                 </a:xfrm>
                 <a:prstGeom prst="rect">
                   <a:avLst/>
@@ -6122,8 +6122,8 @@
             </p:nvCxnSpPr>
             <p:spPr>
               <a:xfrm>
-                <a:off x="3063158" y="3365919"/>
-                <a:ext cx="18472" cy="512013"/>
+                <a:off x="7180293" y="1405830"/>
+                <a:ext cx="0" cy="831490"/>
               </a:xfrm>
               <a:prstGeom prst="straightConnector1">
                 <a:avLst/>
@@ -6157,10 +6157,10 @@
           </p:nvGrpSpPr>
           <p:grpSpPr>
             <a:xfrm>
-              <a:off x="654165" y="6644677"/>
-              <a:ext cx="3508689" cy="2305043"/>
-              <a:chOff x="-8093733" y="1121270"/>
-              <a:chExt cx="7272675" cy="2960697"/>
+              <a:off x="2870119" y="4755860"/>
+              <a:ext cx="2842624" cy="2836609"/>
+              <a:chOff x="-3500590" y="-1304809"/>
+              <a:chExt cx="5892082" cy="3643462"/>
             </a:xfrm>
           </p:grpSpPr>
           <p:sp>
@@ -6173,8 +6173,8 @@
             </p:nvSpPr>
             <p:spPr>
               <a:xfrm>
-                <a:off x="-3741500" y="2255751"/>
-                <a:ext cx="2920442" cy="500741"/>
+                <a:off x="-133218" y="225098"/>
+                <a:ext cx="2516454" cy="500741"/>
               </a:xfrm>
               <a:prstGeom prst="rect">
                 <a:avLst/>
@@ -6219,8 +6219,8 @@
             </p:nvSpPr>
             <p:spPr>
               <a:xfrm>
-                <a:off x="-8093733" y="2255751"/>
-                <a:ext cx="3177352" cy="500741"/>
+                <a:off x="-3500590" y="225097"/>
+                <a:ext cx="2516452" cy="500741"/>
               </a:xfrm>
               <a:prstGeom prst="rect">
                 <a:avLst/>
@@ -6266,8 +6266,8 @@
             </p:nvSpPr>
             <p:spPr>
               <a:xfrm>
-                <a:off x="-7850747" y="1121270"/>
-                <a:ext cx="2724773" cy="500741"/>
+                <a:off x="-3500590" y="-1304809"/>
+                <a:ext cx="2516452" cy="500741"/>
               </a:xfrm>
               <a:prstGeom prst="rect">
                 <a:avLst/>
@@ -6313,8 +6313,8 @@
             </p:nvSpPr>
             <p:spPr>
               <a:xfrm>
-                <a:off x="-3741500" y="3449452"/>
-                <a:ext cx="2920442" cy="632515"/>
+                <a:off x="-124964" y="1706139"/>
+                <a:ext cx="2516456" cy="632514"/>
               </a:xfrm>
               <a:prstGeom prst="rect">
                 <a:avLst/>
@@ -6370,9 +6370,9 @@
           <p:nvPr/>
         </p:nvCxnSpPr>
         <p:spPr>
-          <a:xfrm flipH="1">
-            <a:off x="1703230" y="5185920"/>
-            <a:ext cx="10740" cy="370047"/>
+          <a:xfrm>
+            <a:off x="3965794" y="4578227"/>
+            <a:ext cx="0" cy="600940"/>
           </a:xfrm>
           <a:prstGeom prst="straightConnector1">
             <a:avLst/>
@@ -6408,8 +6408,8 @@
         </p:nvCxnSpPr>
         <p:spPr>
           <a:xfrm>
-            <a:off x="1703230" y="5848355"/>
-            <a:ext cx="1777697" cy="589293"/>
+            <a:off x="3965794" y="5471555"/>
+            <a:ext cx="1362048" cy="757074"/>
           </a:xfrm>
           <a:prstGeom prst="straightConnector1">
             <a:avLst/>
@@ -6445,8 +6445,8 @@
         </p:nvCxnSpPr>
         <p:spPr>
           <a:xfrm>
-            <a:off x="4420235" y="5848355"/>
-            <a:ext cx="0" cy="404627"/>
+            <a:off x="6131905" y="5471555"/>
+            <a:ext cx="5310" cy="572408"/>
           </a:xfrm>
           <a:prstGeom prst="straightConnector1">
             <a:avLst/>
@@ -6482,8 +6482,8 @@
         </p:nvCxnSpPr>
         <p:spPr>
           <a:xfrm flipH="1">
-            <a:off x="2590344" y="5039726"/>
-            <a:ext cx="894619" cy="0"/>
+            <a:off x="4775165" y="4432032"/>
+            <a:ext cx="547369" cy="1"/>
           </a:xfrm>
           <a:prstGeom prst="straightConnector1">
             <a:avLst/>
@@ -6546,10 +6546,10 @@
         </p:nvGrpSpPr>
         <p:grpSpPr>
           <a:xfrm>
-            <a:off x="1150306" y="1261620"/>
-            <a:ext cx="6204780" cy="3989393"/>
-            <a:chOff x="862729" y="1682159"/>
-            <a:chExt cx="4653585" cy="5319192"/>
+            <a:off x="2227247" y="1261620"/>
+            <a:ext cx="4555250" cy="3989393"/>
+            <a:chOff x="1670435" y="1682159"/>
+            <a:chExt cx="3416436" cy="5319191"/>
           </a:xfrm>
         </p:grpSpPr>
         <p:sp>
@@ -6562,8 +6562,8 @@
           </p:nvSpPr>
           <p:spPr>
             <a:xfrm>
-              <a:off x="2602595" y="1682159"/>
-              <a:ext cx="2484276" cy="2179320"/>
+              <a:off x="3050958" y="1682159"/>
+              <a:ext cx="1620180" cy="2179320"/>
             </a:xfrm>
             <a:prstGeom prst="roundRect">
               <a:avLst/>
@@ -6629,10 +6629,10 @@
           </p:nvGrpSpPr>
           <p:grpSpPr>
             <a:xfrm>
-              <a:off x="862729" y="2454711"/>
-              <a:ext cx="4653585" cy="4546640"/>
-              <a:chOff x="468287" y="1877208"/>
-              <a:chExt cx="6204780" cy="3409980"/>
+              <a:off x="1670435" y="2454089"/>
+              <a:ext cx="3416436" cy="4547261"/>
+              <a:chOff x="1545228" y="1876742"/>
+              <a:chExt cx="4555248" cy="3410446"/>
             </a:xfrm>
           </p:grpSpPr>
           <p:sp>
@@ -6645,8 +6645,8 @@
             </p:nvSpPr>
             <p:spPr>
               <a:xfrm>
-                <a:off x="4701715" y="3588082"/>
-                <a:ext cx="1971352" cy="292388"/>
+                <a:off x="4706205" y="3588082"/>
+                <a:ext cx="1394271" cy="291722"/>
               </a:xfrm>
               <a:prstGeom prst="rect">
                 <a:avLst/>
@@ -6692,8 +6692,8 @@
             </p:nvSpPr>
             <p:spPr>
               <a:xfrm>
-                <a:off x="2200847" y="3587416"/>
-                <a:ext cx="1971352" cy="292388"/>
+                <a:off x="2788107" y="3587416"/>
+                <a:ext cx="1384091" cy="292388"/>
               </a:xfrm>
               <a:prstGeom prst="rect">
                 <a:avLst/>
@@ -6739,8 +6739,8 @@
             </p:nvSpPr>
             <p:spPr>
               <a:xfrm>
-                <a:off x="468287" y="1877209"/>
-                <a:ext cx="1971352" cy="292388"/>
+                <a:off x="1545228" y="1876742"/>
+                <a:ext cx="1394272" cy="292388"/>
               </a:xfrm>
               <a:prstGeom prst="rect">
                 <a:avLst/>
@@ -6786,8 +6786,8 @@
             </p:nvSpPr>
             <p:spPr>
               <a:xfrm>
-                <a:off x="2200847" y="4274094"/>
-                <a:ext cx="1971352" cy="292388"/>
+                <a:off x="2777927" y="4274094"/>
+                <a:ext cx="1394271" cy="292388"/>
               </a:xfrm>
               <a:prstGeom prst="rect">
                 <a:avLst/>
@@ -6834,7 +6834,7 @@
             <p:spPr>
               <a:xfrm>
                 <a:off x="4688982" y="4287307"/>
-                <a:ext cx="1971352" cy="292388"/>
+                <a:ext cx="1411494" cy="292388"/>
               </a:xfrm>
               <a:prstGeom prst="rect">
                 <a:avLst/>
@@ -6880,8 +6880,8 @@
             </p:nvSpPr>
             <p:spPr>
               <a:xfrm>
-                <a:off x="2200847" y="4994800"/>
-                <a:ext cx="1971352" cy="292388"/>
+                <a:off x="2777928" y="4994800"/>
+                <a:ext cx="1394271" cy="292388"/>
               </a:xfrm>
               <a:prstGeom prst="rect">
                 <a:avLst/>
@@ -6913,7 +6913,6 @@
                   <a:rPr lang="nl-BE" dirty="0"/>
                   <a:t>…</a:t>
                 </a:r>
-                <a:endParaRPr lang="nl-BE" dirty="0"/>
               </a:p>
             </p:txBody>
           </p:sp>
@@ -6928,7 +6927,7 @@
             <p:spPr>
               <a:xfrm>
                 <a:off x="4701715" y="4994800"/>
-                <a:ext cx="1971352" cy="292388"/>
+                <a:ext cx="1398761" cy="292388"/>
               </a:xfrm>
               <a:prstGeom prst="rect">
                 <a:avLst/>
@@ -6960,7 +6959,6 @@
                   <a:rPr lang="nl-BE" dirty="0"/>
                   <a:t>…</a:t>
                 </a:r>
-                <a:endParaRPr lang="nl-BE" dirty="0"/>
               </a:p>
             </p:txBody>
           </p:sp>
@@ -6974,8 +6972,8 @@
             </p:nvSpPr>
             <p:spPr>
               <a:xfrm>
-                <a:off x="3468365" y="1877208"/>
-                <a:ext cx="1971352" cy="292388"/>
+                <a:off x="3747155" y="1877208"/>
+                <a:ext cx="1394272" cy="292388"/>
               </a:xfrm>
               <a:prstGeom prst="rect">
                 <a:avLst/>
@@ -7007,7 +7005,6 @@
                   <a:rPr lang="nl-BE" dirty="0"/>
                   <a:t>Client</a:t>
                 </a:r>
-                <a:endParaRPr lang="nl-BE" dirty="0"/>
               </a:p>
             </p:txBody>
           </p:sp>
@@ -7021,8 +7018,8 @@
             </p:nvSpPr>
             <p:spPr>
               <a:xfrm>
-                <a:off x="3468364" y="2335346"/>
-                <a:ext cx="1971352" cy="292388"/>
+                <a:off x="3747155" y="2325658"/>
+                <a:ext cx="1394272" cy="292388"/>
               </a:xfrm>
               <a:prstGeom prst="rect">
                 <a:avLst/>
@@ -7051,10 +7048,10 @@
               </a:lstStyle>
               <a:p>
                 <a:r>
-                  <a:rPr lang="nl-BE" dirty="0" err="1"/>
+                  <a:rPr lang="nl-BE" i="1" dirty="0" err="1"/>
                   <a:t>Handler</a:t>
                 </a:r>
-                <a:endParaRPr lang="nl-BE" dirty="0"/>
+                <a:endParaRPr lang="nl-BE" i="1" dirty="0"/>
               </a:p>
             </p:txBody>
           </p:sp>
@@ -7067,10 +7064,10 @@
           </p:nvGrpSpPr>
           <p:grpSpPr>
             <a:xfrm>
-              <a:off x="1601986" y="2649637"/>
-              <a:ext cx="3175071" cy="3961864"/>
-              <a:chOff x="1453964" y="2005607"/>
-              <a:chExt cx="4233427" cy="2971399"/>
+              <a:off x="2193288" y="2649014"/>
+              <a:ext cx="2370733" cy="3962487"/>
+              <a:chOff x="2242366" y="2005140"/>
+              <a:chExt cx="3160976" cy="2971866"/>
             </a:xfrm>
           </p:grpSpPr>
           <p:cxnSp>
@@ -7084,8 +7081,8 @@
             </p:nvCxnSpPr>
             <p:spPr>
               <a:xfrm rot="16200000" flipH="1">
-                <a:off x="4590542" y="2473437"/>
-                <a:ext cx="960348" cy="1233351"/>
+                <a:off x="4438799" y="2605743"/>
+                <a:ext cx="970036" cy="959050"/>
               </a:xfrm>
               <a:prstGeom prst="bentConnector3">
                 <a:avLst>
@@ -7126,8 +7123,8 @@
             </p:nvCxnSpPr>
             <p:spPr>
               <a:xfrm rot="5400000">
-                <a:off x="3340442" y="2456022"/>
-                <a:ext cx="959682" cy="1267517"/>
+                <a:off x="3477538" y="2602866"/>
+                <a:ext cx="969370" cy="964139"/>
               </a:xfrm>
               <a:prstGeom prst="bentConnector3">
                 <a:avLst>
@@ -7168,8 +7165,8 @@
             </p:nvCxnSpPr>
             <p:spPr>
               <a:xfrm>
-                <a:off x="5674658" y="4561901"/>
-                <a:ext cx="12733" cy="415105"/>
+                <a:off x="5394730" y="4561901"/>
+                <a:ext cx="6367" cy="415105"/>
               </a:xfrm>
               <a:prstGeom prst="straightConnector1">
                 <a:avLst/>
@@ -7205,8 +7202,8 @@
             </p:nvCxnSpPr>
             <p:spPr>
               <a:xfrm flipH="1">
-                <a:off x="5674658" y="3862676"/>
-                <a:ext cx="12733" cy="406837"/>
+                <a:off x="5394729" y="3862009"/>
+                <a:ext cx="8612" cy="407503"/>
               </a:xfrm>
               <a:prstGeom prst="straightConnector1">
                 <a:avLst/>
@@ -7242,8 +7239,8 @@
             </p:nvCxnSpPr>
             <p:spPr>
               <a:xfrm>
-                <a:off x="3186524" y="4548688"/>
-                <a:ext cx="0" cy="428318"/>
+                <a:off x="3475064" y="4548687"/>
+                <a:ext cx="1" cy="428318"/>
               </a:xfrm>
               <a:prstGeom prst="straightConnector1">
                 <a:avLst/>
@@ -7278,9 +7275,9 @@
               <p:nvPr/>
             </p:nvCxnSpPr>
             <p:spPr>
-              <a:xfrm>
-                <a:off x="3186524" y="3862010"/>
-                <a:ext cx="0" cy="394290"/>
+              <a:xfrm flipH="1">
+                <a:off x="3475064" y="3862009"/>
+                <a:ext cx="5090" cy="394290"/>
               </a:xfrm>
               <a:prstGeom prst="straightConnector1">
                 <a:avLst/>
@@ -7315,9 +7312,9 @@
               <p:nvPr/>
             </p:nvCxnSpPr>
             <p:spPr>
-              <a:xfrm flipV="1">
-                <a:off x="2439640" y="2005607"/>
-                <a:ext cx="1028726" cy="1"/>
+              <a:xfrm>
+                <a:off x="2939500" y="2005140"/>
+                <a:ext cx="807654" cy="466"/>
               </a:xfrm>
               <a:prstGeom prst="straightConnector1">
                 <a:avLst/>
@@ -7353,8 +7350,8 @@
             </p:nvCxnSpPr>
             <p:spPr>
               <a:xfrm rot="10800000">
-                <a:off x="1453964" y="2151803"/>
-                <a:ext cx="746884" cy="2250692"/>
+                <a:off x="2242366" y="2151334"/>
+                <a:ext cx="535562" cy="2251159"/>
               </a:xfrm>
               <a:prstGeom prst="bentConnector2">
                 <a:avLst/>
